--- a/Presentation/Team xD.pptx
+++ b/Presentation/Team xD.pptx
@@ -2,18 +2,16 @@
 <file path=ppt/presentation.xml><?xml version="1.0" encoding="utf-8"?>
 <p:presentation xmlns:a="http://schemas.openxmlformats.org/drawingml/2006/main" xmlns:r="http://schemas.openxmlformats.org/officeDocument/2006/relationships" xmlns:p="http://schemas.openxmlformats.org/presentationml/2006/main" saveSubsetFonts="1">
   <p:sldMasterIdLst>
-    <p:sldMasterId id="2147483684" r:id="rId1"/>
+    <p:sldMasterId id="2147483804" r:id="rId1"/>
   </p:sldMasterIdLst>
   <p:notesMasterIdLst>
-    <p:notesMasterId r:id="rId8"/>
+    <p:notesMasterId r:id="rId6"/>
   </p:notesMasterIdLst>
   <p:sldIdLst>
-    <p:sldId id="256" r:id="rId2"/>
-    <p:sldId id="257" r:id="rId3"/>
-    <p:sldId id="259" r:id="rId4"/>
-    <p:sldId id="258" r:id="rId5"/>
-    <p:sldId id="260" r:id="rId6"/>
-    <p:sldId id="261" r:id="rId7"/>
+    <p:sldId id="262" r:id="rId2"/>
+    <p:sldId id="264" r:id="rId3"/>
+    <p:sldId id="263" r:id="rId4"/>
+    <p:sldId id="265" r:id="rId5"/>
   </p:sldIdLst>
   <p:sldSz cx="9144000" cy="6858000" type="screen4x3"/>
   <p:notesSz cx="6858000" cy="9144000"/>
@@ -112,6 +110,22 @@
       </a:defRPr>
     </a:lvl9pPr>
   </p:defaultTextStyle>
+  <p:extLst>
+    <p:ext uri="{EFAFB233-063F-42B5-8137-9DF3F51BA10A}">
+      <p15:sldGuideLst xmlns:p15="http://schemas.microsoft.com/office/powerpoint/2012/main">
+        <p15:guide id="1" orient="horz" pos="2160">
+          <p15:clr>
+            <a:srgbClr val="A4A3A4"/>
+          </p15:clr>
+        </p15:guide>
+        <p15:guide id="2" pos="2880">
+          <p15:clr>
+            <a:srgbClr val="A4A3A4"/>
+          </p15:clr>
+        </p15:guide>
+      </p15:sldGuideLst>
+    </p:ext>
+  </p:extLst>
 </p:presentation>
 </file>
 
@@ -365,6 +379,11 @@
         </p:txBody>
       </p:sp>
     </p:spTree>
+    <p:extLst>
+      <p:ext uri="{BB962C8B-B14F-4D97-AF65-F5344CB8AC3E}">
+        <p14:creationId xmlns:p14="http://schemas.microsoft.com/office/powerpoint/2010/main" val="877549505"/>
+      </p:ext>
+    </p:extLst>
   </p:cSld>
   <p:clrMap bg1="lt1" tx1="dk1" bg2="lt2" tx2="dk2" accent1="accent1" accent2="accent2" accent3="accent3" accent4="accent4" accent5="accent5" accent6="accent6" hlink="hlink" folHlink="folHlink"/>
   <p:notesStyle>
@@ -462,9 +481,9 @@
 </p:notesMaster>
 </file>
 
-<file path=ppt/notesSlides/notesSlide1.xml><?xml version="1.0" encoding="utf-8"?>
-<p:notes xmlns:a="http://schemas.openxmlformats.org/drawingml/2006/main" xmlns:r="http://schemas.openxmlformats.org/officeDocument/2006/relationships" xmlns:p="http://schemas.openxmlformats.org/presentationml/2006/main">
-  <p:cSld>
+<file path=ppt/slideLayouts/slideLayout1.xml><?xml version="1.0" encoding="utf-8"?>
+<p:sldLayout xmlns:a="http://schemas.openxmlformats.org/drawingml/2006/main" xmlns:r="http://schemas.openxmlformats.org/officeDocument/2006/relationships" xmlns:p="http://schemas.openxmlformats.org/presentationml/2006/main" type="title" preserve="1">
+  <p:cSld name="Title Slide">
     <p:spTree>
       <p:nvGrpSpPr>
         <p:cNvPr id="1" name=""/>
@@ -481,49 +500,265 @@
       </p:grpSpPr>
       <p:sp>
         <p:nvSpPr>
-          <p:cNvPr id="2" name="Контейнер за изображение на слайда 1"/>
-          <p:cNvSpPr>
-            <a:spLocks noGrp="1" noRot="1" noChangeAspect="1"/>
-          </p:cNvSpPr>
-          <p:nvPr>
-            <p:ph type="sldImg"/>
-          </p:nvPr>
-        </p:nvSpPr>
-        <p:spPr/>
-      </p:sp>
-      <p:sp>
-        <p:nvSpPr>
-          <p:cNvPr id="3" name="Контейнер за бележки 2"/>
-          <p:cNvSpPr>
-            <a:spLocks noGrp="1"/>
-          </p:cNvSpPr>
-          <p:nvPr>
-            <p:ph type="body" idx="1"/>
-          </p:nvPr>
-        </p:nvSpPr>
-        <p:spPr/>
-        <p:txBody>
-          <a:bodyPr>
-            <a:normAutofit/>
-          </a:bodyPr>
-          <a:lstStyle/>
-          <a:p>
-            <a:r>
-              <a:rPr lang="bg-BG" dirty="0" smtClean="0"/>
-              <a:t>///</a:t>
-            </a:r>
-            <a:endParaRPr lang="bg-BG" dirty="0"/>
-          </a:p>
-        </p:txBody>
-      </p:sp>
-      <p:sp>
-        <p:nvSpPr>
-          <p:cNvPr id="4" name="Контейнер за номер на слайда 3"/>
-          <p:cNvSpPr>
-            <a:spLocks noGrp="1"/>
-          </p:cNvSpPr>
-          <p:nvPr>
-            <p:ph type="sldNum" sz="quarter" idx="10"/>
+          <p:cNvPr id="11" name="Freeform 6"/>
+          <p:cNvSpPr/>
+          <p:nvPr/>
+        </p:nvSpPr>
+        <p:spPr bwMode="auto">
+          <a:xfrm>
+            <a:off x="0" y="-3175"/>
+            <a:ext cx="9144000" cy="5203825"/>
+          </a:xfrm>
+          <a:custGeom>
+            <a:avLst/>
+            <a:gdLst/>
+            <a:ahLst/>
+            <a:cxnLst/>
+            <a:rect l="0" t="0" r="r" b="b"/>
+            <a:pathLst>
+              <a:path w="5760" h="3278">
+                <a:moveTo>
+                  <a:pt x="5760" y="0"/>
+                </a:moveTo>
+                <a:lnTo>
+                  <a:pt x="0" y="0"/>
+                </a:lnTo>
+                <a:lnTo>
+                  <a:pt x="0" y="3090"/>
+                </a:lnTo>
+                <a:lnTo>
+                  <a:pt x="943" y="3090"/>
+                </a:lnTo>
+                <a:lnTo>
+                  <a:pt x="1123" y="3270"/>
+                </a:lnTo>
+                <a:lnTo>
+                  <a:pt x="1123" y="3270"/>
+                </a:lnTo>
+                <a:lnTo>
+                  <a:pt x="1127" y="3272"/>
+                </a:lnTo>
+                <a:lnTo>
+                  <a:pt x="1133" y="3275"/>
+                </a:lnTo>
+                <a:lnTo>
+                  <a:pt x="1139" y="3278"/>
+                </a:lnTo>
+                <a:lnTo>
+                  <a:pt x="1144" y="3278"/>
+                </a:lnTo>
+                <a:lnTo>
+                  <a:pt x="1150" y="3278"/>
+                </a:lnTo>
+                <a:lnTo>
+                  <a:pt x="1155" y="3275"/>
+                </a:lnTo>
+                <a:lnTo>
+                  <a:pt x="1161" y="3272"/>
+                </a:lnTo>
+                <a:lnTo>
+                  <a:pt x="1165" y="3270"/>
+                </a:lnTo>
+                <a:lnTo>
+                  <a:pt x="1345" y="3090"/>
+                </a:lnTo>
+                <a:lnTo>
+                  <a:pt x="5760" y="3090"/>
+                </a:lnTo>
+                <a:lnTo>
+                  <a:pt x="5760" y="0"/>
+                </a:lnTo>
+                <a:close/>
+              </a:path>
+            </a:pathLst>
+          </a:custGeom>
+          <a:ln/>
+          <a:effectLst/>
+          <a:extLst>
+            <a:ext uri="{91240B29-F687-4F45-9708-019B960494DF}">
+              <a14:hiddenLine xmlns:a14="http://schemas.microsoft.com/office/drawing/2010/main" w="9525">
+                <a:solidFill>
+                  <a:srgbClr val="000000"/>
+                </a:solidFill>
+                <a:round/>
+                <a:headEnd/>
+                <a:tailEnd/>
+              </a14:hiddenLine>
+            </a:ext>
+          </a:extLst>
+        </p:spPr>
+        <p:style>
+          <a:lnRef idx="1">
+            <a:schemeClr val="accent1"/>
+          </a:lnRef>
+          <a:fillRef idx="3">
+            <a:schemeClr val="accent1"/>
+          </a:fillRef>
+          <a:effectRef idx="2">
+            <a:schemeClr val="accent1"/>
+          </a:effectRef>
+          <a:fontRef idx="minor">
+            <a:schemeClr val="lt1"/>
+          </a:fontRef>
+        </p:style>
+      </p:sp>
+      <p:sp>
+        <p:nvSpPr>
+          <p:cNvPr id="2" name="Title 1"/>
+          <p:cNvSpPr>
+            <a:spLocks noGrp="1"/>
+          </p:cNvSpPr>
+          <p:nvPr>
+            <p:ph type="ctrTitle"/>
+          </p:nvPr>
+        </p:nvSpPr>
+        <p:spPr>
+          <a:xfrm>
+            <a:off x="808831" y="1449146"/>
+            <a:ext cx="7526338" cy="2971051"/>
+          </a:xfrm>
+        </p:spPr>
+        <p:txBody>
+          <a:bodyPr/>
+          <a:lstStyle>
+            <a:lvl1pPr>
+              <a:defRPr sz="5400"/>
+            </a:lvl1pPr>
+          </a:lstStyle>
+          <a:p>
+            <a:r>
+              <a:rPr lang="en-US" smtClean="0"/>
+              <a:t>Click to edit Master title style</a:t>
+            </a:r>
+            <a:endParaRPr lang="en-US" dirty="0"/>
+          </a:p>
+        </p:txBody>
+      </p:sp>
+      <p:sp>
+        <p:nvSpPr>
+          <p:cNvPr id="3" name="Subtitle 2"/>
+          <p:cNvSpPr>
+            <a:spLocks noGrp="1"/>
+          </p:cNvSpPr>
+          <p:nvPr>
+            <p:ph type="subTitle" idx="1"/>
+          </p:nvPr>
+        </p:nvSpPr>
+        <p:spPr>
+          <a:xfrm>
+            <a:off x="808831" y="5280847"/>
+            <a:ext cx="7526338" cy="434974"/>
+          </a:xfrm>
+        </p:spPr>
+        <p:txBody>
+          <a:bodyPr anchor="t"/>
+          <a:lstStyle>
+            <a:lvl1pPr marL="0" indent="0" algn="l">
+              <a:buNone/>
+              <a:defRPr>
+                <a:solidFill>
+                  <a:schemeClr val="tx1"/>
+                </a:solidFill>
+              </a:defRPr>
+            </a:lvl1pPr>
+            <a:lvl2pPr marL="457200" indent="0" algn="ctr">
+              <a:buNone/>
+              <a:defRPr>
+                <a:solidFill>
+                  <a:schemeClr val="tx1">
+                    <a:tint val="75000"/>
+                  </a:schemeClr>
+                </a:solidFill>
+              </a:defRPr>
+            </a:lvl2pPr>
+            <a:lvl3pPr marL="914400" indent="0" algn="ctr">
+              <a:buNone/>
+              <a:defRPr>
+                <a:solidFill>
+                  <a:schemeClr val="tx1">
+                    <a:tint val="75000"/>
+                  </a:schemeClr>
+                </a:solidFill>
+              </a:defRPr>
+            </a:lvl3pPr>
+            <a:lvl4pPr marL="1371600" indent="0" algn="ctr">
+              <a:buNone/>
+              <a:defRPr>
+                <a:solidFill>
+                  <a:schemeClr val="tx1">
+                    <a:tint val="75000"/>
+                  </a:schemeClr>
+                </a:solidFill>
+              </a:defRPr>
+            </a:lvl4pPr>
+            <a:lvl5pPr marL="1828800" indent="0" algn="ctr">
+              <a:buNone/>
+              <a:defRPr>
+                <a:solidFill>
+                  <a:schemeClr val="tx1">
+                    <a:tint val="75000"/>
+                  </a:schemeClr>
+                </a:solidFill>
+              </a:defRPr>
+            </a:lvl5pPr>
+            <a:lvl6pPr marL="2286000" indent="0" algn="ctr">
+              <a:buNone/>
+              <a:defRPr>
+                <a:solidFill>
+                  <a:schemeClr val="tx1">
+                    <a:tint val="75000"/>
+                  </a:schemeClr>
+                </a:solidFill>
+              </a:defRPr>
+            </a:lvl6pPr>
+            <a:lvl7pPr marL="2743200" indent="0" algn="ctr">
+              <a:buNone/>
+              <a:defRPr>
+                <a:solidFill>
+                  <a:schemeClr val="tx1">
+                    <a:tint val="75000"/>
+                  </a:schemeClr>
+                </a:solidFill>
+              </a:defRPr>
+            </a:lvl7pPr>
+            <a:lvl8pPr marL="3200400" indent="0" algn="ctr">
+              <a:buNone/>
+              <a:defRPr>
+                <a:solidFill>
+                  <a:schemeClr val="tx1">
+                    <a:tint val="75000"/>
+                  </a:schemeClr>
+                </a:solidFill>
+              </a:defRPr>
+            </a:lvl8pPr>
+            <a:lvl9pPr marL="3657600" indent="0" algn="ctr">
+              <a:buNone/>
+              <a:defRPr>
+                <a:solidFill>
+                  <a:schemeClr val="tx1">
+                    <a:tint val="75000"/>
+                  </a:schemeClr>
+                </a:solidFill>
+              </a:defRPr>
+            </a:lvl9pPr>
+          </a:lstStyle>
+          <a:p>
+            <a:r>
+              <a:rPr lang="en-US" smtClean="0"/>
+              <a:t>Click to edit Master subtitle style</a:t>
+            </a:r>
+            <a:endParaRPr lang="en-US" dirty="0"/>
+          </a:p>
+        </p:txBody>
+      </p:sp>
+      <p:sp>
+        <p:nvSpPr>
+          <p:cNvPr id="4" name="Date Placeholder 3"/>
+          <p:cNvSpPr>
+            <a:spLocks noGrp="1"/>
+          </p:cNvSpPr>
+          <p:nvPr>
+            <p:ph type="dt" sz="half" idx="10"/>
           </p:nvPr>
         </p:nvSpPr>
         <p:spPr/>
@@ -531,25 +766,72 @@
           <a:bodyPr/>
           <a:lstStyle/>
           <a:p>
-            <a:fld id="{E59982A3-7615-41EA-A04A-C630D2262C04}" type="slidenum">
+            <a:fld id="{9CBBA38E-CA4F-4236-A03B-9A487958C305}" type="datetimeFigureOut">
               <a:rPr lang="bg-BG" smtClean="0"/>
-              <a:t>1</a:t>
+              <a:t>16.3.2019 г.</a:t>
             </a:fld>
             <a:endParaRPr lang="bg-BG" dirty="0"/>
           </a:p>
         </p:txBody>
       </p:sp>
+      <p:sp>
+        <p:nvSpPr>
+          <p:cNvPr id="5" name="Footer Placeholder 4"/>
+          <p:cNvSpPr>
+            <a:spLocks noGrp="1"/>
+          </p:cNvSpPr>
+          <p:nvPr>
+            <p:ph type="ftr" sz="quarter" idx="11"/>
+          </p:nvPr>
+        </p:nvSpPr>
+        <p:spPr/>
+        <p:txBody>
+          <a:bodyPr/>
+          <a:lstStyle/>
+          <a:p>
+            <a:endParaRPr lang="bg-BG" dirty="0"/>
+          </a:p>
+        </p:txBody>
+      </p:sp>
+      <p:sp>
+        <p:nvSpPr>
+          <p:cNvPr id="6" name="Slide Number Placeholder 5"/>
+          <p:cNvSpPr>
+            <a:spLocks noGrp="1"/>
+          </p:cNvSpPr>
+          <p:nvPr>
+            <p:ph type="sldNum" sz="quarter" idx="12"/>
+          </p:nvPr>
+        </p:nvSpPr>
+        <p:spPr/>
+        <p:txBody>
+          <a:bodyPr/>
+          <a:lstStyle/>
+          <a:p>
+            <a:fld id="{087B6810-E014-459F-9198-BE7624A7965C}" type="slidenum">
+              <a:rPr lang="bg-BG" smtClean="0"/>
+              <a:t>‹#›</a:t>
+            </a:fld>
+            <a:endParaRPr lang="bg-BG" dirty="0"/>
+          </a:p>
+        </p:txBody>
+      </p:sp>
     </p:spTree>
+    <p:extLst>
+      <p:ext uri="{BB962C8B-B14F-4D97-AF65-F5344CB8AC3E}">
+        <p14:creationId xmlns:p14="http://schemas.microsoft.com/office/powerpoint/2010/main" val="1304569679"/>
+      </p:ext>
+    </p:extLst>
   </p:cSld>
   <p:clrMapOvr>
     <a:masterClrMapping/>
   </p:clrMapOvr>
-</p:notes>
+</p:sldLayout>
 </file>
 
-<file path=ppt/slideLayouts/slideLayout1.xml><?xml version="1.0" encoding="utf-8"?>
-<p:sldLayout xmlns:a="http://schemas.openxmlformats.org/drawingml/2006/main" xmlns:r="http://schemas.openxmlformats.org/officeDocument/2006/relationships" xmlns:p="http://schemas.openxmlformats.org/presentationml/2006/main" type="title" preserve="1">
-  <p:cSld name="Заглавен слайд">
+<file path=ppt/slideLayouts/slideLayout10.xml><?xml version="1.0" encoding="utf-8"?>
+<p:sldLayout xmlns:a="http://schemas.openxmlformats.org/drawingml/2006/main" xmlns:r="http://schemas.openxmlformats.org/officeDocument/2006/relationships" xmlns:p="http://schemas.openxmlformats.org/presentationml/2006/main" preserve="1">
+  <p:cSld name="Panoramic Picture with Caption">
     <p:spTree>
       <p:nvGrpSpPr>
         <p:cNvPr id="1" name=""/>
@@ -566,154 +848,230 @@
       </p:grpSpPr>
       <p:sp>
         <p:nvSpPr>
-          <p:cNvPr id="2" name="Заглавие 1"/>
-          <p:cNvSpPr>
-            <a:spLocks noGrp="1"/>
-          </p:cNvSpPr>
-          <p:nvPr>
-            <p:ph type="ctrTitle"/>
+          <p:cNvPr id="2" name="Title 1"/>
+          <p:cNvSpPr>
+            <a:spLocks noGrp="1"/>
+          </p:cNvSpPr>
+          <p:nvPr>
+            <p:ph type="title"/>
           </p:nvPr>
         </p:nvSpPr>
         <p:spPr>
           <a:xfrm>
-            <a:off x="685800" y="2130425"/>
-            <a:ext cx="7772400" cy="1470025"/>
+            <a:off x="804863" y="4800600"/>
+            <a:ext cx="7526337" cy="566738"/>
           </a:xfrm>
         </p:spPr>
         <p:txBody>
-          <a:bodyPr/>
-          <a:lstStyle/>
-          <a:p>
-            <a:r>
-              <a:rPr lang="bg-BG" smtClean="0"/>
-              <a:t>Щракнете, за да редактирате стила на заглавието в образеца</a:t>
-            </a:r>
-            <a:endParaRPr lang="bg-BG"/>
-          </a:p>
-        </p:txBody>
-      </p:sp>
-      <p:sp>
-        <p:nvSpPr>
-          <p:cNvPr id="3" name="Подзаглавие 2"/>
-          <p:cNvSpPr>
-            <a:spLocks noGrp="1"/>
-          </p:cNvSpPr>
-          <p:nvPr>
-            <p:ph type="subTitle" idx="1"/>
+          <a:bodyPr anchor="b">
+            <a:normAutofit/>
+          </a:bodyPr>
+          <a:lstStyle>
+            <a:lvl1pPr algn="l">
+              <a:defRPr sz="2400" b="0"/>
+            </a:lvl1pPr>
+          </a:lstStyle>
+          <a:p>
+            <a:r>
+              <a:rPr lang="en-US" smtClean="0"/>
+              <a:t>Click to edit Master title style</a:t>
+            </a:r>
+            <a:endParaRPr lang="en-US" dirty="0"/>
+          </a:p>
+        </p:txBody>
+      </p:sp>
+      <p:sp>
+        <p:nvSpPr>
+          <p:cNvPr id="15" name="Picture Placeholder 14"/>
+          <p:cNvSpPr>
+            <a:spLocks noGrp="1" noChangeAspect="1"/>
+          </p:cNvSpPr>
+          <p:nvPr>
+            <p:ph type="pic" sz="quarter" idx="13"/>
+          </p:nvPr>
+        </p:nvSpPr>
+        <p:spPr bwMode="auto">
+          <a:xfrm>
+            <a:off x="0" y="0"/>
+            <a:ext cx="9144000" cy="4800600"/>
+          </a:xfrm>
+          <a:custGeom>
+            <a:avLst/>
+            <a:gdLst/>
+            <a:ahLst/>
+            <a:cxnLst/>
+            <a:rect l="0" t="0" r="r" b="b"/>
+            <a:pathLst>
+              <a:path w="5760" h="3289">
+                <a:moveTo>
+                  <a:pt x="5760" y="0"/>
+                </a:moveTo>
+                <a:lnTo>
+                  <a:pt x="0" y="0"/>
+                </a:lnTo>
+                <a:lnTo>
+                  <a:pt x="0" y="3100"/>
+                </a:lnTo>
+                <a:lnTo>
+                  <a:pt x="943" y="3100"/>
+                </a:lnTo>
+                <a:lnTo>
+                  <a:pt x="1123" y="3281"/>
+                </a:lnTo>
+                <a:lnTo>
+                  <a:pt x="1123" y="3281"/>
+                </a:lnTo>
+                <a:lnTo>
+                  <a:pt x="1127" y="3283"/>
+                </a:lnTo>
+                <a:lnTo>
+                  <a:pt x="1133" y="3286"/>
+                </a:lnTo>
+                <a:lnTo>
+                  <a:pt x="1139" y="3289"/>
+                </a:lnTo>
+                <a:lnTo>
+                  <a:pt x="1144" y="3289"/>
+                </a:lnTo>
+                <a:lnTo>
+                  <a:pt x="1150" y="3289"/>
+                </a:lnTo>
+                <a:lnTo>
+                  <a:pt x="1155" y="3286"/>
+                </a:lnTo>
+                <a:lnTo>
+                  <a:pt x="1161" y="3283"/>
+                </a:lnTo>
+                <a:lnTo>
+                  <a:pt x="1165" y="3281"/>
+                </a:lnTo>
+                <a:lnTo>
+                  <a:pt x="1345" y="3100"/>
+                </a:lnTo>
+                <a:lnTo>
+                  <a:pt x="5760" y="3100"/>
+                </a:lnTo>
+                <a:lnTo>
+                  <a:pt x="5760" y="0"/>
+                </a:lnTo>
+                <a:close/>
+              </a:path>
+            </a:pathLst>
+          </a:custGeom>
+          <a:noFill/>
+          <a:ln>
+            <a:solidFill>
+              <a:schemeClr val="tx2"/>
+            </a:solidFill>
+          </a:ln>
+        </p:spPr>
+        <p:style>
+          <a:lnRef idx="1">
+            <a:schemeClr val="accent1"/>
+          </a:lnRef>
+          <a:fillRef idx="3">
+            <a:schemeClr val="accent1"/>
+          </a:fillRef>
+          <a:effectRef idx="2">
+            <a:schemeClr val="accent1"/>
+          </a:effectRef>
+          <a:fontRef idx="minor">
+            <a:schemeClr val="lt1"/>
+          </a:fontRef>
+        </p:style>
+        <p:txBody>
+          <a:bodyPr wrap="square" numCol="1" anchor="t" anchorCtr="0" compatLnSpc="1">
+            <a:prstTxWarp prst="textNoShape">
+              <a:avLst/>
+            </a:prstTxWarp>
+            <a:normAutofit/>
+          </a:bodyPr>
+          <a:lstStyle>
+            <a:lvl1pPr marL="0" indent="0" algn="ctr">
+              <a:buFontTx/>
+              <a:buNone/>
+              <a:defRPr sz="1600"/>
+            </a:lvl1pPr>
+          </a:lstStyle>
+          <a:p>
+            <a:r>
+              <a:rPr lang="en-US" smtClean="0"/>
+              <a:t>Click icon to add picture</a:t>
+            </a:r>
+            <a:endParaRPr lang="en-US" dirty="0"/>
+          </a:p>
+        </p:txBody>
+      </p:sp>
+      <p:sp>
+        <p:nvSpPr>
+          <p:cNvPr id="4" name="Text Placeholder 3"/>
+          <p:cNvSpPr>
+            <a:spLocks noGrp="1"/>
+          </p:cNvSpPr>
+          <p:nvPr>
+            <p:ph type="body" sz="half" idx="2"/>
           </p:nvPr>
         </p:nvSpPr>
         <p:spPr>
           <a:xfrm>
-            <a:off x="1371600" y="3886200"/>
-            <a:ext cx="6400800" cy="1752600"/>
+            <a:off x="804863" y="5367338"/>
+            <a:ext cx="7526337" cy="493712"/>
           </a:xfrm>
         </p:spPr>
         <p:txBody>
-          <a:bodyPr/>
+          <a:bodyPr>
+            <a:normAutofit/>
+          </a:bodyPr>
           <a:lstStyle>
-            <a:lvl1pPr marL="0" indent="0" algn="ctr">
-              <a:buNone/>
-              <a:defRPr>
-                <a:solidFill>
-                  <a:schemeClr val="tx1">
-                    <a:tint val="75000"/>
-                  </a:schemeClr>
-                </a:solidFill>
-              </a:defRPr>
+            <a:lvl1pPr marL="0" indent="0">
+              <a:buNone/>
+              <a:defRPr sz="1200"/>
             </a:lvl1pPr>
-            <a:lvl2pPr marL="457200" indent="0" algn="ctr">
-              <a:buNone/>
-              <a:defRPr>
-                <a:solidFill>
-                  <a:schemeClr val="tx1">
-                    <a:tint val="75000"/>
-                  </a:schemeClr>
-                </a:solidFill>
-              </a:defRPr>
+            <a:lvl2pPr marL="457200" indent="0">
+              <a:buNone/>
+              <a:defRPr sz="1200"/>
             </a:lvl2pPr>
-            <a:lvl3pPr marL="914400" indent="0" algn="ctr">
-              <a:buNone/>
-              <a:defRPr>
-                <a:solidFill>
-                  <a:schemeClr val="tx1">
-                    <a:tint val="75000"/>
-                  </a:schemeClr>
-                </a:solidFill>
-              </a:defRPr>
+            <a:lvl3pPr marL="914400" indent="0">
+              <a:buNone/>
+              <a:defRPr sz="1000"/>
             </a:lvl3pPr>
-            <a:lvl4pPr marL="1371600" indent="0" algn="ctr">
-              <a:buNone/>
-              <a:defRPr>
-                <a:solidFill>
-                  <a:schemeClr val="tx1">
-                    <a:tint val="75000"/>
-                  </a:schemeClr>
-                </a:solidFill>
-              </a:defRPr>
+            <a:lvl4pPr marL="1371600" indent="0">
+              <a:buNone/>
+              <a:defRPr sz="900"/>
             </a:lvl4pPr>
-            <a:lvl5pPr marL="1828800" indent="0" algn="ctr">
-              <a:buNone/>
-              <a:defRPr>
-                <a:solidFill>
-                  <a:schemeClr val="tx1">
-                    <a:tint val="75000"/>
-                  </a:schemeClr>
-                </a:solidFill>
-              </a:defRPr>
+            <a:lvl5pPr marL="1828800" indent="0">
+              <a:buNone/>
+              <a:defRPr sz="900"/>
             </a:lvl5pPr>
-            <a:lvl6pPr marL="2286000" indent="0" algn="ctr">
-              <a:buNone/>
-              <a:defRPr>
-                <a:solidFill>
-                  <a:schemeClr val="tx1">
-                    <a:tint val="75000"/>
-                  </a:schemeClr>
-                </a:solidFill>
-              </a:defRPr>
+            <a:lvl6pPr marL="2286000" indent="0">
+              <a:buNone/>
+              <a:defRPr sz="900"/>
             </a:lvl6pPr>
-            <a:lvl7pPr marL="2743200" indent="0" algn="ctr">
-              <a:buNone/>
-              <a:defRPr>
-                <a:solidFill>
-                  <a:schemeClr val="tx1">
-                    <a:tint val="75000"/>
-                  </a:schemeClr>
-                </a:solidFill>
-              </a:defRPr>
+            <a:lvl7pPr marL="2743200" indent="0">
+              <a:buNone/>
+              <a:defRPr sz="900"/>
             </a:lvl7pPr>
-            <a:lvl8pPr marL="3200400" indent="0" algn="ctr">
-              <a:buNone/>
-              <a:defRPr>
-                <a:solidFill>
-                  <a:schemeClr val="tx1">
-                    <a:tint val="75000"/>
-                  </a:schemeClr>
-                </a:solidFill>
-              </a:defRPr>
+            <a:lvl8pPr marL="3200400" indent="0">
+              <a:buNone/>
+              <a:defRPr sz="900"/>
             </a:lvl8pPr>
-            <a:lvl9pPr marL="3657600" indent="0" algn="ctr">
-              <a:buNone/>
-              <a:defRPr>
-                <a:solidFill>
-                  <a:schemeClr val="tx1">
-                    <a:tint val="75000"/>
-                  </a:schemeClr>
-                </a:solidFill>
-              </a:defRPr>
+            <a:lvl9pPr marL="3657600" indent="0">
+              <a:buNone/>
+              <a:defRPr sz="900"/>
             </a:lvl9pPr>
           </a:lstStyle>
           <a:p>
-            <a:r>
-              <a:rPr lang="bg-BG" smtClean="0"/>
-              <a:t>Щракнете, за да редактирате стила на подзаглавията в образеца</a:t>
-            </a:r>
-            <a:endParaRPr lang="bg-BG"/>
-          </a:p>
-        </p:txBody>
-      </p:sp>
-      <p:sp>
-        <p:nvSpPr>
-          <p:cNvPr id="4" name="Контейнер за дата 3"/>
+            <a:pPr lvl="0"/>
+            <a:r>
+              <a:rPr lang="en-US" smtClean="0"/>
+              <a:t>Click to edit Master text styles</a:t>
+            </a:r>
+          </a:p>
+        </p:txBody>
+      </p:sp>
+      <p:sp>
+        <p:nvSpPr>
+          <p:cNvPr id="5" name="Date Placeholder 4"/>
           <p:cNvSpPr>
             <a:spLocks noGrp="1"/>
           </p:cNvSpPr>
@@ -736,7 +1094,7 @@
       </p:sp>
       <p:sp>
         <p:nvSpPr>
-          <p:cNvPr id="5" name="Контейнер за долния колонтитул 4"/>
+          <p:cNvPr id="6" name="Footer Placeholder 5"/>
           <p:cNvSpPr>
             <a:spLocks noGrp="1"/>
           </p:cNvSpPr>
@@ -755,7 +1113,7 @@
       </p:sp>
       <p:sp>
         <p:nvSpPr>
-          <p:cNvPr id="6" name="Контейнер за номер на слайда 5"/>
+          <p:cNvPr id="7" name="Slide Number Placeholder 6"/>
           <p:cNvSpPr>
             <a:spLocks noGrp="1"/>
           </p:cNvSpPr>
@@ -777,6 +1135,11 @@
         </p:txBody>
       </p:sp>
     </p:spTree>
+    <p:extLst>
+      <p:ext uri="{BB962C8B-B14F-4D97-AF65-F5344CB8AC3E}">
+        <p14:creationId xmlns:p14="http://schemas.microsoft.com/office/powerpoint/2010/main" val="922498668"/>
+      </p:ext>
+    </p:extLst>
   </p:cSld>
   <p:clrMapOvr>
     <a:masterClrMapping/>
@@ -784,9 +1147,9 @@
 </p:sldLayout>
 </file>
 
-<file path=ppt/slideLayouts/slideLayout10.xml><?xml version="1.0" encoding="utf-8"?>
-<p:sldLayout xmlns:a="http://schemas.openxmlformats.org/drawingml/2006/main" xmlns:r="http://schemas.openxmlformats.org/officeDocument/2006/relationships" xmlns:p="http://schemas.openxmlformats.org/presentationml/2006/main" type="vertTx" preserve="1">
-  <p:cSld name="Заглавие и вертикален текст">
+<file path=ppt/slideLayouts/slideLayout11.xml><?xml version="1.0" encoding="utf-8"?>
+<p:sldLayout xmlns:a="http://schemas.openxmlformats.org/drawingml/2006/main" xmlns:r="http://schemas.openxmlformats.org/officeDocument/2006/relationships" xmlns:p="http://schemas.openxmlformats.org/presentationml/2006/main" preserve="1">
+  <p:cSld name="Quote with Caption">
     <p:spTree>
       <p:nvGrpSpPr>
         <p:cNvPr id="1" name=""/>
@@ -803,7 +1166,215 @@
       </p:grpSpPr>
       <p:sp>
         <p:nvSpPr>
-          <p:cNvPr id="2" name="Заглавие 1"/>
+          <p:cNvPr id="8" name="Freeform 6"/>
+          <p:cNvSpPr>
+            <a:spLocks noChangeAspect="1"/>
+          </p:cNvSpPr>
+          <p:nvPr/>
+        </p:nvSpPr>
+        <p:spPr bwMode="auto">
+          <a:xfrm>
+            <a:off x="485107" y="1338479"/>
+            <a:ext cx="4749312" cy="3239188"/>
+          </a:xfrm>
+          <a:custGeom>
+            <a:avLst/>
+            <a:gdLst/>
+            <a:ahLst/>
+            <a:cxnLst/>
+            <a:rect l="0" t="0" r="r" b="b"/>
+            <a:pathLst>
+              <a:path w="3384" h="2308">
+                <a:moveTo>
+                  <a:pt x="3340" y="0"/>
+                </a:moveTo>
+                <a:lnTo>
+                  <a:pt x="44" y="0"/>
+                </a:lnTo>
+                <a:lnTo>
+                  <a:pt x="44" y="0"/>
+                </a:lnTo>
+                <a:lnTo>
+                  <a:pt x="34" y="0"/>
+                </a:lnTo>
+                <a:lnTo>
+                  <a:pt x="26" y="4"/>
+                </a:lnTo>
+                <a:lnTo>
+                  <a:pt x="20" y="8"/>
+                </a:lnTo>
+                <a:lnTo>
+                  <a:pt x="12" y="12"/>
+                </a:lnTo>
+                <a:lnTo>
+                  <a:pt x="8" y="20"/>
+                </a:lnTo>
+                <a:lnTo>
+                  <a:pt x="4" y="26"/>
+                </a:lnTo>
+                <a:lnTo>
+                  <a:pt x="0" y="34"/>
+                </a:lnTo>
+                <a:lnTo>
+                  <a:pt x="0" y="44"/>
+                </a:lnTo>
+                <a:lnTo>
+                  <a:pt x="0" y="2076"/>
+                </a:lnTo>
+                <a:lnTo>
+                  <a:pt x="0" y="2076"/>
+                </a:lnTo>
+                <a:lnTo>
+                  <a:pt x="0" y="2086"/>
+                </a:lnTo>
+                <a:lnTo>
+                  <a:pt x="4" y="2094"/>
+                </a:lnTo>
+                <a:lnTo>
+                  <a:pt x="8" y="2100"/>
+                </a:lnTo>
+                <a:lnTo>
+                  <a:pt x="12" y="2108"/>
+                </a:lnTo>
+                <a:lnTo>
+                  <a:pt x="20" y="2112"/>
+                </a:lnTo>
+                <a:lnTo>
+                  <a:pt x="26" y="2116"/>
+                </a:lnTo>
+                <a:lnTo>
+                  <a:pt x="34" y="2120"/>
+                </a:lnTo>
+                <a:lnTo>
+                  <a:pt x="44" y="2120"/>
+                </a:lnTo>
+                <a:lnTo>
+                  <a:pt x="474" y="2120"/>
+                </a:lnTo>
+                <a:lnTo>
+                  <a:pt x="650" y="2296"/>
+                </a:lnTo>
+                <a:lnTo>
+                  <a:pt x="650" y="2296"/>
+                </a:lnTo>
+                <a:lnTo>
+                  <a:pt x="656" y="2300"/>
+                </a:lnTo>
+                <a:lnTo>
+                  <a:pt x="664" y="2304"/>
+                </a:lnTo>
+                <a:lnTo>
+                  <a:pt x="672" y="2308"/>
+                </a:lnTo>
+                <a:lnTo>
+                  <a:pt x="680" y="2308"/>
+                </a:lnTo>
+                <a:lnTo>
+                  <a:pt x="688" y="2308"/>
+                </a:lnTo>
+                <a:lnTo>
+                  <a:pt x="696" y="2304"/>
+                </a:lnTo>
+                <a:lnTo>
+                  <a:pt x="704" y="2300"/>
+                </a:lnTo>
+                <a:lnTo>
+                  <a:pt x="710" y="2296"/>
+                </a:lnTo>
+                <a:lnTo>
+                  <a:pt x="886" y="2120"/>
+                </a:lnTo>
+                <a:lnTo>
+                  <a:pt x="3340" y="2120"/>
+                </a:lnTo>
+                <a:lnTo>
+                  <a:pt x="3340" y="2120"/>
+                </a:lnTo>
+                <a:lnTo>
+                  <a:pt x="3350" y="2120"/>
+                </a:lnTo>
+                <a:lnTo>
+                  <a:pt x="3358" y="2116"/>
+                </a:lnTo>
+                <a:lnTo>
+                  <a:pt x="3364" y="2112"/>
+                </a:lnTo>
+                <a:lnTo>
+                  <a:pt x="3372" y="2108"/>
+                </a:lnTo>
+                <a:lnTo>
+                  <a:pt x="3376" y="2100"/>
+                </a:lnTo>
+                <a:lnTo>
+                  <a:pt x="3380" y="2094"/>
+                </a:lnTo>
+                <a:lnTo>
+                  <a:pt x="3384" y="2086"/>
+                </a:lnTo>
+                <a:lnTo>
+                  <a:pt x="3384" y="2076"/>
+                </a:lnTo>
+                <a:lnTo>
+                  <a:pt x="3384" y="44"/>
+                </a:lnTo>
+                <a:lnTo>
+                  <a:pt x="3384" y="44"/>
+                </a:lnTo>
+                <a:lnTo>
+                  <a:pt x="3384" y="34"/>
+                </a:lnTo>
+                <a:lnTo>
+                  <a:pt x="3380" y="26"/>
+                </a:lnTo>
+                <a:lnTo>
+                  <a:pt x="3376" y="20"/>
+                </a:lnTo>
+                <a:lnTo>
+                  <a:pt x="3372" y="12"/>
+                </a:lnTo>
+                <a:lnTo>
+                  <a:pt x="3364" y="8"/>
+                </a:lnTo>
+                <a:lnTo>
+                  <a:pt x="3358" y="4"/>
+                </a:lnTo>
+                <a:lnTo>
+                  <a:pt x="3350" y="0"/>
+                </a:lnTo>
+                <a:lnTo>
+                  <a:pt x="3340" y="0"/>
+                </a:lnTo>
+                <a:lnTo>
+                  <a:pt x="3340" y="0"/>
+                </a:lnTo>
+                <a:close/>
+              </a:path>
+            </a:pathLst>
+          </a:custGeom>
+          <a:ln>
+            <a:solidFill>
+              <a:schemeClr val="accent1"/>
+            </a:solidFill>
+          </a:ln>
+        </p:spPr>
+        <p:style>
+          <a:lnRef idx="1">
+            <a:schemeClr val="accent1"/>
+          </a:lnRef>
+          <a:fillRef idx="3">
+            <a:schemeClr val="accent1"/>
+          </a:fillRef>
+          <a:effectRef idx="2">
+            <a:schemeClr val="accent1"/>
+          </a:effectRef>
+          <a:fontRef idx="minor">
+            <a:schemeClr val="lt1"/>
+          </a:fontRef>
+        </p:style>
+      </p:sp>
+      <p:sp>
+        <p:nvSpPr>
+          <p:cNvPr id="2" name="Title 1"/>
           <p:cNvSpPr>
             <a:spLocks noGrp="1"/>
           </p:cNvSpPr>
@@ -811,74 +1382,184 @@
             <p:ph type="title"/>
           </p:nvPr>
         </p:nvSpPr>
-        <p:spPr/>
-        <p:txBody>
-          <a:bodyPr/>
-          <a:lstStyle/>
-          <a:p>
-            <a:r>
-              <a:rPr lang="bg-BG" smtClean="0"/>
-              <a:t>Щракнете, за да редактирате стила на заглавието в образеца</a:t>
-            </a:r>
-            <a:endParaRPr lang="bg-BG"/>
-          </a:p>
-        </p:txBody>
-      </p:sp>
-      <p:sp>
-        <p:nvSpPr>
-          <p:cNvPr id="3" name="Контейнер за вертикален текст 2"/>
-          <p:cNvSpPr>
-            <a:spLocks noGrp="1"/>
-          </p:cNvSpPr>
-          <p:nvPr>
-            <p:ph type="body" orient="vert" idx="1"/>
-          </p:nvPr>
-        </p:nvSpPr>
-        <p:spPr/>
-        <p:txBody>
-          <a:bodyPr vert="eaVert"/>
-          <a:lstStyle/>
+        <p:spPr>
+          <a:xfrm>
+            <a:off x="649573" y="1495525"/>
+            <a:ext cx="4420380" cy="2645912"/>
+          </a:xfrm>
+        </p:spPr>
+        <p:txBody>
+          <a:bodyPr anchor="b"/>
+          <a:lstStyle>
+            <a:lvl1pPr algn="l">
+              <a:defRPr sz="4200" b="1" cap="none"/>
+            </a:lvl1pPr>
+          </a:lstStyle>
+          <a:p>
+            <a:r>
+              <a:rPr lang="en-US" smtClean="0"/>
+              <a:t>Click to edit Master title style</a:t>
+            </a:r>
+            <a:endParaRPr lang="en-US" dirty="0"/>
+          </a:p>
+        </p:txBody>
+      </p:sp>
+      <p:sp>
+        <p:nvSpPr>
+          <p:cNvPr id="3" name="Text Placeholder 2"/>
+          <p:cNvSpPr>
+            <a:spLocks noGrp="1"/>
+          </p:cNvSpPr>
+          <p:nvPr>
+            <p:ph type="body" idx="1"/>
+          </p:nvPr>
+        </p:nvSpPr>
+        <p:spPr>
+          <a:xfrm>
+            <a:off x="651226" y="4700702"/>
+            <a:ext cx="4418727" cy="713241"/>
+          </a:xfrm>
+        </p:spPr>
+        <p:txBody>
+          <a:bodyPr anchor="t">
+            <a:noAutofit/>
+          </a:bodyPr>
+          <a:lstStyle>
+            <a:lvl1pPr marL="0" indent="0" algn="l">
+              <a:buNone/>
+              <a:defRPr sz="1800">
+                <a:solidFill>
+                  <a:schemeClr val="tx1"/>
+                </a:solidFill>
+              </a:defRPr>
+            </a:lvl1pPr>
+            <a:lvl2pPr marL="457200" indent="0">
+              <a:buNone/>
+              <a:defRPr sz="1800">
+                <a:solidFill>
+                  <a:schemeClr val="tx1">
+                    <a:tint val="75000"/>
+                  </a:schemeClr>
+                </a:solidFill>
+              </a:defRPr>
+            </a:lvl2pPr>
+            <a:lvl3pPr marL="914400" indent="0">
+              <a:buNone/>
+              <a:defRPr sz="1600">
+                <a:solidFill>
+                  <a:schemeClr val="tx1">
+                    <a:tint val="75000"/>
+                  </a:schemeClr>
+                </a:solidFill>
+              </a:defRPr>
+            </a:lvl3pPr>
+            <a:lvl4pPr marL="1371600" indent="0">
+              <a:buNone/>
+              <a:defRPr sz="1400">
+                <a:solidFill>
+                  <a:schemeClr val="tx1">
+                    <a:tint val="75000"/>
+                  </a:schemeClr>
+                </a:solidFill>
+              </a:defRPr>
+            </a:lvl4pPr>
+            <a:lvl5pPr marL="1828800" indent="0">
+              <a:buNone/>
+              <a:defRPr sz="1400">
+                <a:solidFill>
+                  <a:schemeClr val="tx1">
+                    <a:tint val="75000"/>
+                  </a:schemeClr>
+                </a:solidFill>
+              </a:defRPr>
+            </a:lvl5pPr>
+            <a:lvl6pPr marL="2286000" indent="0">
+              <a:buNone/>
+              <a:defRPr sz="1400">
+                <a:solidFill>
+                  <a:schemeClr val="tx1">
+                    <a:tint val="75000"/>
+                  </a:schemeClr>
+                </a:solidFill>
+              </a:defRPr>
+            </a:lvl6pPr>
+            <a:lvl7pPr marL="2743200" indent="0">
+              <a:buNone/>
+              <a:defRPr sz="1400">
+                <a:solidFill>
+                  <a:schemeClr val="tx1">
+                    <a:tint val="75000"/>
+                  </a:schemeClr>
+                </a:solidFill>
+              </a:defRPr>
+            </a:lvl7pPr>
+            <a:lvl8pPr marL="3200400" indent="0">
+              <a:buNone/>
+              <a:defRPr sz="1400">
+                <a:solidFill>
+                  <a:schemeClr val="tx1">
+                    <a:tint val="75000"/>
+                  </a:schemeClr>
+                </a:solidFill>
+              </a:defRPr>
+            </a:lvl8pPr>
+            <a:lvl9pPr marL="3657600" indent="0">
+              <a:buNone/>
+              <a:defRPr sz="1400">
+                <a:solidFill>
+                  <a:schemeClr val="tx1">
+                    <a:tint val="75000"/>
+                  </a:schemeClr>
+                </a:solidFill>
+              </a:defRPr>
+            </a:lvl9pPr>
+          </a:lstStyle>
           <a:p>
             <a:pPr lvl="0"/>
             <a:r>
-              <a:rPr lang="bg-BG" smtClean="0"/>
-              <a:t>Щракн., за да ред. стил на загл. в обр.</a:t>
-            </a:r>
-          </a:p>
-          <a:p>
-            <a:pPr lvl="1"/>
-            <a:r>
-              <a:rPr lang="bg-BG" smtClean="0"/>
-              <a:t>Второ ниво</a:t>
-            </a:r>
-          </a:p>
-          <a:p>
-            <a:pPr lvl="2"/>
-            <a:r>
-              <a:rPr lang="bg-BG" smtClean="0"/>
-              <a:t>Трето ниво</a:t>
-            </a:r>
-          </a:p>
-          <a:p>
-            <a:pPr lvl="3"/>
-            <a:r>
-              <a:rPr lang="bg-BG" smtClean="0"/>
-              <a:t>Четвърто ниво</a:t>
-            </a:r>
-          </a:p>
-          <a:p>
-            <a:pPr lvl="4"/>
-            <a:r>
-              <a:rPr lang="bg-BG" smtClean="0"/>
-              <a:t>Пето ниво</a:t>
-            </a:r>
-            <a:endParaRPr lang="bg-BG"/>
-          </a:p>
-        </p:txBody>
-      </p:sp>
-      <p:sp>
-        <p:nvSpPr>
-          <p:cNvPr id="4" name="Контейнер за дата 3"/>
+              <a:rPr lang="en-US" smtClean="0"/>
+              <a:t>Click to edit Master text styles</a:t>
+            </a:r>
+          </a:p>
+        </p:txBody>
+      </p:sp>
+      <p:sp>
+        <p:nvSpPr>
+          <p:cNvPr id="9" name="Text Placeholder 5"/>
+          <p:cNvSpPr>
+            <a:spLocks noGrp="1"/>
+          </p:cNvSpPr>
+          <p:nvPr>
+            <p:ph type="body" sz="quarter" idx="16"/>
+          </p:nvPr>
+        </p:nvSpPr>
+        <p:spPr>
+          <a:xfrm>
+            <a:off x="5398884" y="1338479"/>
+            <a:ext cx="3302316" cy="4075464"/>
+          </a:xfrm>
+        </p:spPr>
+        <p:txBody>
+          <a:bodyPr anchor="t"/>
+          <a:lstStyle>
+            <a:lvl1pPr marL="0" indent="0">
+              <a:buFontTx/>
+              <a:buNone/>
+              <a:defRPr/>
+            </a:lvl1pPr>
+          </a:lstStyle>
+          <a:p>
+            <a:pPr lvl="0"/>
+            <a:r>
+              <a:rPr lang="en-US" smtClean="0"/>
+              <a:t>Click to edit Master text styles</a:t>
+            </a:r>
+          </a:p>
+        </p:txBody>
+      </p:sp>
+      <p:sp>
+        <p:nvSpPr>
+          <p:cNvPr id="4" name="Date Placeholder 3"/>
           <p:cNvSpPr>
             <a:spLocks noGrp="1"/>
           </p:cNvSpPr>
@@ -901,7 +1582,7 @@
       </p:sp>
       <p:sp>
         <p:nvSpPr>
-          <p:cNvPr id="5" name="Контейнер за долния колонтитул 4"/>
+          <p:cNvPr id="5" name="Footer Placeholder 4"/>
           <p:cNvSpPr>
             <a:spLocks noGrp="1"/>
           </p:cNvSpPr>
@@ -920,7 +1601,7 @@
       </p:sp>
       <p:sp>
         <p:nvSpPr>
-          <p:cNvPr id="6" name="Контейнер за номер на слайда 5"/>
+          <p:cNvPr id="6" name="Slide Number Placeholder 5"/>
           <p:cNvSpPr>
             <a:spLocks noGrp="1"/>
           </p:cNvSpPr>
@@ -942,6 +1623,11 @@
         </p:txBody>
       </p:sp>
     </p:spTree>
+    <p:extLst>
+      <p:ext uri="{BB962C8B-B14F-4D97-AF65-F5344CB8AC3E}">
+        <p14:creationId xmlns:p14="http://schemas.microsoft.com/office/powerpoint/2010/main" val="3766101737"/>
+      </p:ext>
+    </p:extLst>
   </p:cSld>
   <p:clrMapOvr>
     <a:masterClrMapping/>
@@ -949,9 +1635,9 @@
 </p:sldLayout>
 </file>
 
-<file path=ppt/slideLayouts/slideLayout11.xml><?xml version="1.0" encoding="utf-8"?>
-<p:sldLayout xmlns:a="http://schemas.openxmlformats.org/drawingml/2006/main" xmlns:r="http://schemas.openxmlformats.org/officeDocument/2006/relationships" xmlns:p="http://schemas.openxmlformats.org/presentationml/2006/main" type="vertTitleAndTx" preserve="1">
-  <p:cSld name="Вертикално заглавие и текст">
+<file path=ppt/slideLayouts/slideLayout12.xml><?xml version="1.0" encoding="utf-8"?>
+<p:sldLayout xmlns:a="http://schemas.openxmlformats.org/drawingml/2006/main" xmlns:r="http://schemas.openxmlformats.org/officeDocument/2006/relationships" xmlns:p="http://schemas.openxmlformats.org/presentationml/2006/main" preserve="1">
+  <p:cSld name="Name Card">
     <p:spTree>
       <p:nvGrpSpPr>
         <p:cNvPr id="1" name=""/>
@@ -968,92 +1654,281 @@
       </p:grpSpPr>
       <p:sp>
         <p:nvSpPr>
-          <p:cNvPr id="2" name="Вертикално заглавие 1"/>
-          <p:cNvSpPr>
-            <a:spLocks noGrp="1"/>
-          </p:cNvSpPr>
-          <p:nvPr>
-            <p:ph type="title" orient="vert"/>
+          <p:cNvPr id="9" name="Freeform 6"/>
+          <p:cNvSpPr>
+            <a:spLocks noChangeAspect="1"/>
+          </p:cNvSpPr>
+          <p:nvPr/>
+        </p:nvSpPr>
+        <p:spPr bwMode="auto">
+          <a:xfrm>
+            <a:off x="855663" y="2286585"/>
+            <a:ext cx="3671336" cy="2503972"/>
+          </a:xfrm>
+          <a:custGeom>
+            <a:avLst/>
+            <a:gdLst/>
+            <a:ahLst/>
+            <a:cxnLst/>
+            <a:rect l="0" t="0" r="r" b="b"/>
+            <a:pathLst>
+              <a:path w="3384" h="2308">
+                <a:moveTo>
+                  <a:pt x="3340" y="0"/>
+                </a:moveTo>
+                <a:lnTo>
+                  <a:pt x="44" y="0"/>
+                </a:lnTo>
+                <a:lnTo>
+                  <a:pt x="44" y="0"/>
+                </a:lnTo>
+                <a:lnTo>
+                  <a:pt x="34" y="0"/>
+                </a:lnTo>
+                <a:lnTo>
+                  <a:pt x="26" y="4"/>
+                </a:lnTo>
+                <a:lnTo>
+                  <a:pt x="20" y="8"/>
+                </a:lnTo>
+                <a:lnTo>
+                  <a:pt x="12" y="12"/>
+                </a:lnTo>
+                <a:lnTo>
+                  <a:pt x="8" y="20"/>
+                </a:lnTo>
+                <a:lnTo>
+                  <a:pt x="4" y="26"/>
+                </a:lnTo>
+                <a:lnTo>
+                  <a:pt x="0" y="34"/>
+                </a:lnTo>
+                <a:lnTo>
+                  <a:pt x="0" y="44"/>
+                </a:lnTo>
+                <a:lnTo>
+                  <a:pt x="0" y="2076"/>
+                </a:lnTo>
+                <a:lnTo>
+                  <a:pt x="0" y="2076"/>
+                </a:lnTo>
+                <a:lnTo>
+                  <a:pt x="0" y="2086"/>
+                </a:lnTo>
+                <a:lnTo>
+                  <a:pt x="4" y="2094"/>
+                </a:lnTo>
+                <a:lnTo>
+                  <a:pt x="8" y="2100"/>
+                </a:lnTo>
+                <a:lnTo>
+                  <a:pt x="12" y="2108"/>
+                </a:lnTo>
+                <a:lnTo>
+                  <a:pt x="20" y="2112"/>
+                </a:lnTo>
+                <a:lnTo>
+                  <a:pt x="26" y="2116"/>
+                </a:lnTo>
+                <a:lnTo>
+                  <a:pt x="34" y="2120"/>
+                </a:lnTo>
+                <a:lnTo>
+                  <a:pt x="44" y="2120"/>
+                </a:lnTo>
+                <a:lnTo>
+                  <a:pt x="474" y="2120"/>
+                </a:lnTo>
+                <a:lnTo>
+                  <a:pt x="650" y="2296"/>
+                </a:lnTo>
+                <a:lnTo>
+                  <a:pt x="650" y="2296"/>
+                </a:lnTo>
+                <a:lnTo>
+                  <a:pt x="656" y="2300"/>
+                </a:lnTo>
+                <a:lnTo>
+                  <a:pt x="664" y="2304"/>
+                </a:lnTo>
+                <a:lnTo>
+                  <a:pt x="672" y="2308"/>
+                </a:lnTo>
+                <a:lnTo>
+                  <a:pt x="680" y="2308"/>
+                </a:lnTo>
+                <a:lnTo>
+                  <a:pt x="688" y="2308"/>
+                </a:lnTo>
+                <a:lnTo>
+                  <a:pt x="696" y="2304"/>
+                </a:lnTo>
+                <a:lnTo>
+                  <a:pt x="704" y="2300"/>
+                </a:lnTo>
+                <a:lnTo>
+                  <a:pt x="710" y="2296"/>
+                </a:lnTo>
+                <a:lnTo>
+                  <a:pt x="886" y="2120"/>
+                </a:lnTo>
+                <a:lnTo>
+                  <a:pt x="3340" y="2120"/>
+                </a:lnTo>
+                <a:lnTo>
+                  <a:pt x="3340" y="2120"/>
+                </a:lnTo>
+                <a:lnTo>
+                  <a:pt x="3350" y="2120"/>
+                </a:lnTo>
+                <a:lnTo>
+                  <a:pt x="3358" y="2116"/>
+                </a:lnTo>
+                <a:lnTo>
+                  <a:pt x="3364" y="2112"/>
+                </a:lnTo>
+                <a:lnTo>
+                  <a:pt x="3372" y="2108"/>
+                </a:lnTo>
+                <a:lnTo>
+                  <a:pt x="3376" y="2100"/>
+                </a:lnTo>
+                <a:lnTo>
+                  <a:pt x="3380" y="2094"/>
+                </a:lnTo>
+                <a:lnTo>
+                  <a:pt x="3384" y="2086"/>
+                </a:lnTo>
+                <a:lnTo>
+                  <a:pt x="3384" y="2076"/>
+                </a:lnTo>
+                <a:lnTo>
+                  <a:pt x="3384" y="44"/>
+                </a:lnTo>
+                <a:lnTo>
+                  <a:pt x="3384" y="44"/>
+                </a:lnTo>
+                <a:lnTo>
+                  <a:pt x="3384" y="34"/>
+                </a:lnTo>
+                <a:lnTo>
+                  <a:pt x="3380" y="26"/>
+                </a:lnTo>
+                <a:lnTo>
+                  <a:pt x="3376" y="20"/>
+                </a:lnTo>
+                <a:lnTo>
+                  <a:pt x="3372" y="12"/>
+                </a:lnTo>
+                <a:lnTo>
+                  <a:pt x="3364" y="8"/>
+                </a:lnTo>
+                <a:lnTo>
+                  <a:pt x="3358" y="4"/>
+                </a:lnTo>
+                <a:lnTo>
+                  <a:pt x="3350" y="0"/>
+                </a:lnTo>
+                <a:lnTo>
+                  <a:pt x="3340" y="0"/>
+                </a:lnTo>
+                <a:lnTo>
+                  <a:pt x="3340" y="0"/>
+                </a:lnTo>
+                <a:close/>
+              </a:path>
+            </a:pathLst>
+          </a:custGeom>
+          <a:ln>
+            <a:solidFill>
+              <a:schemeClr val="accent1"/>
+            </a:solidFill>
+          </a:ln>
+        </p:spPr>
+        <p:style>
+          <a:lnRef idx="1">
+            <a:schemeClr val="accent1"/>
+          </a:lnRef>
+          <a:fillRef idx="3">
+            <a:schemeClr val="accent1"/>
+          </a:fillRef>
+          <a:effectRef idx="2">
+            <a:schemeClr val="accent1"/>
+          </a:effectRef>
+          <a:fontRef idx="minor">
+            <a:schemeClr val="lt1"/>
+          </a:fontRef>
+        </p:style>
+      </p:sp>
+      <p:sp>
+        <p:nvSpPr>
+          <p:cNvPr id="38" name="Title 1"/>
+          <p:cNvSpPr>
+            <a:spLocks noGrp="1"/>
+          </p:cNvSpPr>
+          <p:nvPr>
+            <p:ph type="title"/>
           </p:nvPr>
         </p:nvSpPr>
         <p:spPr>
           <a:xfrm>
-            <a:off x="6629400" y="274638"/>
-            <a:ext cx="2057400" cy="5851525"/>
+            <a:off x="1017816" y="2435956"/>
+            <a:ext cx="3286891" cy="2007789"/>
           </a:xfrm>
         </p:spPr>
         <p:txBody>
-          <a:bodyPr vert="eaVert"/>
-          <a:lstStyle/>
-          <a:p>
-            <a:r>
-              <a:rPr lang="bg-BG" smtClean="0"/>
-              <a:t>Щракнете, за да редактирате стила на заглавието в образеца</a:t>
-            </a:r>
-            <a:endParaRPr lang="bg-BG"/>
-          </a:p>
-        </p:txBody>
-      </p:sp>
-      <p:sp>
-        <p:nvSpPr>
-          <p:cNvPr id="3" name="Контейнер за вертикален текст 2"/>
-          <p:cNvSpPr>
-            <a:spLocks noGrp="1"/>
-          </p:cNvSpPr>
-          <p:nvPr>
-            <p:ph type="body" orient="vert" idx="1"/>
+          <a:bodyPr/>
+          <a:lstStyle>
+            <a:lvl1pPr>
+              <a:defRPr sz="3200"/>
+            </a:lvl1pPr>
+          </a:lstStyle>
+          <a:p>
+            <a:r>
+              <a:rPr lang="en-US" smtClean="0"/>
+              <a:t>Click to edit Master title style</a:t>
+            </a:r>
+            <a:endParaRPr lang="en-US" dirty="0"/>
+          </a:p>
+        </p:txBody>
+      </p:sp>
+      <p:sp>
+        <p:nvSpPr>
+          <p:cNvPr id="6" name="Text Placeholder 5"/>
+          <p:cNvSpPr>
+            <a:spLocks noGrp="1"/>
+          </p:cNvSpPr>
+          <p:nvPr>
+            <p:ph type="body" sz="quarter" idx="16"/>
           </p:nvPr>
         </p:nvSpPr>
         <p:spPr>
           <a:xfrm>
-            <a:off x="457200" y="274638"/>
-            <a:ext cx="6019800" cy="5851525"/>
+            <a:off x="4616450" y="2286000"/>
+            <a:ext cx="3671888" cy="2300288"/>
           </a:xfrm>
         </p:spPr>
         <p:txBody>
-          <a:bodyPr vert="eaVert"/>
-          <a:lstStyle/>
+          <a:bodyPr anchor="t"/>
+          <a:lstStyle>
+            <a:lvl1pPr marL="0" indent="0">
+              <a:buFontTx/>
+              <a:buNone/>
+              <a:defRPr/>
+            </a:lvl1pPr>
+          </a:lstStyle>
           <a:p>
             <a:pPr lvl="0"/>
             <a:r>
-              <a:rPr lang="bg-BG" smtClean="0"/>
-              <a:t>Щракн., за да ред. стил на загл. в обр.</a:t>
-            </a:r>
-          </a:p>
-          <a:p>
-            <a:pPr lvl="1"/>
-            <a:r>
-              <a:rPr lang="bg-BG" smtClean="0"/>
-              <a:t>Второ ниво</a:t>
-            </a:r>
-          </a:p>
-          <a:p>
-            <a:pPr lvl="2"/>
-            <a:r>
-              <a:rPr lang="bg-BG" smtClean="0"/>
-              <a:t>Трето ниво</a:t>
-            </a:r>
-          </a:p>
-          <a:p>
-            <a:pPr lvl="3"/>
-            <a:r>
-              <a:rPr lang="bg-BG" smtClean="0"/>
-              <a:t>Четвърто ниво</a:t>
-            </a:r>
-          </a:p>
-          <a:p>
-            <a:pPr lvl="4"/>
-            <a:r>
-              <a:rPr lang="bg-BG" smtClean="0"/>
-              <a:t>Пето ниво</a:t>
-            </a:r>
-            <a:endParaRPr lang="bg-BG"/>
-          </a:p>
-        </p:txBody>
-      </p:sp>
-      <p:sp>
-        <p:nvSpPr>
-          <p:cNvPr id="4" name="Контейнер за дата 3"/>
+              <a:rPr lang="en-US" smtClean="0"/>
+              <a:t>Click to edit Master text styles</a:t>
+            </a:r>
+          </a:p>
+        </p:txBody>
+      </p:sp>
+      <p:sp>
+        <p:nvSpPr>
+          <p:cNvPr id="2" name="Date Placeholder 1"/>
           <p:cNvSpPr>
             <a:spLocks noGrp="1"/>
           </p:cNvSpPr>
@@ -1076,7 +1951,7 @@
       </p:sp>
       <p:sp>
         <p:nvSpPr>
-          <p:cNvPr id="5" name="Контейнер за долния колонтитул 4"/>
+          <p:cNvPr id="3" name="Footer Placeholder 2"/>
           <p:cNvSpPr>
             <a:spLocks noGrp="1"/>
           </p:cNvSpPr>
@@ -1095,7 +1970,7 @@
       </p:sp>
       <p:sp>
         <p:nvSpPr>
-          <p:cNvPr id="6" name="Контейнер за номер на слайда 5"/>
+          <p:cNvPr id="4" name="Slide Number Placeholder 3"/>
           <p:cNvSpPr>
             <a:spLocks noGrp="1"/>
           </p:cNvSpPr>
@@ -1117,6 +1992,11 @@
         </p:txBody>
       </p:sp>
     </p:spTree>
+    <p:extLst>
+      <p:ext uri="{BB962C8B-B14F-4D97-AF65-F5344CB8AC3E}">
+        <p14:creationId xmlns:p14="http://schemas.microsoft.com/office/powerpoint/2010/main" val="4243597607"/>
+      </p:ext>
+    </p:extLst>
   </p:cSld>
   <p:clrMapOvr>
     <a:masterClrMapping/>
@@ -1124,9 +2004,9 @@
 </p:sldLayout>
 </file>
 
-<file path=ppt/slideLayouts/slideLayout2.xml><?xml version="1.0" encoding="utf-8"?>
-<p:sldLayout xmlns:a="http://schemas.openxmlformats.org/drawingml/2006/main" xmlns:r="http://schemas.openxmlformats.org/officeDocument/2006/relationships" xmlns:p="http://schemas.openxmlformats.org/presentationml/2006/main" type="obj" preserve="1">
-  <p:cSld name="Заглавие и съдържание">
+<file path=ppt/slideLayouts/slideLayout13.xml><?xml version="1.0" encoding="utf-8"?>
+<p:sldLayout xmlns:a="http://schemas.openxmlformats.org/drawingml/2006/main" xmlns:r="http://schemas.openxmlformats.org/officeDocument/2006/relationships" xmlns:p="http://schemas.openxmlformats.org/presentationml/2006/main" type="vertTx" preserve="1">
+  <p:cSld name="Title and Vertical Text">
     <p:spTree>
       <p:nvGrpSpPr>
         <p:cNvPr id="1" name=""/>
@@ -1143,7 +2023,110 @@
       </p:grpSpPr>
       <p:sp>
         <p:nvSpPr>
-          <p:cNvPr id="2" name="Заглавие 1"/>
+          <p:cNvPr id="7" name="Freeform 6"/>
+          <p:cNvSpPr/>
+          <p:nvPr/>
+        </p:nvSpPr>
+        <p:spPr bwMode="auto">
+          <a:xfrm>
+            <a:off x="0" y="0"/>
+            <a:ext cx="9144000" cy="2185988"/>
+          </a:xfrm>
+          <a:custGeom>
+            <a:avLst/>
+            <a:gdLst/>
+            <a:ahLst/>
+            <a:cxnLst/>
+            <a:rect l="0" t="0" r="r" b="b"/>
+            <a:pathLst>
+              <a:path w="5760" h="1377">
+                <a:moveTo>
+                  <a:pt x="5760" y="0"/>
+                </a:moveTo>
+                <a:lnTo>
+                  <a:pt x="0" y="0"/>
+                </a:lnTo>
+                <a:lnTo>
+                  <a:pt x="0" y="1189"/>
+                </a:lnTo>
+                <a:lnTo>
+                  <a:pt x="943" y="1189"/>
+                </a:lnTo>
+                <a:lnTo>
+                  <a:pt x="1123" y="1369"/>
+                </a:lnTo>
+                <a:lnTo>
+                  <a:pt x="1123" y="1369"/>
+                </a:lnTo>
+                <a:lnTo>
+                  <a:pt x="1127" y="1371"/>
+                </a:lnTo>
+                <a:lnTo>
+                  <a:pt x="1133" y="1374"/>
+                </a:lnTo>
+                <a:lnTo>
+                  <a:pt x="1139" y="1377"/>
+                </a:lnTo>
+                <a:lnTo>
+                  <a:pt x="1144" y="1377"/>
+                </a:lnTo>
+                <a:lnTo>
+                  <a:pt x="1150" y="1377"/>
+                </a:lnTo>
+                <a:lnTo>
+                  <a:pt x="1155" y="1374"/>
+                </a:lnTo>
+                <a:lnTo>
+                  <a:pt x="1161" y="1371"/>
+                </a:lnTo>
+                <a:lnTo>
+                  <a:pt x="1165" y="1369"/>
+                </a:lnTo>
+                <a:lnTo>
+                  <a:pt x="1345" y="1189"/>
+                </a:lnTo>
+                <a:lnTo>
+                  <a:pt x="5760" y="1189"/>
+                </a:lnTo>
+                <a:lnTo>
+                  <a:pt x="5760" y="0"/>
+                </a:lnTo>
+                <a:close/>
+              </a:path>
+            </a:pathLst>
+          </a:custGeom>
+          <a:ln/>
+          <a:extLst>
+            <a:ext uri="{91240B29-F687-4F45-9708-019B960494DF}">
+              <a14:hiddenLine xmlns:a14="http://schemas.microsoft.com/office/drawing/2010/main" w="9525">
+                <a:solidFill>
+                  <a:srgbClr val="000000"/>
+                </a:solidFill>
+                <a:round/>
+                <a:headEnd/>
+                <a:tailEnd/>
+              </a14:hiddenLine>
+            </a:ext>
+          </a:extLst>
+        </p:spPr>
+        <p:style>
+          <a:lnRef idx="1">
+            <a:schemeClr val="accent1"/>
+          </a:lnRef>
+          <a:fillRef idx="3">
+            <a:schemeClr val="accent1"/>
+          </a:fillRef>
+          <a:effectRef idx="2">
+            <a:schemeClr val="accent1"/>
+          </a:effectRef>
+          <a:fontRef idx="minor">
+            <a:schemeClr val="lt1"/>
+          </a:fontRef>
+        </p:style>
+      </p:sp>
+      <p:sp>
+        <p:nvSpPr>
+          <p:cNvPr id="2" name="Title 1"/>
           <p:cNvSpPr>
             <a:spLocks noGrp="1"/>
           </p:cNvSpPr>
@@ -1157,68 +2140,68 @@
           <a:lstStyle/>
           <a:p>
             <a:r>
-              <a:rPr lang="bg-BG" smtClean="0"/>
-              <a:t>Щракнете, за да редактирате стила на заглавието в образеца</a:t>
-            </a:r>
-            <a:endParaRPr lang="bg-BG"/>
-          </a:p>
-        </p:txBody>
-      </p:sp>
-      <p:sp>
-        <p:nvSpPr>
-          <p:cNvPr id="3" name="Контейнер за съдържание 2"/>
-          <p:cNvSpPr>
-            <a:spLocks noGrp="1"/>
-          </p:cNvSpPr>
-          <p:nvPr>
-            <p:ph idx="1"/>
+              <a:rPr lang="en-US" smtClean="0"/>
+              <a:t>Click to edit Master title style</a:t>
+            </a:r>
+            <a:endParaRPr lang="en-US" dirty="0"/>
+          </a:p>
+        </p:txBody>
+      </p:sp>
+      <p:sp>
+        <p:nvSpPr>
+          <p:cNvPr id="3" name="Vertical Text Placeholder 2"/>
+          <p:cNvSpPr>
+            <a:spLocks noGrp="1"/>
+          </p:cNvSpPr>
+          <p:nvPr>
+            <p:ph type="body" orient="vert" idx="1"/>
           </p:nvPr>
         </p:nvSpPr>
         <p:spPr/>
         <p:txBody>
-          <a:bodyPr/>
+          <a:bodyPr vert="eaVert" anchor="t"/>
           <a:lstStyle/>
           <a:p>
             <a:pPr lvl="0"/>
             <a:r>
-              <a:rPr lang="bg-BG" smtClean="0"/>
-              <a:t>Щракн., за да ред. стил на загл. в обр.</a:t>
+              <a:rPr lang="en-US" smtClean="0"/>
+              <a:t>Click to edit Master text styles</a:t>
             </a:r>
           </a:p>
           <a:p>
             <a:pPr lvl="1"/>
             <a:r>
-              <a:rPr lang="bg-BG" smtClean="0"/>
-              <a:t>Второ ниво</a:t>
+              <a:rPr lang="en-US" smtClean="0"/>
+              <a:t>Second level</a:t>
             </a:r>
           </a:p>
           <a:p>
             <a:pPr lvl="2"/>
             <a:r>
-              <a:rPr lang="bg-BG" smtClean="0"/>
-              <a:t>Трето ниво</a:t>
+              <a:rPr lang="en-US" smtClean="0"/>
+              <a:t>Third level</a:t>
             </a:r>
           </a:p>
           <a:p>
             <a:pPr lvl="3"/>
             <a:r>
-              <a:rPr lang="bg-BG" smtClean="0"/>
-              <a:t>Четвърто ниво</a:t>
+              <a:rPr lang="en-US" smtClean="0"/>
+              <a:t>Fourth level</a:t>
             </a:r>
           </a:p>
           <a:p>
             <a:pPr lvl="4"/>
             <a:r>
-              <a:rPr lang="bg-BG" smtClean="0"/>
-              <a:t>Пето ниво</a:t>
-            </a:r>
-            <a:endParaRPr lang="bg-BG"/>
-          </a:p>
-        </p:txBody>
-      </p:sp>
-      <p:sp>
-        <p:nvSpPr>
-          <p:cNvPr id="4" name="Контейнер за дата 3"/>
+              <a:rPr lang="en-US" smtClean="0"/>
+              <a:t>Fifth level</a:t>
+            </a:r>
+            <a:endParaRPr lang="en-US" dirty="0"/>
+          </a:p>
+        </p:txBody>
+      </p:sp>
+      <p:sp>
+        <p:nvSpPr>
+          <p:cNvPr id="4" name="Date Placeholder 3"/>
           <p:cNvSpPr>
             <a:spLocks noGrp="1"/>
           </p:cNvSpPr>
@@ -1241,7 +2224,7 @@
       </p:sp>
       <p:sp>
         <p:nvSpPr>
-          <p:cNvPr id="5" name="Контейнер за долния колонтитул 4"/>
+          <p:cNvPr id="5" name="Footer Placeholder 4"/>
           <p:cNvSpPr>
             <a:spLocks noGrp="1"/>
           </p:cNvSpPr>
@@ -1260,7 +2243,7 @@
       </p:sp>
       <p:sp>
         <p:nvSpPr>
-          <p:cNvPr id="6" name="Контейнер за номер на слайда 5"/>
+          <p:cNvPr id="6" name="Slide Number Placeholder 5"/>
           <p:cNvSpPr>
             <a:spLocks noGrp="1"/>
           </p:cNvSpPr>
@@ -1282,6 +2265,11 @@
         </p:txBody>
       </p:sp>
     </p:spTree>
+    <p:extLst>
+      <p:ext uri="{BB962C8B-B14F-4D97-AF65-F5344CB8AC3E}">
+        <p14:creationId xmlns:p14="http://schemas.microsoft.com/office/powerpoint/2010/main" val="3673369421"/>
+      </p:ext>
+    </p:extLst>
   </p:cSld>
   <p:clrMapOvr>
     <a:masterClrMapping/>
@@ -1289,9 +2277,9 @@
 </p:sldLayout>
 </file>
 
-<file path=ppt/slideLayouts/slideLayout3.xml><?xml version="1.0" encoding="utf-8"?>
-<p:sldLayout xmlns:a="http://schemas.openxmlformats.org/drawingml/2006/main" xmlns:r="http://schemas.openxmlformats.org/officeDocument/2006/relationships" xmlns:p="http://schemas.openxmlformats.org/presentationml/2006/main" type="secHead" preserve="1">
-  <p:cSld name="Заглавка на секция">
+<file path=ppt/slideLayouts/slideLayout14.xml><?xml version="1.0" encoding="utf-8"?>
+<p:sldLayout xmlns:a="http://schemas.openxmlformats.org/drawingml/2006/main" xmlns:r="http://schemas.openxmlformats.org/officeDocument/2006/relationships" xmlns:p="http://schemas.openxmlformats.org/presentationml/2006/main" type="vertTitleAndTx" preserve="1">
+  <p:cSld name="Vertical Title and Text">
     <p:spTree>
       <p:nvGrpSpPr>
         <p:cNvPr id="1" name=""/>
@@ -1308,158 +2296,238 @@
       </p:grpSpPr>
       <p:sp>
         <p:nvSpPr>
-          <p:cNvPr id="2" name="Заглавие 1"/>
-          <p:cNvSpPr>
-            <a:spLocks noGrp="1"/>
-          </p:cNvSpPr>
-          <p:nvPr>
-            <p:ph type="title"/>
+          <p:cNvPr id="12" name="Freeform 6"/>
+          <p:cNvSpPr>
+            <a:spLocks noChangeAspect="1"/>
+          </p:cNvSpPr>
+          <p:nvPr/>
+        </p:nvSpPr>
+        <p:spPr bwMode="auto">
+          <a:xfrm>
+            <a:off x="5752238" y="446089"/>
+            <a:ext cx="3391762" cy="5414962"/>
+          </a:xfrm>
+          <a:custGeom>
+            <a:avLst/>
+            <a:gdLst/>
+            <a:ahLst/>
+            <a:cxnLst/>
+            <a:rect l="0" t="0" r="r" b="b"/>
+            <a:pathLst>
+              <a:path w="2879" h="4320">
+                <a:moveTo>
+                  <a:pt x="183" y="0"/>
+                </a:moveTo>
+                <a:lnTo>
+                  <a:pt x="183" y="1197"/>
+                </a:lnTo>
+                <a:lnTo>
+                  <a:pt x="8" y="1372"/>
+                </a:lnTo>
+                <a:lnTo>
+                  <a:pt x="8" y="1372"/>
+                </a:lnTo>
+                <a:lnTo>
+                  <a:pt x="6" y="1376"/>
+                </a:lnTo>
+                <a:lnTo>
+                  <a:pt x="3" y="1382"/>
+                </a:lnTo>
+                <a:lnTo>
+                  <a:pt x="0" y="1387"/>
+                </a:lnTo>
+                <a:lnTo>
+                  <a:pt x="0" y="1393"/>
+                </a:lnTo>
+                <a:lnTo>
+                  <a:pt x="0" y="1399"/>
+                </a:lnTo>
+                <a:lnTo>
+                  <a:pt x="3" y="1404"/>
+                </a:lnTo>
+                <a:lnTo>
+                  <a:pt x="6" y="1410"/>
+                </a:lnTo>
+                <a:lnTo>
+                  <a:pt x="8" y="1414"/>
+                </a:lnTo>
+                <a:lnTo>
+                  <a:pt x="183" y="1589"/>
+                </a:lnTo>
+                <a:lnTo>
+                  <a:pt x="183" y="4320"/>
+                </a:lnTo>
+                <a:lnTo>
+                  <a:pt x="2879" y="4320"/>
+                </a:lnTo>
+                <a:lnTo>
+                  <a:pt x="2879" y="0"/>
+                </a:lnTo>
+                <a:lnTo>
+                  <a:pt x="183" y="0"/>
+                </a:lnTo>
+                <a:close/>
+              </a:path>
+            </a:pathLst>
+          </a:custGeom>
+          <a:ln/>
+          <a:extLst>
+            <a:ext uri="{91240B29-F687-4F45-9708-019B960494DF}">
+              <a14:hiddenLine xmlns:a14="http://schemas.microsoft.com/office/drawing/2010/main" w="9525">
+                <a:solidFill>
+                  <a:srgbClr val="000000"/>
+                </a:solidFill>
+                <a:round/>
+                <a:headEnd/>
+                <a:tailEnd/>
+              </a14:hiddenLine>
+            </a:ext>
+          </a:extLst>
+        </p:spPr>
+        <p:style>
+          <a:lnRef idx="1">
+            <a:schemeClr val="accent1"/>
+          </a:lnRef>
+          <a:fillRef idx="3">
+            <a:schemeClr val="accent1"/>
+          </a:fillRef>
+          <a:effectRef idx="2">
+            <a:schemeClr val="accent1"/>
+          </a:effectRef>
+          <a:fontRef idx="minor">
+            <a:schemeClr val="lt1"/>
+          </a:fontRef>
+        </p:style>
+      </p:sp>
+      <p:sp>
+        <p:nvSpPr>
+          <p:cNvPr id="9" name="AutoShape 4"/>
+          <p:cNvSpPr>
+            <a:spLocks noChangeAspect="1" noChangeArrowheads="1" noTextEdit="1"/>
+          </p:cNvSpPr>
+          <p:nvPr/>
+        </p:nvSpPr>
+        <p:spPr bwMode="auto">
+          <a:xfrm>
+            <a:off x="5233988" y="0"/>
+            <a:ext cx="3910012" cy="5867400"/>
+          </a:xfrm>
+          <a:prstGeom prst="rect">
+            <a:avLst/>
+          </a:prstGeom>
+          <a:noFill/>
+          <a:ln>
+            <a:noFill/>
+          </a:ln>
+          <a:extLst>
+            <a:ext uri="{909E8E84-426E-40DD-AFC4-6F175D3DCCD1}">
+              <a14:hiddenFill xmlns:a14="http://schemas.microsoft.com/office/drawing/2010/main">
+                <a:solidFill>
+                  <a:srgbClr val="FFFFFF"/>
+                </a:solidFill>
+              </a14:hiddenFill>
+            </a:ext>
+            <a:ext uri="{91240B29-F687-4F45-9708-019B960494DF}">
+              <a14:hiddenLine xmlns:a14="http://schemas.microsoft.com/office/drawing/2010/main" w="9525">
+                <a:solidFill>
+                  <a:srgbClr val="000000"/>
+                </a:solidFill>
+                <a:miter lim="800000"/>
+                <a:headEnd/>
+                <a:tailEnd/>
+              </a14:hiddenLine>
+            </a:ext>
+          </a:extLst>
+        </p:spPr>
+      </p:sp>
+      <p:sp>
+        <p:nvSpPr>
+          <p:cNvPr id="2" name="Vertical Title 1"/>
+          <p:cNvSpPr>
+            <a:spLocks noGrp="1"/>
+          </p:cNvSpPr>
+          <p:nvPr>
+            <p:ph type="title" orient="vert"/>
           </p:nvPr>
         </p:nvSpPr>
         <p:spPr>
           <a:xfrm>
-            <a:off x="722313" y="4406900"/>
-            <a:ext cx="7772400" cy="1362075"/>
+            <a:off x="6137655" y="586171"/>
+            <a:ext cx="1701800" cy="5134798"/>
           </a:xfrm>
         </p:spPr>
         <p:txBody>
-          <a:bodyPr anchor="t"/>
-          <a:lstStyle>
-            <a:lvl1pPr algn="l">
-              <a:defRPr sz="4000" b="1" cap="all"/>
-            </a:lvl1pPr>
-          </a:lstStyle>
-          <a:p>
-            <a:r>
-              <a:rPr lang="bg-BG" smtClean="0"/>
-              <a:t>Щракнете, за да редактирате стила на заглавието в образеца</a:t>
-            </a:r>
-            <a:endParaRPr lang="bg-BG"/>
-          </a:p>
-        </p:txBody>
-      </p:sp>
-      <p:sp>
-        <p:nvSpPr>
-          <p:cNvPr id="3" name="Текстов контейнер 2"/>
-          <p:cNvSpPr>
-            <a:spLocks noGrp="1"/>
-          </p:cNvSpPr>
-          <p:nvPr>
-            <p:ph type="body" idx="1"/>
+          <a:bodyPr vert="eaVert"/>
+          <a:lstStyle/>
+          <a:p>
+            <a:r>
+              <a:rPr lang="en-US" smtClean="0"/>
+              <a:t>Click to edit Master title style</a:t>
+            </a:r>
+            <a:endParaRPr lang="en-US" dirty="0"/>
+          </a:p>
+        </p:txBody>
+      </p:sp>
+      <p:sp>
+        <p:nvSpPr>
+          <p:cNvPr id="3" name="Vertical Text Placeholder 2"/>
+          <p:cNvSpPr>
+            <a:spLocks noGrp="1"/>
+          </p:cNvSpPr>
+          <p:nvPr>
+            <p:ph type="body" orient="vert" idx="1"/>
           </p:nvPr>
         </p:nvSpPr>
         <p:spPr>
           <a:xfrm>
-            <a:off x="722313" y="2906713"/>
-            <a:ext cx="7772400" cy="1500187"/>
+            <a:off x="804862" y="446089"/>
+            <a:ext cx="4947376" cy="5414962"/>
           </a:xfrm>
         </p:spPr>
         <p:txBody>
-          <a:bodyPr anchor="b"/>
-          <a:lstStyle>
-            <a:lvl1pPr marL="0" indent="0">
-              <a:buNone/>
-              <a:defRPr sz="2000">
-                <a:solidFill>
-                  <a:schemeClr val="tx1">
-                    <a:tint val="75000"/>
-                  </a:schemeClr>
-                </a:solidFill>
-              </a:defRPr>
-            </a:lvl1pPr>
-            <a:lvl2pPr marL="457200" indent="0">
-              <a:buNone/>
-              <a:defRPr sz="1800">
-                <a:solidFill>
-                  <a:schemeClr val="tx1">
-                    <a:tint val="75000"/>
-                  </a:schemeClr>
-                </a:solidFill>
-              </a:defRPr>
-            </a:lvl2pPr>
-            <a:lvl3pPr marL="914400" indent="0">
-              <a:buNone/>
-              <a:defRPr sz="1600">
-                <a:solidFill>
-                  <a:schemeClr val="tx1">
-                    <a:tint val="75000"/>
-                  </a:schemeClr>
-                </a:solidFill>
-              </a:defRPr>
-            </a:lvl3pPr>
-            <a:lvl4pPr marL="1371600" indent="0">
-              <a:buNone/>
-              <a:defRPr sz="1400">
-                <a:solidFill>
-                  <a:schemeClr val="tx1">
-                    <a:tint val="75000"/>
-                  </a:schemeClr>
-                </a:solidFill>
-              </a:defRPr>
-            </a:lvl4pPr>
-            <a:lvl5pPr marL="1828800" indent="0">
-              <a:buNone/>
-              <a:defRPr sz="1400">
-                <a:solidFill>
-                  <a:schemeClr val="tx1">
-                    <a:tint val="75000"/>
-                  </a:schemeClr>
-                </a:solidFill>
-              </a:defRPr>
-            </a:lvl5pPr>
-            <a:lvl6pPr marL="2286000" indent="0">
-              <a:buNone/>
-              <a:defRPr sz="1400">
-                <a:solidFill>
-                  <a:schemeClr val="tx1">
-                    <a:tint val="75000"/>
-                  </a:schemeClr>
-                </a:solidFill>
-              </a:defRPr>
-            </a:lvl6pPr>
-            <a:lvl7pPr marL="2743200" indent="0">
-              <a:buNone/>
-              <a:defRPr sz="1400">
-                <a:solidFill>
-                  <a:schemeClr val="tx1">
-                    <a:tint val="75000"/>
-                  </a:schemeClr>
-                </a:solidFill>
-              </a:defRPr>
-            </a:lvl7pPr>
-            <a:lvl8pPr marL="3200400" indent="0">
-              <a:buNone/>
-              <a:defRPr sz="1400">
-                <a:solidFill>
-                  <a:schemeClr val="tx1">
-                    <a:tint val="75000"/>
-                  </a:schemeClr>
-                </a:solidFill>
-              </a:defRPr>
-            </a:lvl8pPr>
-            <a:lvl9pPr marL="3657600" indent="0">
-              <a:buNone/>
-              <a:defRPr sz="1400">
-                <a:solidFill>
-                  <a:schemeClr val="tx1">
-                    <a:tint val="75000"/>
-                  </a:schemeClr>
-                </a:solidFill>
-              </a:defRPr>
-            </a:lvl9pPr>
-          </a:lstStyle>
+          <a:bodyPr vert="eaVert" anchor="t"/>
+          <a:lstStyle/>
           <a:p>
             <a:pPr lvl="0"/>
             <a:r>
-              <a:rPr lang="bg-BG" smtClean="0"/>
-              <a:t>Щракн., за да ред. стил на загл. в обр.</a:t>
-            </a:r>
-          </a:p>
-        </p:txBody>
-      </p:sp>
-      <p:sp>
-        <p:nvSpPr>
-          <p:cNvPr id="4" name="Контейнер за дата 3"/>
+              <a:rPr lang="en-US" smtClean="0"/>
+              <a:t>Click to edit Master text styles</a:t>
+            </a:r>
+          </a:p>
+          <a:p>
+            <a:pPr lvl="1"/>
+            <a:r>
+              <a:rPr lang="en-US" smtClean="0"/>
+              <a:t>Second level</a:t>
+            </a:r>
+          </a:p>
+          <a:p>
+            <a:pPr lvl="2"/>
+            <a:r>
+              <a:rPr lang="en-US" smtClean="0"/>
+              <a:t>Third level</a:t>
+            </a:r>
+          </a:p>
+          <a:p>
+            <a:pPr lvl="3"/>
+            <a:r>
+              <a:rPr lang="en-US" smtClean="0"/>
+              <a:t>Fourth level</a:t>
+            </a:r>
+          </a:p>
+          <a:p>
+            <a:pPr lvl="4"/>
+            <a:r>
+              <a:rPr lang="en-US" smtClean="0"/>
+              <a:t>Fifth level</a:t>
+            </a:r>
+            <a:endParaRPr lang="en-US" dirty="0"/>
+          </a:p>
+        </p:txBody>
+      </p:sp>
+      <p:sp>
+        <p:nvSpPr>
+          <p:cNvPr id="4" name="Date Placeholder 3"/>
           <p:cNvSpPr>
             <a:spLocks noGrp="1"/>
           </p:cNvSpPr>
@@ -1482,7 +2550,7 @@
       </p:sp>
       <p:sp>
         <p:nvSpPr>
-          <p:cNvPr id="5" name="Контейнер за долния колонтитул 4"/>
+          <p:cNvPr id="5" name="Footer Placeholder 4"/>
           <p:cNvSpPr>
             <a:spLocks noGrp="1"/>
           </p:cNvSpPr>
@@ -1501,7 +2569,7 @@
       </p:sp>
       <p:sp>
         <p:nvSpPr>
-          <p:cNvPr id="6" name="Контейнер за номер на слайда 5"/>
+          <p:cNvPr id="6" name="Slide Number Placeholder 5"/>
           <p:cNvSpPr>
             <a:spLocks noGrp="1"/>
           </p:cNvSpPr>
@@ -1523,6 +2591,11 @@
         </p:txBody>
       </p:sp>
     </p:spTree>
+    <p:extLst>
+      <p:ext uri="{BB962C8B-B14F-4D97-AF65-F5344CB8AC3E}">
+        <p14:creationId xmlns:p14="http://schemas.microsoft.com/office/powerpoint/2010/main" val="804322848"/>
+      </p:ext>
+    </p:extLst>
   </p:cSld>
   <p:clrMapOvr>
     <a:masterClrMapping/>
@@ -1530,9 +2603,9 @@
 </p:sldLayout>
 </file>
 
-<file path=ppt/slideLayouts/slideLayout4.xml><?xml version="1.0" encoding="utf-8"?>
-<p:sldLayout xmlns:a="http://schemas.openxmlformats.org/drawingml/2006/main" xmlns:r="http://schemas.openxmlformats.org/officeDocument/2006/relationships" xmlns:p="http://schemas.openxmlformats.org/presentationml/2006/main" type="twoObj" preserve="1">
-  <p:cSld name="Две съдържания">
+<file path=ppt/slideLayouts/slideLayout2.xml><?xml version="1.0" encoding="utf-8"?>
+<p:sldLayout xmlns:a="http://schemas.openxmlformats.org/drawingml/2006/main" xmlns:r="http://schemas.openxmlformats.org/officeDocument/2006/relationships" xmlns:p="http://schemas.openxmlformats.org/presentationml/2006/main" type="obj" preserve="1">
+  <p:cSld name="Title and Content">
     <p:spTree>
       <p:nvGrpSpPr>
         <p:cNvPr id="1" name=""/>
@@ -1549,7 +2622,110 @@
       </p:grpSpPr>
       <p:sp>
         <p:nvSpPr>
-          <p:cNvPr id="2" name="Заглавие 1"/>
+          <p:cNvPr id="11" name="Freeform 6"/>
+          <p:cNvSpPr/>
+          <p:nvPr/>
+        </p:nvSpPr>
+        <p:spPr bwMode="auto">
+          <a:xfrm>
+            <a:off x="0" y="0"/>
+            <a:ext cx="9144000" cy="2185988"/>
+          </a:xfrm>
+          <a:custGeom>
+            <a:avLst/>
+            <a:gdLst/>
+            <a:ahLst/>
+            <a:cxnLst/>
+            <a:rect l="0" t="0" r="r" b="b"/>
+            <a:pathLst>
+              <a:path w="5760" h="1377">
+                <a:moveTo>
+                  <a:pt x="5760" y="0"/>
+                </a:moveTo>
+                <a:lnTo>
+                  <a:pt x="0" y="0"/>
+                </a:lnTo>
+                <a:lnTo>
+                  <a:pt x="0" y="1189"/>
+                </a:lnTo>
+                <a:lnTo>
+                  <a:pt x="943" y="1189"/>
+                </a:lnTo>
+                <a:lnTo>
+                  <a:pt x="1123" y="1369"/>
+                </a:lnTo>
+                <a:lnTo>
+                  <a:pt x="1123" y="1369"/>
+                </a:lnTo>
+                <a:lnTo>
+                  <a:pt x="1127" y="1371"/>
+                </a:lnTo>
+                <a:lnTo>
+                  <a:pt x="1133" y="1374"/>
+                </a:lnTo>
+                <a:lnTo>
+                  <a:pt x="1139" y="1377"/>
+                </a:lnTo>
+                <a:lnTo>
+                  <a:pt x="1144" y="1377"/>
+                </a:lnTo>
+                <a:lnTo>
+                  <a:pt x="1150" y="1377"/>
+                </a:lnTo>
+                <a:lnTo>
+                  <a:pt x="1155" y="1374"/>
+                </a:lnTo>
+                <a:lnTo>
+                  <a:pt x="1161" y="1371"/>
+                </a:lnTo>
+                <a:lnTo>
+                  <a:pt x="1165" y="1369"/>
+                </a:lnTo>
+                <a:lnTo>
+                  <a:pt x="1345" y="1189"/>
+                </a:lnTo>
+                <a:lnTo>
+                  <a:pt x="5760" y="1189"/>
+                </a:lnTo>
+                <a:lnTo>
+                  <a:pt x="5760" y="0"/>
+                </a:lnTo>
+                <a:close/>
+              </a:path>
+            </a:pathLst>
+          </a:custGeom>
+          <a:ln/>
+          <a:extLst>
+            <a:ext uri="{91240B29-F687-4F45-9708-019B960494DF}">
+              <a14:hiddenLine xmlns:a14="http://schemas.microsoft.com/office/drawing/2010/main" w="9525">
+                <a:solidFill>
+                  <a:srgbClr val="000000"/>
+                </a:solidFill>
+                <a:round/>
+                <a:headEnd/>
+                <a:tailEnd/>
+              </a14:hiddenLine>
+            </a:ext>
+          </a:extLst>
+        </p:spPr>
+        <p:style>
+          <a:lnRef idx="1">
+            <a:schemeClr val="accent1"/>
+          </a:lnRef>
+          <a:fillRef idx="3">
+            <a:schemeClr val="accent1"/>
+          </a:fillRef>
+          <a:effectRef idx="2">
+            <a:schemeClr val="accent1"/>
+          </a:effectRef>
+          <a:fontRef idx="minor">
+            <a:schemeClr val="lt1"/>
+          </a:fontRef>
+        </p:style>
+      </p:sp>
+      <p:sp>
+        <p:nvSpPr>
+          <p:cNvPr id="2" name="Title 1"/>
           <p:cNvSpPr>
             <a:spLocks noGrp="1"/>
           </p:cNvSpPr>
@@ -1563,186 +2739,73 @@
           <a:lstStyle/>
           <a:p>
             <a:r>
-              <a:rPr lang="bg-BG" smtClean="0"/>
-              <a:t>Щракнете, за да редактирате стила на заглавието в образеца</a:t>
-            </a:r>
-            <a:endParaRPr lang="bg-BG"/>
-          </a:p>
-        </p:txBody>
-      </p:sp>
-      <p:sp>
-        <p:nvSpPr>
-          <p:cNvPr id="3" name="Контейнер за съдържание 2"/>
-          <p:cNvSpPr>
-            <a:spLocks noGrp="1"/>
-          </p:cNvSpPr>
-          <p:nvPr>
-            <p:ph sz="half" idx="1"/>
+              <a:rPr lang="en-US" smtClean="0"/>
+              <a:t>Click to edit Master title style</a:t>
+            </a:r>
+            <a:endParaRPr lang="en-US" dirty="0"/>
+          </a:p>
+        </p:txBody>
+      </p:sp>
+      <p:sp>
+        <p:nvSpPr>
+          <p:cNvPr id="3" name="Content Placeholder 2"/>
+          <p:cNvSpPr>
+            <a:spLocks noGrp="1"/>
+          </p:cNvSpPr>
+          <p:nvPr>
+            <p:ph idx="1"/>
           </p:nvPr>
         </p:nvSpPr>
         <p:spPr>
           <a:xfrm>
-            <a:off x="457200" y="1600200"/>
-            <a:ext cx="4038600" cy="4525963"/>
+            <a:off x="809997" y="2222287"/>
+            <a:ext cx="7524003" cy="3636510"/>
           </a:xfrm>
         </p:spPr>
         <p:txBody>
           <a:bodyPr/>
-          <a:lstStyle>
-            <a:lvl1pPr>
-              <a:defRPr sz="2800"/>
-            </a:lvl1pPr>
-            <a:lvl2pPr>
-              <a:defRPr sz="2400"/>
-            </a:lvl2pPr>
-            <a:lvl3pPr>
-              <a:defRPr sz="2000"/>
-            </a:lvl3pPr>
-            <a:lvl4pPr>
-              <a:defRPr sz="1800"/>
-            </a:lvl4pPr>
-            <a:lvl5pPr>
-              <a:defRPr sz="1800"/>
-            </a:lvl5pPr>
-            <a:lvl6pPr>
-              <a:defRPr sz="1800"/>
-            </a:lvl6pPr>
-            <a:lvl7pPr>
-              <a:defRPr sz="1800"/>
-            </a:lvl7pPr>
-            <a:lvl8pPr>
-              <a:defRPr sz="1800"/>
-            </a:lvl8pPr>
-            <a:lvl9pPr>
-              <a:defRPr sz="1800"/>
-            </a:lvl9pPr>
-          </a:lstStyle>
+          <a:lstStyle/>
           <a:p>
             <a:pPr lvl="0"/>
             <a:r>
-              <a:rPr lang="bg-BG" smtClean="0"/>
-              <a:t>Щракн., за да ред. стил на загл. в обр.</a:t>
+              <a:rPr lang="en-US" smtClean="0"/>
+              <a:t>Click to edit Master text styles</a:t>
             </a:r>
           </a:p>
           <a:p>
             <a:pPr lvl="1"/>
             <a:r>
-              <a:rPr lang="bg-BG" smtClean="0"/>
-              <a:t>Второ ниво</a:t>
+              <a:rPr lang="en-US" smtClean="0"/>
+              <a:t>Second level</a:t>
             </a:r>
           </a:p>
           <a:p>
             <a:pPr lvl="2"/>
             <a:r>
-              <a:rPr lang="bg-BG" smtClean="0"/>
-              <a:t>Трето ниво</a:t>
+              <a:rPr lang="en-US" smtClean="0"/>
+              <a:t>Third level</a:t>
             </a:r>
           </a:p>
           <a:p>
             <a:pPr lvl="3"/>
             <a:r>
-              <a:rPr lang="bg-BG" smtClean="0"/>
-              <a:t>Четвърто ниво</a:t>
+              <a:rPr lang="en-US" smtClean="0"/>
+              <a:t>Fourth level</a:t>
             </a:r>
           </a:p>
           <a:p>
             <a:pPr lvl="4"/>
             <a:r>
-              <a:rPr lang="bg-BG" smtClean="0"/>
-              <a:t>Пето ниво</a:t>
-            </a:r>
-            <a:endParaRPr lang="bg-BG"/>
-          </a:p>
-        </p:txBody>
-      </p:sp>
-      <p:sp>
-        <p:nvSpPr>
-          <p:cNvPr id="4" name="Контейнер за съдържание 3"/>
-          <p:cNvSpPr>
-            <a:spLocks noGrp="1"/>
-          </p:cNvSpPr>
-          <p:nvPr>
-            <p:ph sz="half" idx="2"/>
-          </p:nvPr>
-        </p:nvSpPr>
-        <p:spPr>
-          <a:xfrm>
-            <a:off x="4648200" y="1600200"/>
-            <a:ext cx="4038600" cy="4525963"/>
-          </a:xfrm>
-        </p:spPr>
-        <p:txBody>
-          <a:bodyPr/>
-          <a:lstStyle>
-            <a:lvl1pPr>
-              <a:defRPr sz="2800"/>
-            </a:lvl1pPr>
-            <a:lvl2pPr>
-              <a:defRPr sz="2400"/>
-            </a:lvl2pPr>
-            <a:lvl3pPr>
-              <a:defRPr sz="2000"/>
-            </a:lvl3pPr>
-            <a:lvl4pPr>
-              <a:defRPr sz="1800"/>
-            </a:lvl4pPr>
-            <a:lvl5pPr>
-              <a:defRPr sz="1800"/>
-            </a:lvl5pPr>
-            <a:lvl6pPr>
-              <a:defRPr sz="1800"/>
-            </a:lvl6pPr>
-            <a:lvl7pPr>
-              <a:defRPr sz="1800"/>
-            </a:lvl7pPr>
-            <a:lvl8pPr>
-              <a:defRPr sz="1800"/>
-            </a:lvl8pPr>
-            <a:lvl9pPr>
-              <a:defRPr sz="1800"/>
-            </a:lvl9pPr>
-          </a:lstStyle>
-          <a:p>
-            <a:pPr lvl="0"/>
-            <a:r>
-              <a:rPr lang="bg-BG" smtClean="0"/>
-              <a:t>Щракн., за да ред. стил на загл. в обр.</a:t>
-            </a:r>
-          </a:p>
-          <a:p>
-            <a:pPr lvl="1"/>
-            <a:r>
-              <a:rPr lang="bg-BG" smtClean="0"/>
-              <a:t>Второ ниво</a:t>
-            </a:r>
-          </a:p>
-          <a:p>
-            <a:pPr lvl="2"/>
-            <a:r>
-              <a:rPr lang="bg-BG" smtClean="0"/>
-              <a:t>Трето ниво</a:t>
-            </a:r>
-          </a:p>
-          <a:p>
-            <a:pPr lvl="3"/>
-            <a:r>
-              <a:rPr lang="bg-BG" smtClean="0"/>
-              <a:t>Четвърто ниво</a:t>
-            </a:r>
-          </a:p>
-          <a:p>
-            <a:pPr lvl="4"/>
-            <a:r>
-              <a:rPr lang="bg-BG" smtClean="0"/>
-              <a:t>Пето ниво</a:t>
-            </a:r>
-            <a:endParaRPr lang="bg-BG"/>
-          </a:p>
-        </p:txBody>
-      </p:sp>
-      <p:sp>
-        <p:nvSpPr>
-          <p:cNvPr id="5" name="Контейнер за дата 4"/>
+              <a:rPr lang="en-US" smtClean="0"/>
+              <a:t>Fifth level</a:t>
+            </a:r>
+            <a:endParaRPr lang="en-US" dirty="0"/>
+          </a:p>
+        </p:txBody>
+      </p:sp>
+      <p:sp>
+        <p:nvSpPr>
+          <p:cNvPr id="4" name="Date Placeholder 3"/>
           <p:cNvSpPr>
             <a:spLocks noGrp="1"/>
           </p:cNvSpPr>
@@ -1765,7 +2828,7 @@
       </p:sp>
       <p:sp>
         <p:nvSpPr>
-          <p:cNvPr id="6" name="Контейнер за долния колонтитул 5"/>
+          <p:cNvPr id="5" name="Footer Placeholder 4"/>
           <p:cNvSpPr>
             <a:spLocks noGrp="1"/>
           </p:cNvSpPr>
@@ -1784,7 +2847,7 @@
       </p:sp>
       <p:sp>
         <p:nvSpPr>
-          <p:cNvPr id="7" name="Контейнер за номер на слайда 6"/>
+          <p:cNvPr id="6" name="Slide Number Placeholder 5"/>
           <p:cNvSpPr>
             <a:spLocks noGrp="1"/>
           </p:cNvSpPr>
@@ -1806,6 +2869,11 @@
         </p:txBody>
       </p:sp>
     </p:spTree>
+    <p:extLst>
+      <p:ext uri="{BB962C8B-B14F-4D97-AF65-F5344CB8AC3E}">
+        <p14:creationId xmlns:p14="http://schemas.microsoft.com/office/powerpoint/2010/main" val="2976320886"/>
+      </p:ext>
+    </p:extLst>
   </p:cSld>
   <p:clrMapOvr>
     <a:masterClrMapping/>
@@ -1813,9 +2881,9 @@
 </p:sldLayout>
 </file>
 
-<file path=ppt/slideLayouts/slideLayout5.xml><?xml version="1.0" encoding="utf-8"?>
-<p:sldLayout xmlns:a="http://schemas.openxmlformats.org/drawingml/2006/main" xmlns:r="http://schemas.openxmlformats.org/officeDocument/2006/relationships" xmlns:p="http://schemas.openxmlformats.org/presentationml/2006/main" type="twoTxTwoObj" preserve="1">
-  <p:cSld name="Сравнение">
+<file path=ppt/slideLayouts/slideLayout3.xml><?xml version="1.0" encoding="utf-8"?>
+<p:sldLayout xmlns:a="http://schemas.openxmlformats.org/drawingml/2006/main" xmlns:r="http://schemas.openxmlformats.org/officeDocument/2006/relationships" xmlns:p="http://schemas.openxmlformats.org/presentationml/2006/main" type="secHead" preserve="1">
+  <p:cSld name="Section Header">
     <p:spTree>
       <p:nvGrpSpPr>
         <p:cNvPr id="1" name=""/>
@@ -1832,7 +2900,104 @@
       </p:grpSpPr>
       <p:sp>
         <p:nvSpPr>
-          <p:cNvPr id="2" name="Заглавие 1"/>
+          <p:cNvPr id="10" name="Freeform 7"/>
+          <p:cNvSpPr/>
+          <p:nvPr/>
+        </p:nvSpPr>
+        <p:spPr bwMode="auto">
+          <a:xfrm>
+            <a:off x="0" y="0"/>
+            <a:ext cx="9144000" cy="5203825"/>
+          </a:xfrm>
+          <a:custGeom>
+            <a:avLst/>
+            <a:gdLst/>
+            <a:ahLst/>
+            <a:cxnLst/>
+            <a:rect l="0" t="0" r="r" b="b"/>
+            <a:pathLst>
+              <a:path w="5760" h="3278">
+                <a:moveTo>
+                  <a:pt x="0" y="0"/>
+                </a:moveTo>
+                <a:lnTo>
+                  <a:pt x="5760" y="0"/>
+                </a:lnTo>
+                <a:lnTo>
+                  <a:pt x="5760" y="3090"/>
+                </a:lnTo>
+                <a:lnTo>
+                  <a:pt x="4817" y="3090"/>
+                </a:lnTo>
+                <a:lnTo>
+                  <a:pt x="4637" y="3270"/>
+                </a:lnTo>
+                <a:lnTo>
+                  <a:pt x="4637" y="3270"/>
+                </a:lnTo>
+                <a:lnTo>
+                  <a:pt x="4633" y="3272"/>
+                </a:lnTo>
+                <a:lnTo>
+                  <a:pt x="4627" y="3275"/>
+                </a:lnTo>
+                <a:lnTo>
+                  <a:pt x="4621" y="3278"/>
+                </a:lnTo>
+                <a:lnTo>
+                  <a:pt x="4616" y="3278"/>
+                </a:lnTo>
+                <a:lnTo>
+                  <a:pt x="4610" y="3278"/>
+                </a:lnTo>
+                <a:lnTo>
+                  <a:pt x="4605" y="3275"/>
+                </a:lnTo>
+                <a:lnTo>
+                  <a:pt x="4599" y="3272"/>
+                </a:lnTo>
+                <a:lnTo>
+                  <a:pt x="4595" y="3270"/>
+                </a:lnTo>
+                <a:lnTo>
+                  <a:pt x="4415" y="3090"/>
+                </a:lnTo>
+                <a:lnTo>
+                  <a:pt x="0" y="3090"/>
+                </a:lnTo>
+                <a:lnTo>
+                  <a:pt x="0" y="0"/>
+                </a:lnTo>
+                <a:lnTo>
+                  <a:pt x="0" y="0"/>
+                </a:lnTo>
+                <a:close/>
+              </a:path>
+            </a:pathLst>
+          </a:custGeom>
+          <a:ln>
+            <a:headEnd/>
+            <a:tailEnd/>
+          </a:ln>
+        </p:spPr>
+        <p:style>
+          <a:lnRef idx="1">
+            <a:schemeClr val="accent1"/>
+          </a:lnRef>
+          <a:fillRef idx="3">
+            <a:schemeClr val="accent1"/>
+          </a:fillRef>
+          <a:effectRef idx="2">
+            <a:schemeClr val="accent1"/>
+          </a:effectRef>
+          <a:fontRef idx="minor">
+            <a:schemeClr val="lt1"/>
+          </a:fontRef>
+        </p:style>
+      </p:sp>
+      <p:sp>
+        <p:nvSpPr>
+          <p:cNvPr id="2" name="Title 1"/>
           <p:cNvSpPr>
             <a:spLocks noGrp="1"/>
           </p:cNvSpPr>
@@ -1840,26 +3005,31 @@
             <p:ph type="title"/>
           </p:nvPr>
         </p:nvSpPr>
-        <p:spPr/>
-        <p:txBody>
-          <a:bodyPr/>
+        <p:spPr>
+          <a:xfrm>
+            <a:off x="804863" y="2951396"/>
+            <a:ext cx="7526337" cy="1468800"/>
+          </a:xfrm>
+        </p:spPr>
+        <p:txBody>
+          <a:bodyPr anchor="b"/>
           <a:lstStyle>
-            <a:lvl1pPr>
-              <a:defRPr/>
+            <a:lvl1pPr algn="r">
+              <a:defRPr sz="4800" b="1" cap="none"/>
             </a:lvl1pPr>
           </a:lstStyle>
           <a:p>
             <a:r>
-              <a:rPr lang="bg-BG" smtClean="0"/>
-              <a:t>Щракнете, за да редактирате стила на заглавието в образеца</a:t>
-            </a:r>
-            <a:endParaRPr lang="bg-BG"/>
-          </a:p>
-        </p:txBody>
-      </p:sp>
-      <p:sp>
-        <p:nvSpPr>
-          <p:cNvPr id="3" name="Текстов контейнер 2"/>
+              <a:rPr lang="en-US" smtClean="0"/>
+              <a:t>Click to edit Master title style</a:t>
+            </a:r>
+            <a:endParaRPr lang="en-US" dirty="0"/>
+          </a:p>
+        </p:txBody>
+      </p:sp>
+      <p:sp>
+        <p:nvSpPr>
+          <p:cNvPr id="3" name="Text Placeholder 2"/>
           <p:cNvSpPr>
             <a:spLocks noGrp="1"/>
           </p:cNvSpPr>
@@ -1869,297 +3039,116 @@
         </p:nvSpPr>
         <p:spPr>
           <a:xfrm>
-            <a:off x="457200" y="1535113"/>
-            <a:ext cx="4040188" cy="639762"/>
+            <a:off x="804863" y="5281200"/>
+            <a:ext cx="7526337" cy="433955"/>
           </a:xfrm>
         </p:spPr>
         <p:txBody>
-          <a:bodyPr anchor="b"/>
+          <a:bodyPr anchor="t">
+            <a:noAutofit/>
+          </a:bodyPr>
           <a:lstStyle>
-            <a:lvl1pPr marL="0" indent="0">
-              <a:buNone/>
-              <a:defRPr sz="2400" b="1"/>
+            <a:lvl1pPr marL="0" indent="0" algn="r">
+              <a:buNone/>
+              <a:defRPr sz="1800">
+                <a:solidFill>
+                  <a:schemeClr val="tx1"/>
+                </a:solidFill>
+              </a:defRPr>
             </a:lvl1pPr>
             <a:lvl2pPr marL="457200" indent="0">
               <a:buNone/>
-              <a:defRPr sz="2000" b="1"/>
+              <a:defRPr sz="1800">
+                <a:solidFill>
+                  <a:schemeClr val="tx1">
+                    <a:tint val="75000"/>
+                  </a:schemeClr>
+                </a:solidFill>
+              </a:defRPr>
             </a:lvl2pPr>
             <a:lvl3pPr marL="914400" indent="0">
               <a:buNone/>
-              <a:defRPr sz="1800" b="1"/>
+              <a:defRPr sz="1600">
+                <a:solidFill>
+                  <a:schemeClr val="tx1">
+                    <a:tint val="75000"/>
+                  </a:schemeClr>
+                </a:solidFill>
+              </a:defRPr>
             </a:lvl3pPr>
             <a:lvl4pPr marL="1371600" indent="0">
               <a:buNone/>
-              <a:defRPr sz="1600" b="1"/>
+              <a:defRPr sz="1400">
+                <a:solidFill>
+                  <a:schemeClr val="tx1">
+                    <a:tint val="75000"/>
+                  </a:schemeClr>
+                </a:solidFill>
+              </a:defRPr>
             </a:lvl4pPr>
             <a:lvl5pPr marL="1828800" indent="0">
               <a:buNone/>
-              <a:defRPr sz="1600" b="1"/>
+              <a:defRPr sz="1400">
+                <a:solidFill>
+                  <a:schemeClr val="tx1">
+                    <a:tint val="75000"/>
+                  </a:schemeClr>
+                </a:solidFill>
+              </a:defRPr>
             </a:lvl5pPr>
             <a:lvl6pPr marL="2286000" indent="0">
               <a:buNone/>
-              <a:defRPr sz="1600" b="1"/>
+              <a:defRPr sz="1400">
+                <a:solidFill>
+                  <a:schemeClr val="tx1">
+                    <a:tint val="75000"/>
+                  </a:schemeClr>
+                </a:solidFill>
+              </a:defRPr>
             </a:lvl6pPr>
             <a:lvl7pPr marL="2743200" indent="0">
               <a:buNone/>
-              <a:defRPr sz="1600" b="1"/>
+              <a:defRPr sz="1400">
+                <a:solidFill>
+                  <a:schemeClr val="tx1">
+                    <a:tint val="75000"/>
+                  </a:schemeClr>
+                </a:solidFill>
+              </a:defRPr>
             </a:lvl7pPr>
             <a:lvl8pPr marL="3200400" indent="0">
               <a:buNone/>
-              <a:defRPr sz="1600" b="1"/>
+              <a:defRPr sz="1400">
+                <a:solidFill>
+                  <a:schemeClr val="tx1">
+                    <a:tint val="75000"/>
+                  </a:schemeClr>
+                </a:solidFill>
+              </a:defRPr>
             </a:lvl8pPr>
             <a:lvl9pPr marL="3657600" indent="0">
               <a:buNone/>
-              <a:defRPr sz="1600" b="1"/>
+              <a:defRPr sz="1400">
+                <a:solidFill>
+                  <a:schemeClr val="tx1">
+                    <a:tint val="75000"/>
+                  </a:schemeClr>
+                </a:solidFill>
+              </a:defRPr>
             </a:lvl9pPr>
           </a:lstStyle>
           <a:p>
             <a:pPr lvl="0"/>
             <a:r>
-              <a:rPr lang="bg-BG" smtClean="0"/>
-              <a:t>Щракн., за да ред. стил на загл. в обр.</a:t>
-            </a:r>
-          </a:p>
-        </p:txBody>
-      </p:sp>
-      <p:sp>
-        <p:nvSpPr>
-          <p:cNvPr id="4" name="Контейнер за съдържание 3"/>
-          <p:cNvSpPr>
-            <a:spLocks noGrp="1"/>
-          </p:cNvSpPr>
-          <p:nvPr>
-            <p:ph sz="half" idx="2"/>
-          </p:nvPr>
-        </p:nvSpPr>
-        <p:spPr>
-          <a:xfrm>
-            <a:off x="457200" y="2174875"/>
-            <a:ext cx="4040188" cy="3951288"/>
-          </a:xfrm>
-        </p:spPr>
-        <p:txBody>
-          <a:bodyPr/>
-          <a:lstStyle>
-            <a:lvl1pPr>
-              <a:defRPr sz="2400"/>
-            </a:lvl1pPr>
-            <a:lvl2pPr>
-              <a:defRPr sz="2000"/>
-            </a:lvl2pPr>
-            <a:lvl3pPr>
-              <a:defRPr sz="1800"/>
-            </a:lvl3pPr>
-            <a:lvl4pPr>
-              <a:defRPr sz="1600"/>
-            </a:lvl4pPr>
-            <a:lvl5pPr>
-              <a:defRPr sz="1600"/>
-            </a:lvl5pPr>
-            <a:lvl6pPr>
-              <a:defRPr sz="1600"/>
-            </a:lvl6pPr>
-            <a:lvl7pPr>
-              <a:defRPr sz="1600"/>
-            </a:lvl7pPr>
-            <a:lvl8pPr>
-              <a:defRPr sz="1600"/>
-            </a:lvl8pPr>
-            <a:lvl9pPr>
-              <a:defRPr sz="1600"/>
-            </a:lvl9pPr>
-          </a:lstStyle>
-          <a:p>
-            <a:pPr lvl="0"/>
-            <a:r>
-              <a:rPr lang="bg-BG" smtClean="0"/>
-              <a:t>Щракн., за да ред. стил на загл. в обр.</a:t>
-            </a:r>
-          </a:p>
-          <a:p>
-            <a:pPr lvl="1"/>
-            <a:r>
-              <a:rPr lang="bg-BG" smtClean="0"/>
-              <a:t>Второ ниво</a:t>
-            </a:r>
-          </a:p>
-          <a:p>
-            <a:pPr lvl="2"/>
-            <a:r>
-              <a:rPr lang="bg-BG" smtClean="0"/>
-              <a:t>Трето ниво</a:t>
-            </a:r>
-          </a:p>
-          <a:p>
-            <a:pPr lvl="3"/>
-            <a:r>
-              <a:rPr lang="bg-BG" smtClean="0"/>
-              <a:t>Четвърто ниво</a:t>
-            </a:r>
-          </a:p>
-          <a:p>
-            <a:pPr lvl="4"/>
-            <a:r>
-              <a:rPr lang="bg-BG" smtClean="0"/>
-              <a:t>Пето ниво</a:t>
-            </a:r>
-            <a:endParaRPr lang="bg-BG"/>
-          </a:p>
-        </p:txBody>
-      </p:sp>
-      <p:sp>
-        <p:nvSpPr>
-          <p:cNvPr id="5" name="Текстов контейнер 4"/>
-          <p:cNvSpPr>
-            <a:spLocks noGrp="1"/>
-          </p:cNvSpPr>
-          <p:nvPr>
-            <p:ph type="body" sz="quarter" idx="3"/>
-          </p:nvPr>
-        </p:nvSpPr>
-        <p:spPr>
-          <a:xfrm>
-            <a:off x="4645025" y="1535113"/>
-            <a:ext cx="4041775" cy="639762"/>
-          </a:xfrm>
-        </p:spPr>
-        <p:txBody>
-          <a:bodyPr anchor="b"/>
-          <a:lstStyle>
-            <a:lvl1pPr marL="0" indent="0">
-              <a:buNone/>
-              <a:defRPr sz="2400" b="1"/>
-            </a:lvl1pPr>
-            <a:lvl2pPr marL="457200" indent="0">
-              <a:buNone/>
-              <a:defRPr sz="2000" b="1"/>
-            </a:lvl2pPr>
-            <a:lvl3pPr marL="914400" indent="0">
-              <a:buNone/>
-              <a:defRPr sz="1800" b="1"/>
-            </a:lvl3pPr>
-            <a:lvl4pPr marL="1371600" indent="0">
-              <a:buNone/>
-              <a:defRPr sz="1600" b="1"/>
-            </a:lvl4pPr>
-            <a:lvl5pPr marL="1828800" indent="0">
-              <a:buNone/>
-              <a:defRPr sz="1600" b="1"/>
-            </a:lvl5pPr>
-            <a:lvl6pPr marL="2286000" indent="0">
-              <a:buNone/>
-              <a:defRPr sz="1600" b="1"/>
-            </a:lvl6pPr>
-            <a:lvl7pPr marL="2743200" indent="0">
-              <a:buNone/>
-              <a:defRPr sz="1600" b="1"/>
-            </a:lvl7pPr>
-            <a:lvl8pPr marL="3200400" indent="0">
-              <a:buNone/>
-              <a:defRPr sz="1600" b="1"/>
-            </a:lvl8pPr>
-            <a:lvl9pPr marL="3657600" indent="0">
-              <a:buNone/>
-              <a:defRPr sz="1600" b="1"/>
-            </a:lvl9pPr>
-          </a:lstStyle>
-          <a:p>
-            <a:pPr lvl="0"/>
-            <a:r>
-              <a:rPr lang="bg-BG" smtClean="0"/>
-              <a:t>Щракн., за да ред. стил на загл. в обр.</a:t>
-            </a:r>
-          </a:p>
-        </p:txBody>
-      </p:sp>
-      <p:sp>
-        <p:nvSpPr>
-          <p:cNvPr id="6" name="Контейнер за съдържание 5"/>
-          <p:cNvSpPr>
-            <a:spLocks noGrp="1"/>
-          </p:cNvSpPr>
-          <p:nvPr>
-            <p:ph sz="quarter" idx="4"/>
-          </p:nvPr>
-        </p:nvSpPr>
-        <p:spPr>
-          <a:xfrm>
-            <a:off x="4645025" y="2174875"/>
-            <a:ext cx="4041775" cy="3951288"/>
-          </a:xfrm>
-        </p:spPr>
-        <p:txBody>
-          <a:bodyPr/>
-          <a:lstStyle>
-            <a:lvl1pPr>
-              <a:defRPr sz="2400"/>
-            </a:lvl1pPr>
-            <a:lvl2pPr>
-              <a:defRPr sz="2000"/>
-            </a:lvl2pPr>
-            <a:lvl3pPr>
-              <a:defRPr sz="1800"/>
-            </a:lvl3pPr>
-            <a:lvl4pPr>
-              <a:defRPr sz="1600"/>
-            </a:lvl4pPr>
-            <a:lvl5pPr>
-              <a:defRPr sz="1600"/>
-            </a:lvl5pPr>
-            <a:lvl6pPr>
-              <a:defRPr sz="1600"/>
-            </a:lvl6pPr>
-            <a:lvl7pPr>
-              <a:defRPr sz="1600"/>
-            </a:lvl7pPr>
-            <a:lvl8pPr>
-              <a:defRPr sz="1600"/>
-            </a:lvl8pPr>
-            <a:lvl9pPr>
-              <a:defRPr sz="1600"/>
-            </a:lvl9pPr>
-          </a:lstStyle>
-          <a:p>
-            <a:pPr lvl="0"/>
-            <a:r>
-              <a:rPr lang="bg-BG" smtClean="0"/>
-              <a:t>Щракн., за да ред. стил на загл. в обр.</a:t>
-            </a:r>
-          </a:p>
-          <a:p>
-            <a:pPr lvl="1"/>
-            <a:r>
-              <a:rPr lang="bg-BG" smtClean="0"/>
-              <a:t>Второ ниво</a:t>
-            </a:r>
-          </a:p>
-          <a:p>
-            <a:pPr lvl="2"/>
-            <a:r>
-              <a:rPr lang="bg-BG" smtClean="0"/>
-              <a:t>Трето ниво</a:t>
-            </a:r>
-          </a:p>
-          <a:p>
-            <a:pPr lvl="3"/>
-            <a:r>
-              <a:rPr lang="bg-BG" smtClean="0"/>
-              <a:t>Четвърто ниво</a:t>
-            </a:r>
-          </a:p>
-          <a:p>
-            <a:pPr lvl="4"/>
-            <a:r>
-              <a:rPr lang="bg-BG" smtClean="0"/>
-              <a:t>Пето ниво</a:t>
-            </a:r>
-            <a:endParaRPr lang="bg-BG"/>
-          </a:p>
-        </p:txBody>
-      </p:sp>
-      <p:sp>
-        <p:nvSpPr>
-          <p:cNvPr id="7" name="Контейнер за дата 6"/>
+              <a:rPr lang="en-US" smtClean="0"/>
+              <a:t>Click to edit Master text styles</a:t>
+            </a:r>
+          </a:p>
+        </p:txBody>
+      </p:sp>
+      <p:sp>
+        <p:nvSpPr>
+          <p:cNvPr id="4" name="Date Placeholder 3"/>
           <p:cNvSpPr>
             <a:spLocks noGrp="1"/>
           </p:cNvSpPr>
@@ -2182,7 +3171,7 @@
       </p:sp>
       <p:sp>
         <p:nvSpPr>
-          <p:cNvPr id="8" name="Контейнер за долния колонтитул 7"/>
+          <p:cNvPr id="5" name="Footer Placeholder 4"/>
           <p:cNvSpPr>
             <a:spLocks noGrp="1"/>
           </p:cNvSpPr>
@@ -2201,7 +3190,7 @@
       </p:sp>
       <p:sp>
         <p:nvSpPr>
-          <p:cNvPr id="9" name="Контейнер за номер на слайда 8"/>
+          <p:cNvPr id="6" name="Slide Number Placeholder 5"/>
           <p:cNvSpPr>
             <a:spLocks noGrp="1"/>
           </p:cNvSpPr>
@@ -2223,6 +3212,11 @@
         </p:txBody>
       </p:sp>
     </p:spTree>
+    <p:extLst>
+      <p:ext uri="{BB962C8B-B14F-4D97-AF65-F5344CB8AC3E}">
+        <p14:creationId xmlns:p14="http://schemas.microsoft.com/office/powerpoint/2010/main" val="495035449"/>
+      </p:ext>
+    </p:extLst>
   </p:cSld>
   <p:clrMapOvr>
     <a:masterClrMapping/>
@@ -2230,9 +3224,9 @@
 </p:sldLayout>
 </file>
 
-<file path=ppt/slideLayouts/slideLayout6.xml><?xml version="1.0" encoding="utf-8"?>
-<p:sldLayout xmlns:a="http://schemas.openxmlformats.org/drawingml/2006/main" xmlns:r="http://schemas.openxmlformats.org/officeDocument/2006/relationships" xmlns:p="http://schemas.openxmlformats.org/presentationml/2006/main" type="titleOnly" preserve="1">
-  <p:cSld name="Само заглавие">
+<file path=ppt/slideLayouts/slideLayout4.xml><?xml version="1.0" encoding="utf-8"?>
+<p:sldLayout xmlns:a="http://schemas.openxmlformats.org/drawingml/2006/main" xmlns:r="http://schemas.openxmlformats.org/officeDocument/2006/relationships" xmlns:p="http://schemas.openxmlformats.org/presentationml/2006/main" type="twoObj" preserve="1">
+  <p:cSld name="Two Content">
     <p:spTree>
       <p:nvGrpSpPr>
         <p:cNvPr id="1" name=""/>
@@ -2249,7 +3243,110 @@
       </p:grpSpPr>
       <p:sp>
         <p:nvSpPr>
-          <p:cNvPr id="2" name="Заглавие 1"/>
+          <p:cNvPr id="8" name="Freeform 6"/>
+          <p:cNvSpPr/>
+          <p:nvPr/>
+        </p:nvSpPr>
+        <p:spPr bwMode="auto">
+          <a:xfrm>
+            <a:off x="0" y="0"/>
+            <a:ext cx="9144000" cy="2185988"/>
+          </a:xfrm>
+          <a:custGeom>
+            <a:avLst/>
+            <a:gdLst/>
+            <a:ahLst/>
+            <a:cxnLst/>
+            <a:rect l="0" t="0" r="r" b="b"/>
+            <a:pathLst>
+              <a:path w="5760" h="1377">
+                <a:moveTo>
+                  <a:pt x="5760" y="0"/>
+                </a:moveTo>
+                <a:lnTo>
+                  <a:pt x="0" y="0"/>
+                </a:lnTo>
+                <a:lnTo>
+                  <a:pt x="0" y="1189"/>
+                </a:lnTo>
+                <a:lnTo>
+                  <a:pt x="943" y="1189"/>
+                </a:lnTo>
+                <a:lnTo>
+                  <a:pt x="1123" y="1369"/>
+                </a:lnTo>
+                <a:lnTo>
+                  <a:pt x="1123" y="1369"/>
+                </a:lnTo>
+                <a:lnTo>
+                  <a:pt x="1127" y="1371"/>
+                </a:lnTo>
+                <a:lnTo>
+                  <a:pt x="1133" y="1374"/>
+                </a:lnTo>
+                <a:lnTo>
+                  <a:pt x="1139" y="1377"/>
+                </a:lnTo>
+                <a:lnTo>
+                  <a:pt x="1144" y="1377"/>
+                </a:lnTo>
+                <a:lnTo>
+                  <a:pt x="1150" y="1377"/>
+                </a:lnTo>
+                <a:lnTo>
+                  <a:pt x="1155" y="1374"/>
+                </a:lnTo>
+                <a:lnTo>
+                  <a:pt x="1161" y="1371"/>
+                </a:lnTo>
+                <a:lnTo>
+                  <a:pt x="1165" y="1369"/>
+                </a:lnTo>
+                <a:lnTo>
+                  <a:pt x="1345" y="1189"/>
+                </a:lnTo>
+                <a:lnTo>
+                  <a:pt x="5760" y="1189"/>
+                </a:lnTo>
+                <a:lnTo>
+                  <a:pt x="5760" y="0"/>
+                </a:lnTo>
+                <a:close/>
+              </a:path>
+            </a:pathLst>
+          </a:custGeom>
+          <a:ln/>
+          <a:extLst>
+            <a:ext uri="{91240B29-F687-4F45-9708-019B960494DF}">
+              <a14:hiddenLine xmlns:a14="http://schemas.microsoft.com/office/drawing/2010/main" w="9525">
+                <a:solidFill>
+                  <a:srgbClr val="000000"/>
+                </a:solidFill>
+                <a:round/>
+                <a:headEnd/>
+                <a:tailEnd/>
+              </a14:hiddenLine>
+            </a:ext>
+          </a:extLst>
+        </p:spPr>
+        <p:style>
+          <a:lnRef idx="1">
+            <a:schemeClr val="accent1"/>
+          </a:lnRef>
+          <a:fillRef idx="3">
+            <a:schemeClr val="accent1"/>
+          </a:fillRef>
+          <a:effectRef idx="2">
+            <a:schemeClr val="accent1"/>
+          </a:effectRef>
+          <a:fontRef idx="minor">
+            <a:schemeClr val="lt1"/>
+          </a:fontRef>
+        </p:style>
+      </p:sp>
+      <p:sp>
+        <p:nvSpPr>
+          <p:cNvPr id="2" name="Title 1"/>
           <p:cNvSpPr>
             <a:spLocks noGrp="1"/>
           </p:cNvSpPr>
@@ -2263,16 +3360,134 @@
           <a:lstStyle/>
           <a:p>
             <a:r>
-              <a:rPr lang="bg-BG" smtClean="0"/>
-              <a:t>Щракнете, за да редактирате стила на заглавието в образеца</a:t>
-            </a:r>
-            <a:endParaRPr lang="bg-BG"/>
-          </a:p>
-        </p:txBody>
-      </p:sp>
-      <p:sp>
-        <p:nvSpPr>
-          <p:cNvPr id="3" name="Контейнер за дата 2"/>
+              <a:rPr lang="en-US" smtClean="0"/>
+              <a:t>Click to edit Master title style</a:t>
+            </a:r>
+            <a:endParaRPr lang="en-US" dirty="0"/>
+          </a:p>
+        </p:txBody>
+      </p:sp>
+      <p:sp>
+        <p:nvSpPr>
+          <p:cNvPr id="3" name="Content Placeholder 2"/>
+          <p:cNvSpPr>
+            <a:spLocks noGrp="1"/>
+          </p:cNvSpPr>
+          <p:nvPr>
+            <p:ph sz="half" idx="1"/>
+          </p:nvPr>
+        </p:nvSpPr>
+        <p:spPr>
+          <a:xfrm>
+            <a:off x="809996" y="2222287"/>
+            <a:ext cx="3670723" cy="3638763"/>
+          </a:xfrm>
+        </p:spPr>
+        <p:txBody>
+          <a:bodyPr>
+            <a:normAutofit/>
+          </a:bodyPr>
+          <a:lstStyle/>
+          <a:p>
+            <a:pPr lvl="0"/>
+            <a:r>
+              <a:rPr lang="en-US" smtClean="0"/>
+              <a:t>Click to edit Master text styles</a:t>
+            </a:r>
+          </a:p>
+          <a:p>
+            <a:pPr lvl="1"/>
+            <a:r>
+              <a:rPr lang="en-US" smtClean="0"/>
+              <a:t>Second level</a:t>
+            </a:r>
+          </a:p>
+          <a:p>
+            <a:pPr lvl="2"/>
+            <a:r>
+              <a:rPr lang="en-US" smtClean="0"/>
+              <a:t>Third level</a:t>
+            </a:r>
+          </a:p>
+          <a:p>
+            <a:pPr lvl="3"/>
+            <a:r>
+              <a:rPr lang="en-US" smtClean="0"/>
+              <a:t>Fourth level</a:t>
+            </a:r>
+          </a:p>
+          <a:p>
+            <a:pPr lvl="4"/>
+            <a:r>
+              <a:rPr lang="en-US" smtClean="0"/>
+              <a:t>Fifth level</a:t>
+            </a:r>
+            <a:endParaRPr lang="en-US" dirty="0"/>
+          </a:p>
+        </p:txBody>
+      </p:sp>
+      <p:sp>
+        <p:nvSpPr>
+          <p:cNvPr id="4" name="Content Placeholder 3"/>
+          <p:cNvSpPr>
+            <a:spLocks noGrp="1"/>
+          </p:cNvSpPr>
+          <p:nvPr>
+            <p:ph sz="half" idx="2"/>
+          </p:nvPr>
+        </p:nvSpPr>
+        <p:spPr>
+          <a:xfrm>
+            <a:off x="4663280" y="2222287"/>
+            <a:ext cx="3670720" cy="3638763"/>
+          </a:xfrm>
+        </p:spPr>
+        <p:txBody>
+          <a:bodyPr>
+            <a:normAutofit/>
+          </a:bodyPr>
+          <a:lstStyle/>
+          <a:p>
+            <a:pPr lvl="0"/>
+            <a:r>
+              <a:rPr lang="en-US" smtClean="0"/>
+              <a:t>Click to edit Master text styles</a:t>
+            </a:r>
+          </a:p>
+          <a:p>
+            <a:pPr lvl="1"/>
+            <a:r>
+              <a:rPr lang="en-US" smtClean="0"/>
+              <a:t>Second level</a:t>
+            </a:r>
+          </a:p>
+          <a:p>
+            <a:pPr lvl="2"/>
+            <a:r>
+              <a:rPr lang="en-US" smtClean="0"/>
+              <a:t>Third level</a:t>
+            </a:r>
+          </a:p>
+          <a:p>
+            <a:pPr lvl="3"/>
+            <a:r>
+              <a:rPr lang="en-US" smtClean="0"/>
+              <a:t>Fourth level</a:t>
+            </a:r>
+          </a:p>
+          <a:p>
+            <a:pPr lvl="4"/>
+            <a:r>
+              <a:rPr lang="en-US" smtClean="0"/>
+              <a:t>Fifth level</a:t>
+            </a:r>
+            <a:endParaRPr lang="en-US" dirty="0"/>
+          </a:p>
+        </p:txBody>
+      </p:sp>
+      <p:sp>
+        <p:nvSpPr>
+          <p:cNvPr id="5" name="Date Placeholder 4"/>
           <p:cNvSpPr>
             <a:spLocks noGrp="1"/>
           </p:cNvSpPr>
@@ -2295,7 +3510,7 @@
       </p:sp>
       <p:sp>
         <p:nvSpPr>
-          <p:cNvPr id="4" name="Контейнер за долния колонтитул 3"/>
+          <p:cNvPr id="6" name="Footer Placeholder 5"/>
           <p:cNvSpPr>
             <a:spLocks noGrp="1"/>
           </p:cNvSpPr>
@@ -2314,7 +3529,7 @@
       </p:sp>
       <p:sp>
         <p:nvSpPr>
-          <p:cNvPr id="5" name="Контейнер за номер на слайда 4"/>
+          <p:cNvPr id="7" name="Slide Number Placeholder 6"/>
           <p:cNvSpPr>
             <a:spLocks noGrp="1"/>
           </p:cNvSpPr>
@@ -2336,6 +3551,11 @@
         </p:txBody>
       </p:sp>
     </p:spTree>
+    <p:extLst>
+      <p:ext uri="{BB962C8B-B14F-4D97-AF65-F5344CB8AC3E}">
+        <p14:creationId xmlns:p14="http://schemas.microsoft.com/office/powerpoint/2010/main" val="2038142397"/>
+      </p:ext>
+    </p:extLst>
   </p:cSld>
   <p:clrMapOvr>
     <a:masterClrMapping/>
@@ -2343,9 +3563,9 @@
 </p:sldLayout>
 </file>
 
-<file path=ppt/slideLayouts/slideLayout7.xml><?xml version="1.0" encoding="utf-8"?>
-<p:sldLayout xmlns:a="http://schemas.openxmlformats.org/drawingml/2006/main" xmlns:r="http://schemas.openxmlformats.org/officeDocument/2006/relationships" xmlns:p="http://schemas.openxmlformats.org/presentationml/2006/main" type="blank" preserve="1">
-  <p:cSld name="Празен">
+<file path=ppt/slideLayouts/slideLayout5.xml><?xml version="1.0" encoding="utf-8"?>
+<p:sldLayout xmlns:a="http://schemas.openxmlformats.org/drawingml/2006/main" xmlns:r="http://schemas.openxmlformats.org/officeDocument/2006/relationships" xmlns:p="http://schemas.openxmlformats.org/presentationml/2006/main" type="twoTxTwoObj" preserve="1">
+  <p:cSld name="Comparison">
     <p:spTree>
       <p:nvGrpSpPr>
         <p:cNvPr id="1" name=""/>
@@ -2362,7 +3582,389 @@
       </p:grpSpPr>
       <p:sp>
         <p:nvSpPr>
-          <p:cNvPr id="2" name="Контейнер за дата 1"/>
+          <p:cNvPr id="10" name="Freeform 6"/>
+          <p:cNvSpPr/>
+          <p:nvPr/>
+        </p:nvSpPr>
+        <p:spPr bwMode="auto">
+          <a:xfrm>
+            <a:off x="0" y="0"/>
+            <a:ext cx="9144000" cy="2185988"/>
+          </a:xfrm>
+          <a:custGeom>
+            <a:avLst/>
+            <a:gdLst/>
+            <a:ahLst/>
+            <a:cxnLst/>
+            <a:rect l="0" t="0" r="r" b="b"/>
+            <a:pathLst>
+              <a:path w="5760" h="1377">
+                <a:moveTo>
+                  <a:pt x="5760" y="0"/>
+                </a:moveTo>
+                <a:lnTo>
+                  <a:pt x="0" y="0"/>
+                </a:lnTo>
+                <a:lnTo>
+                  <a:pt x="0" y="1189"/>
+                </a:lnTo>
+                <a:lnTo>
+                  <a:pt x="943" y="1189"/>
+                </a:lnTo>
+                <a:lnTo>
+                  <a:pt x="1123" y="1369"/>
+                </a:lnTo>
+                <a:lnTo>
+                  <a:pt x="1123" y="1369"/>
+                </a:lnTo>
+                <a:lnTo>
+                  <a:pt x="1127" y="1371"/>
+                </a:lnTo>
+                <a:lnTo>
+                  <a:pt x="1133" y="1374"/>
+                </a:lnTo>
+                <a:lnTo>
+                  <a:pt x="1139" y="1377"/>
+                </a:lnTo>
+                <a:lnTo>
+                  <a:pt x="1144" y="1377"/>
+                </a:lnTo>
+                <a:lnTo>
+                  <a:pt x="1150" y="1377"/>
+                </a:lnTo>
+                <a:lnTo>
+                  <a:pt x="1155" y="1374"/>
+                </a:lnTo>
+                <a:lnTo>
+                  <a:pt x="1161" y="1371"/>
+                </a:lnTo>
+                <a:lnTo>
+                  <a:pt x="1165" y="1369"/>
+                </a:lnTo>
+                <a:lnTo>
+                  <a:pt x="1345" y="1189"/>
+                </a:lnTo>
+                <a:lnTo>
+                  <a:pt x="5760" y="1189"/>
+                </a:lnTo>
+                <a:lnTo>
+                  <a:pt x="5760" y="0"/>
+                </a:lnTo>
+                <a:close/>
+              </a:path>
+            </a:pathLst>
+          </a:custGeom>
+          <a:ln/>
+          <a:extLst>
+            <a:ext uri="{91240B29-F687-4F45-9708-019B960494DF}">
+              <a14:hiddenLine xmlns:a14="http://schemas.microsoft.com/office/drawing/2010/main" w="9525">
+                <a:solidFill>
+                  <a:srgbClr val="000000"/>
+                </a:solidFill>
+                <a:round/>
+                <a:headEnd/>
+                <a:tailEnd/>
+              </a14:hiddenLine>
+            </a:ext>
+          </a:extLst>
+        </p:spPr>
+        <p:style>
+          <a:lnRef idx="1">
+            <a:schemeClr val="accent1"/>
+          </a:lnRef>
+          <a:fillRef idx="3">
+            <a:schemeClr val="accent1"/>
+          </a:fillRef>
+          <a:effectRef idx="2">
+            <a:schemeClr val="accent1"/>
+          </a:effectRef>
+          <a:fontRef idx="minor">
+            <a:schemeClr val="lt1"/>
+          </a:fontRef>
+        </p:style>
+      </p:sp>
+      <p:sp>
+        <p:nvSpPr>
+          <p:cNvPr id="2" name="Title 1"/>
+          <p:cNvSpPr>
+            <a:spLocks noGrp="1"/>
+          </p:cNvSpPr>
+          <p:nvPr>
+            <p:ph type="title"/>
+          </p:nvPr>
+        </p:nvSpPr>
+        <p:spPr/>
+        <p:txBody>
+          <a:bodyPr/>
+          <a:lstStyle>
+            <a:lvl1pPr>
+              <a:defRPr/>
+            </a:lvl1pPr>
+          </a:lstStyle>
+          <a:p>
+            <a:r>
+              <a:rPr lang="en-US" smtClean="0"/>
+              <a:t>Click to edit Master title style</a:t>
+            </a:r>
+            <a:endParaRPr lang="en-US" dirty="0"/>
+          </a:p>
+        </p:txBody>
+      </p:sp>
+      <p:sp>
+        <p:nvSpPr>
+          <p:cNvPr id="3" name="Text Placeholder 2"/>
+          <p:cNvSpPr>
+            <a:spLocks noGrp="1"/>
+          </p:cNvSpPr>
+          <p:nvPr>
+            <p:ph type="body" idx="1"/>
+          </p:nvPr>
+        </p:nvSpPr>
+        <p:spPr>
+          <a:xfrm>
+            <a:off x="809996" y="2174875"/>
+            <a:ext cx="3670723" cy="576262"/>
+          </a:xfrm>
+        </p:spPr>
+        <p:txBody>
+          <a:bodyPr anchor="b">
+            <a:noAutofit/>
+          </a:bodyPr>
+          <a:lstStyle>
+            <a:lvl1pPr marL="0" indent="0" algn="ctr">
+              <a:buNone/>
+              <a:defRPr sz="2000" b="0"/>
+            </a:lvl1pPr>
+            <a:lvl2pPr marL="457200" indent="0">
+              <a:buNone/>
+              <a:defRPr sz="2000" b="1"/>
+            </a:lvl2pPr>
+            <a:lvl3pPr marL="914400" indent="0">
+              <a:buNone/>
+              <a:defRPr sz="1800" b="1"/>
+            </a:lvl3pPr>
+            <a:lvl4pPr marL="1371600" indent="0">
+              <a:buNone/>
+              <a:defRPr sz="1600" b="1"/>
+            </a:lvl4pPr>
+            <a:lvl5pPr marL="1828800" indent="0">
+              <a:buNone/>
+              <a:defRPr sz="1600" b="1"/>
+            </a:lvl5pPr>
+            <a:lvl6pPr marL="2286000" indent="0">
+              <a:buNone/>
+              <a:defRPr sz="1600" b="1"/>
+            </a:lvl6pPr>
+            <a:lvl7pPr marL="2743200" indent="0">
+              <a:buNone/>
+              <a:defRPr sz="1600" b="1"/>
+            </a:lvl7pPr>
+            <a:lvl8pPr marL="3200400" indent="0">
+              <a:buNone/>
+              <a:defRPr sz="1600" b="1"/>
+            </a:lvl8pPr>
+            <a:lvl9pPr marL="3657600" indent="0">
+              <a:buNone/>
+              <a:defRPr sz="1600" b="1"/>
+            </a:lvl9pPr>
+          </a:lstStyle>
+          <a:p>
+            <a:pPr lvl="0"/>
+            <a:r>
+              <a:rPr lang="en-US" smtClean="0"/>
+              <a:t>Click to edit Master text styles</a:t>
+            </a:r>
+          </a:p>
+        </p:txBody>
+      </p:sp>
+      <p:sp>
+        <p:nvSpPr>
+          <p:cNvPr id="4" name="Content Placeholder 3"/>
+          <p:cNvSpPr>
+            <a:spLocks noGrp="1"/>
+          </p:cNvSpPr>
+          <p:nvPr>
+            <p:ph sz="half" idx="2"/>
+          </p:nvPr>
+        </p:nvSpPr>
+        <p:spPr>
+          <a:xfrm>
+            <a:off x="809996" y="2751137"/>
+            <a:ext cx="3687391" cy="3109913"/>
+          </a:xfrm>
+        </p:spPr>
+        <p:txBody>
+          <a:bodyPr anchor="t">
+            <a:normAutofit/>
+          </a:bodyPr>
+          <a:lstStyle/>
+          <a:p>
+            <a:pPr lvl="0"/>
+            <a:r>
+              <a:rPr lang="en-US" smtClean="0"/>
+              <a:t>Click to edit Master text styles</a:t>
+            </a:r>
+          </a:p>
+          <a:p>
+            <a:pPr lvl="1"/>
+            <a:r>
+              <a:rPr lang="en-US" smtClean="0"/>
+              <a:t>Second level</a:t>
+            </a:r>
+          </a:p>
+          <a:p>
+            <a:pPr lvl="2"/>
+            <a:r>
+              <a:rPr lang="en-US" smtClean="0"/>
+              <a:t>Third level</a:t>
+            </a:r>
+          </a:p>
+          <a:p>
+            <a:pPr lvl="3"/>
+            <a:r>
+              <a:rPr lang="en-US" smtClean="0"/>
+              <a:t>Fourth level</a:t>
+            </a:r>
+          </a:p>
+          <a:p>
+            <a:pPr lvl="4"/>
+            <a:r>
+              <a:rPr lang="en-US" smtClean="0"/>
+              <a:t>Fifth level</a:t>
+            </a:r>
+            <a:endParaRPr lang="en-US" dirty="0"/>
+          </a:p>
+        </p:txBody>
+      </p:sp>
+      <p:sp>
+        <p:nvSpPr>
+          <p:cNvPr id="5" name="Text Placeholder 4"/>
+          <p:cNvSpPr>
+            <a:spLocks noGrp="1"/>
+          </p:cNvSpPr>
+          <p:nvPr>
+            <p:ph type="body" sz="quarter" idx="3"/>
+          </p:nvPr>
+        </p:nvSpPr>
+        <p:spPr>
+          <a:xfrm>
+            <a:off x="4663280" y="2174875"/>
+            <a:ext cx="3670720" cy="576262"/>
+          </a:xfrm>
+        </p:spPr>
+        <p:txBody>
+          <a:bodyPr anchor="b">
+            <a:noAutofit/>
+          </a:bodyPr>
+          <a:lstStyle>
+            <a:lvl1pPr marL="0" indent="0" algn="ctr">
+              <a:buNone/>
+              <a:defRPr sz="2000" b="0"/>
+            </a:lvl1pPr>
+            <a:lvl2pPr marL="457200" indent="0">
+              <a:buNone/>
+              <a:defRPr sz="2000" b="1"/>
+            </a:lvl2pPr>
+            <a:lvl3pPr marL="914400" indent="0">
+              <a:buNone/>
+              <a:defRPr sz="1800" b="1"/>
+            </a:lvl3pPr>
+            <a:lvl4pPr marL="1371600" indent="0">
+              <a:buNone/>
+              <a:defRPr sz="1600" b="1"/>
+            </a:lvl4pPr>
+            <a:lvl5pPr marL="1828800" indent="0">
+              <a:buNone/>
+              <a:defRPr sz="1600" b="1"/>
+            </a:lvl5pPr>
+            <a:lvl6pPr marL="2286000" indent="0">
+              <a:buNone/>
+              <a:defRPr sz="1600" b="1"/>
+            </a:lvl6pPr>
+            <a:lvl7pPr marL="2743200" indent="0">
+              <a:buNone/>
+              <a:defRPr sz="1600" b="1"/>
+            </a:lvl7pPr>
+            <a:lvl8pPr marL="3200400" indent="0">
+              <a:buNone/>
+              <a:defRPr sz="1600" b="1"/>
+            </a:lvl8pPr>
+            <a:lvl9pPr marL="3657600" indent="0">
+              <a:buNone/>
+              <a:defRPr sz="1600" b="1"/>
+            </a:lvl9pPr>
+          </a:lstStyle>
+          <a:p>
+            <a:pPr lvl="0"/>
+            <a:r>
+              <a:rPr lang="en-US" smtClean="0"/>
+              <a:t>Click to edit Master text styles</a:t>
+            </a:r>
+          </a:p>
+        </p:txBody>
+      </p:sp>
+      <p:sp>
+        <p:nvSpPr>
+          <p:cNvPr id="6" name="Content Placeholder 5"/>
+          <p:cNvSpPr>
+            <a:spLocks noGrp="1"/>
+          </p:cNvSpPr>
+          <p:nvPr>
+            <p:ph sz="quarter" idx="4"/>
+          </p:nvPr>
+        </p:nvSpPr>
+        <p:spPr>
+          <a:xfrm>
+            <a:off x="4663280" y="2751137"/>
+            <a:ext cx="3670720" cy="3109913"/>
+          </a:xfrm>
+        </p:spPr>
+        <p:txBody>
+          <a:bodyPr anchor="t">
+            <a:normAutofit/>
+          </a:bodyPr>
+          <a:lstStyle/>
+          <a:p>
+            <a:pPr lvl="0"/>
+            <a:r>
+              <a:rPr lang="en-US" smtClean="0"/>
+              <a:t>Click to edit Master text styles</a:t>
+            </a:r>
+          </a:p>
+          <a:p>
+            <a:pPr lvl="1"/>
+            <a:r>
+              <a:rPr lang="en-US" smtClean="0"/>
+              <a:t>Second level</a:t>
+            </a:r>
+          </a:p>
+          <a:p>
+            <a:pPr lvl="2"/>
+            <a:r>
+              <a:rPr lang="en-US" smtClean="0"/>
+              <a:t>Third level</a:t>
+            </a:r>
+          </a:p>
+          <a:p>
+            <a:pPr lvl="3"/>
+            <a:r>
+              <a:rPr lang="en-US" smtClean="0"/>
+              <a:t>Fourth level</a:t>
+            </a:r>
+          </a:p>
+          <a:p>
+            <a:pPr lvl="4"/>
+            <a:r>
+              <a:rPr lang="en-US" smtClean="0"/>
+              <a:t>Fifth level</a:t>
+            </a:r>
+            <a:endParaRPr lang="en-US" dirty="0"/>
+          </a:p>
+        </p:txBody>
+      </p:sp>
+      <p:sp>
+        <p:nvSpPr>
+          <p:cNvPr id="7" name="Date Placeholder 6"/>
           <p:cNvSpPr>
             <a:spLocks noGrp="1"/>
           </p:cNvSpPr>
@@ -2385,7 +3987,7 @@
       </p:sp>
       <p:sp>
         <p:nvSpPr>
-          <p:cNvPr id="3" name="Контейнер за долния колонтитул 2"/>
+          <p:cNvPr id="8" name="Footer Placeholder 7"/>
           <p:cNvSpPr>
             <a:spLocks noGrp="1"/>
           </p:cNvSpPr>
@@ -2404,7 +4006,7 @@
       </p:sp>
       <p:sp>
         <p:nvSpPr>
-          <p:cNvPr id="4" name="Контейнер за номер на слайда 3"/>
+          <p:cNvPr id="9" name="Slide Number Placeholder 8"/>
           <p:cNvSpPr>
             <a:spLocks noGrp="1"/>
           </p:cNvSpPr>
@@ -2426,6 +4028,11 @@
         </p:txBody>
       </p:sp>
     </p:spTree>
+    <p:extLst>
+      <p:ext uri="{BB962C8B-B14F-4D97-AF65-F5344CB8AC3E}">
+        <p14:creationId xmlns:p14="http://schemas.microsoft.com/office/powerpoint/2010/main" val="1089455165"/>
+      </p:ext>
+    </p:extLst>
   </p:cSld>
   <p:clrMapOvr>
     <a:masterClrMapping/>
@@ -2433,9 +4040,9 @@
 </p:sldLayout>
 </file>
 
-<file path=ppt/slideLayouts/slideLayout8.xml><?xml version="1.0" encoding="utf-8"?>
-<p:sldLayout xmlns:a="http://schemas.openxmlformats.org/drawingml/2006/main" xmlns:r="http://schemas.openxmlformats.org/officeDocument/2006/relationships" xmlns:p="http://schemas.openxmlformats.org/presentationml/2006/main" type="objTx" preserve="1">
-  <p:cSld name="Съдържание с надпис">
+<file path=ppt/slideLayouts/slideLayout6.xml><?xml version="1.0" encoding="utf-8"?>
+<p:sldLayout xmlns:a="http://schemas.openxmlformats.org/drawingml/2006/main" xmlns:r="http://schemas.openxmlformats.org/officeDocument/2006/relationships" xmlns:p="http://schemas.openxmlformats.org/presentationml/2006/main" type="titleOnly" preserve="1">
+  <p:cSld name="Title Only">
     <p:spTree>
       <p:nvGrpSpPr>
         <p:cNvPr id="1" name=""/>
@@ -2452,7 +4059,110 @@
       </p:grpSpPr>
       <p:sp>
         <p:nvSpPr>
-          <p:cNvPr id="2" name="Заглавие 1"/>
+          <p:cNvPr id="6" name="Freeform 6"/>
+          <p:cNvSpPr/>
+          <p:nvPr/>
+        </p:nvSpPr>
+        <p:spPr bwMode="auto">
+          <a:xfrm>
+            <a:off x="0" y="0"/>
+            <a:ext cx="9144000" cy="2185988"/>
+          </a:xfrm>
+          <a:custGeom>
+            <a:avLst/>
+            <a:gdLst/>
+            <a:ahLst/>
+            <a:cxnLst/>
+            <a:rect l="0" t="0" r="r" b="b"/>
+            <a:pathLst>
+              <a:path w="5760" h="1377">
+                <a:moveTo>
+                  <a:pt x="5760" y="0"/>
+                </a:moveTo>
+                <a:lnTo>
+                  <a:pt x="0" y="0"/>
+                </a:lnTo>
+                <a:lnTo>
+                  <a:pt x="0" y="1189"/>
+                </a:lnTo>
+                <a:lnTo>
+                  <a:pt x="943" y="1189"/>
+                </a:lnTo>
+                <a:lnTo>
+                  <a:pt x="1123" y="1369"/>
+                </a:lnTo>
+                <a:lnTo>
+                  <a:pt x="1123" y="1369"/>
+                </a:lnTo>
+                <a:lnTo>
+                  <a:pt x="1127" y="1371"/>
+                </a:lnTo>
+                <a:lnTo>
+                  <a:pt x="1133" y="1374"/>
+                </a:lnTo>
+                <a:lnTo>
+                  <a:pt x="1139" y="1377"/>
+                </a:lnTo>
+                <a:lnTo>
+                  <a:pt x="1144" y="1377"/>
+                </a:lnTo>
+                <a:lnTo>
+                  <a:pt x="1150" y="1377"/>
+                </a:lnTo>
+                <a:lnTo>
+                  <a:pt x="1155" y="1374"/>
+                </a:lnTo>
+                <a:lnTo>
+                  <a:pt x="1161" y="1371"/>
+                </a:lnTo>
+                <a:lnTo>
+                  <a:pt x="1165" y="1369"/>
+                </a:lnTo>
+                <a:lnTo>
+                  <a:pt x="1345" y="1189"/>
+                </a:lnTo>
+                <a:lnTo>
+                  <a:pt x="5760" y="1189"/>
+                </a:lnTo>
+                <a:lnTo>
+                  <a:pt x="5760" y="0"/>
+                </a:lnTo>
+                <a:close/>
+              </a:path>
+            </a:pathLst>
+          </a:custGeom>
+          <a:ln/>
+          <a:extLst>
+            <a:ext uri="{91240B29-F687-4F45-9708-019B960494DF}">
+              <a14:hiddenLine xmlns:a14="http://schemas.microsoft.com/office/drawing/2010/main" w="9525">
+                <a:solidFill>
+                  <a:srgbClr val="000000"/>
+                </a:solidFill>
+                <a:round/>
+                <a:headEnd/>
+                <a:tailEnd/>
+              </a14:hiddenLine>
+            </a:ext>
+          </a:extLst>
+        </p:spPr>
+        <p:style>
+          <a:lnRef idx="1">
+            <a:schemeClr val="accent1"/>
+          </a:lnRef>
+          <a:fillRef idx="3">
+            <a:schemeClr val="accent1"/>
+          </a:fillRef>
+          <a:effectRef idx="2">
+            <a:schemeClr val="accent1"/>
+          </a:effectRef>
+          <a:fontRef idx="minor">
+            <a:schemeClr val="lt1"/>
+          </a:fontRef>
+        </p:style>
+      </p:sp>
+      <p:sp>
+        <p:nvSpPr>
+          <p:cNvPr id="2" name="Title 1"/>
           <p:cNvSpPr>
             <a:spLocks noGrp="1"/>
           </p:cNvSpPr>
@@ -2460,181 +4170,22 @@
             <p:ph type="title"/>
           </p:nvPr>
         </p:nvSpPr>
-        <p:spPr>
-          <a:xfrm>
-            <a:off x="457200" y="273050"/>
-            <a:ext cx="3008313" cy="1162050"/>
-          </a:xfrm>
-        </p:spPr>
-        <p:txBody>
-          <a:bodyPr anchor="b"/>
-          <a:lstStyle>
-            <a:lvl1pPr algn="l">
-              <a:defRPr sz="2000" b="1"/>
-            </a:lvl1pPr>
-          </a:lstStyle>
-          <a:p>
-            <a:r>
-              <a:rPr lang="bg-BG" smtClean="0"/>
-              <a:t>Щракнете, за да редактирате стила на заглавието в образеца</a:t>
-            </a:r>
-            <a:endParaRPr lang="bg-BG"/>
-          </a:p>
-        </p:txBody>
-      </p:sp>
-      <p:sp>
-        <p:nvSpPr>
-          <p:cNvPr id="3" name="Контейнер за съдържание 2"/>
-          <p:cNvSpPr>
-            <a:spLocks noGrp="1"/>
-          </p:cNvSpPr>
-          <p:nvPr>
-            <p:ph idx="1"/>
-          </p:nvPr>
-        </p:nvSpPr>
-        <p:spPr>
-          <a:xfrm>
-            <a:off x="3575050" y="273050"/>
-            <a:ext cx="5111750" cy="5853113"/>
-          </a:xfrm>
-        </p:spPr>
+        <p:spPr/>
         <p:txBody>
           <a:bodyPr/>
-          <a:lstStyle>
-            <a:lvl1pPr>
-              <a:defRPr sz="3200"/>
-            </a:lvl1pPr>
-            <a:lvl2pPr>
-              <a:defRPr sz="2800"/>
-            </a:lvl2pPr>
-            <a:lvl3pPr>
-              <a:defRPr sz="2400"/>
-            </a:lvl3pPr>
-            <a:lvl4pPr>
-              <a:defRPr sz="2000"/>
-            </a:lvl4pPr>
-            <a:lvl5pPr>
-              <a:defRPr sz="2000"/>
-            </a:lvl5pPr>
-            <a:lvl6pPr>
-              <a:defRPr sz="2000"/>
-            </a:lvl6pPr>
-            <a:lvl7pPr>
-              <a:defRPr sz="2000"/>
-            </a:lvl7pPr>
-            <a:lvl8pPr>
-              <a:defRPr sz="2000"/>
-            </a:lvl8pPr>
-            <a:lvl9pPr>
-              <a:defRPr sz="2000"/>
-            </a:lvl9pPr>
-          </a:lstStyle>
-          <a:p>
-            <a:pPr lvl="0"/>
-            <a:r>
-              <a:rPr lang="bg-BG" smtClean="0"/>
-              <a:t>Щракн., за да ред. стил на загл. в обр.</a:t>
-            </a:r>
-          </a:p>
-          <a:p>
-            <a:pPr lvl="1"/>
-            <a:r>
-              <a:rPr lang="bg-BG" smtClean="0"/>
-              <a:t>Второ ниво</a:t>
-            </a:r>
-          </a:p>
-          <a:p>
-            <a:pPr lvl="2"/>
-            <a:r>
-              <a:rPr lang="bg-BG" smtClean="0"/>
-              <a:t>Трето ниво</a:t>
-            </a:r>
-          </a:p>
-          <a:p>
-            <a:pPr lvl="3"/>
-            <a:r>
-              <a:rPr lang="bg-BG" smtClean="0"/>
-              <a:t>Четвърто ниво</a:t>
-            </a:r>
-          </a:p>
-          <a:p>
-            <a:pPr lvl="4"/>
-            <a:r>
-              <a:rPr lang="bg-BG" smtClean="0"/>
-              <a:t>Пето ниво</a:t>
-            </a:r>
-            <a:endParaRPr lang="bg-BG"/>
-          </a:p>
-        </p:txBody>
-      </p:sp>
-      <p:sp>
-        <p:nvSpPr>
-          <p:cNvPr id="4" name="Текстов контейнер 3"/>
-          <p:cNvSpPr>
-            <a:spLocks noGrp="1"/>
-          </p:cNvSpPr>
-          <p:nvPr>
-            <p:ph type="body" sz="half" idx="2"/>
-          </p:nvPr>
-        </p:nvSpPr>
-        <p:spPr>
-          <a:xfrm>
-            <a:off x="457200" y="1435100"/>
-            <a:ext cx="3008313" cy="4691063"/>
-          </a:xfrm>
-        </p:spPr>
-        <p:txBody>
-          <a:bodyPr/>
-          <a:lstStyle>
-            <a:lvl1pPr marL="0" indent="0">
-              <a:buNone/>
-              <a:defRPr sz="1400"/>
-            </a:lvl1pPr>
-            <a:lvl2pPr marL="457200" indent="0">
-              <a:buNone/>
-              <a:defRPr sz="1200"/>
-            </a:lvl2pPr>
-            <a:lvl3pPr marL="914400" indent="0">
-              <a:buNone/>
-              <a:defRPr sz="1000"/>
-            </a:lvl3pPr>
-            <a:lvl4pPr marL="1371600" indent="0">
-              <a:buNone/>
-              <a:defRPr sz="900"/>
-            </a:lvl4pPr>
-            <a:lvl5pPr marL="1828800" indent="0">
-              <a:buNone/>
-              <a:defRPr sz="900"/>
-            </a:lvl5pPr>
-            <a:lvl6pPr marL="2286000" indent="0">
-              <a:buNone/>
-              <a:defRPr sz="900"/>
-            </a:lvl6pPr>
-            <a:lvl7pPr marL="2743200" indent="0">
-              <a:buNone/>
-              <a:defRPr sz="900"/>
-            </a:lvl7pPr>
-            <a:lvl8pPr marL="3200400" indent="0">
-              <a:buNone/>
-              <a:defRPr sz="900"/>
-            </a:lvl8pPr>
-            <a:lvl9pPr marL="3657600" indent="0">
-              <a:buNone/>
-              <a:defRPr sz="900"/>
-            </a:lvl9pPr>
-          </a:lstStyle>
-          <a:p>
-            <a:pPr lvl="0"/>
-            <a:r>
-              <a:rPr lang="bg-BG" smtClean="0"/>
-              <a:t>Щракн., за да ред. стил на загл. в обр.</a:t>
-            </a:r>
-          </a:p>
-        </p:txBody>
-      </p:sp>
-      <p:sp>
-        <p:nvSpPr>
-          <p:cNvPr id="5" name="Контейнер за дата 4"/>
+          <a:lstStyle/>
+          <a:p>
+            <a:r>
+              <a:rPr lang="en-US" smtClean="0"/>
+              <a:t>Click to edit Master title style</a:t>
+            </a:r>
+            <a:endParaRPr lang="en-US" dirty="0"/>
+          </a:p>
+        </p:txBody>
+      </p:sp>
+      <p:sp>
+        <p:nvSpPr>
+          <p:cNvPr id="3" name="Date Placeholder 2"/>
           <p:cNvSpPr>
             <a:spLocks noGrp="1"/>
           </p:cNvSpPr>
@@ -2657,7 +4208,7 @@
       </p:sp>
       <p:sp>
         <p:nvSpPr>
-          <p:cNvPr id="6" name="Контейнер за долния колонтитул 5"/>
+          <p:cNvPr id="4" name="Footer Placeholder 3"/>
           <p:cNvSpPr>
             <a:spLocks noGrp="1"/>
           </p:cNvSpPr>
@@ -2676,7 +4227,7 @@
       </p:sp>
       <p:sp>
         <p:nvSpPr>
-          <p:cNvPr id="7" name="Контейнер за номер на слайда 6"/>
+          <p:cNvPr id="5" name="Slide Number Placeholder 4"/>
           <p:cNvSpPr>
             <a:spLocks noGrp="1"/>
           </p:cNvSpPr>
@@ -2698,6 +4249,11 @@
         </p:txBody>
       </p:sp>
     </p:spTree>
+    <p:extLst>
+      <p:ext uri="{BB962C8B-B14F-4D97-AF65-F5344CB8AC3E}">
+        <p14:creationId xmlns:p14="http://schemas.microsoft.com/office/powerpoint/2010/main" val="4051060919"/>
+      </p:ext>
+    </p:extLst>
   </p:cSld>
   <p:clrMapOvr>
     <a:masterClrMapping/>
@@ -2705,9 +4261,9 @@
 </p:sldLayout>
 </file>
 
-<file path=ppt/slideLayouts/slideLayout9.xml><?xml version="1.0" encoding="utf-8"?>
-<p:sldLayout xmlns:a="http://schemas.openxmlformats.org/drawingml/2006/main" xmlns:r="http://schemas.openxmlformats.org/officeDocument/2006/relationships" xmlns:p="http://schemas.openxmlformats.org/presentationml/2006/main" type="picTx" preserve="1">
-  <p:cSld name="Картина с надпис">
+<file path=ppt/slideLayouts/slideLayout7.xml><?xml version="1.0" encoding="utf-8"?>
+<p:sldLayout xmlns:a="http://schemas.openxmlformats.org/drawingml/2006/main" xmlns:r="http://schemas.openxmlformats.org/officeDocument/2006/relationships" xmlns:p="http://schemas.openxmlformats.org/presentationml/2006/main" type="blank" preserve="1">
+  <p:cSld name="Blank">
     <p:spTree>
       <p:nvGrpSpPr>
         <p:cNvPr id="1" name=""/>
@@ -2724,7 +4280,318 @@
       </p:grpSpPr>
       <p:sp>
         <p:nvSpPr>
-          <p:cNvPr id="2" name="Заглавие 1"/>
+          <p:cNvPr id="2" name="Date Placeholder 1"/>
+          <p:cNvSpPr>
+            <a:spLocks noGrp="1"/>
+          </p:cNvSpPr>
+          <p:nvPr>
+            <p:ph type="dt" sz="half" idx="10"/>
+          </p:nvPr>
+        </p:nvSpPr>
+        <p:spPr/>
+        <p:txBody>
+          <a:bodyPr/>
+          <a:lstStyle/>
+          <a:p>
+            <a:fld id="{9CBBA38E-CA4F-4236-A03B-9A487958C305}" type="datetimeFigureOut">
+              <a:rPr lang="bg-BG" smtClean="0"/>
+              <a:t>16.3.2019 г.</a:t>
+            </a:fld>
+            <a:endParaRPr lang="bg-BG" dirty="0"/>
+          </a:p>
+        </p:txBody>
+      </p:sp>
+      <p:sp>
+        <p:nvSpPr>
+          <p:cNvPr id="3" name="Footer Placeholder 2"/>
+          <p:cNvSpPr>
+            <a:spLocks noGrp="1"/>
+          </p:cNvSpPr>
+          <p:nvPr>
+            <p:ph type="ftr" sz="quarter" idx="11"/>
+          </p:nvPr>
+        </p:nvSpPr>
+        <p:spPr/>
+        <p:txBody>
+          <a:bodyPr/>
+          <a:lstStyle/>
+          <a:p>
+            <a:endParaRPr lang="bg-BG" dirty="0"/>
+          </a:p>
+        </p:txBody>
+      </p:sp>
+      <p:sp>
+        <p:nvSpPr>
+          <p:cNvPr id="4" name="Slide Number Placeholder 3"/>
+          <p:cNvSpPr>
+            <a:spLocks noGrp="1"/>
+          </p:cNvSpPr>
+          <p:nvPr>
+            <p:ph type="sldNum" sz="quarter" idx="12"/>
+          </p:nvPr>
+        </p:nvSpPr>
+        <p:spPr/>
+        <p:txBody>
+          <a:bodyPr/>
+          <a:lstStyle/>
+          <a:p>
+            <a:fld id="{087B6810-E014-459F-9198-BE7624A7965C}" type="slidenum">
+              <a:rPr lang="bg-BG" smtClean="0"/>
+              <a:t>‹#›</a:t>
+            </a:fld>
+            <a:endParaRPr lang="bg-BG" dirty="0"/>
+          </a:p>
+        </p:txBody>
+      </p:sp>
+    </p:spTree>
+    <p:extLst>
+      <p:ext uri="{BB962C8B-B14F-4D97-AF65-F5344CB8AC3E}">
+        <p14:creationId xmlns:p14="http://schemas.microsoft.com/office/powerpoint/2010/main" val="2787602268"/>
+      </p:ext>
+    </p:extLst>
+  </p:cSld>
+  <p:clrMapOvr>
+    <a:masterClrMapping/>
+  </p:clrMapOvr>
+</p:sldLayout>
+</file>
+
+<file path=ppt/slideLayouts/slideLayout8.xml><?xml version="1.0" encoding="utf-8"?>
+<p:sldLayout xmlns:a="http://schemas.openxmlformats.org/drawingml/2006/main" xmlns:r="http://schemas.openxmlformats.org/officeDocument/2006/relationships" xmlns:p="http://schemas.openxmlformats.org/presentationml/2006/main" type="objTx" preserve="1">
+  <p:cSld name="Content with Caption">
+    <p:spTree>
+      <p:nvGrpSpPr>
+        <p:cNvPr id="1" name=""/>
+        <p:cNvGrpSpPr/>
+        <p:nvPr/>
+      </p:nvGrpSpPr>
+      <p:grpSpPr>
+        <a:xfrm>
+          <a:off x="0" y="0"/>
+          <a:ext cx="0" cy="0"/>
+          <a:chOff x="0" y="0"/>
+          <a:chExt cx="0" cy="0"/>
+        </a:xfrm>
+      </p:grpSpPr>
+      <p:sp>
+        <p:nvSpPr>
+          <p:cNvPr id="12" name="Freeform 6"/>
+          <p:cNvSpPr>
+            <a:spLocks noChangeAspect="1"/>
+          </p:cNvSpPr>
+          <p:nvPr/>
+        </p:nvSpPr>
+        <p:spPr bwMode="auto">
+          <a:xfrm>
+            <a:off x="804863" y="446086"/>
+            <a:ext cx="2660650" cy="1814651"/>
+          </a:xfrm>
+          <a:custGeom>
+            <a:avLst/>
+            <a:gdLst/>
+            <a:ahLst/>
+            <a:cxnLst/>
+            <a:rect l="0" t="0" r="r" b="b"/>
+            <a:pathLst>
+              <a:path w="3384" h="2308">
+                <a:moveTo>
+                  <a:pt x="3340" y="0"/>
+                </a:moveTo>
+                <a:lnTo>
+                  <a:pt x="44" y="0"/>
+                </a:lnTo>
+                <a:lnTo>
+                  <a:pt x="44" y="0"/>
+                </a:lnTo>
+                <a:lnTo>
+                  <a:pt x="34" y="0"/>
+                </a:lnTo>
+                <a:lnTo>
+                  <a:pt x="26" y="4"/>
+                </a:lnTo>
+                <a:lnTo>
+                  <a:pt x="20" y="8"/>
+                </a:lnTo>
+                <a:lnTo>
+                  <a:pt x="12" y="12"/>
+                </a:lnTo>
+                <a:lnTo>
+                  <a:pt x="8" y="20"/>
+                </a:lnTo>
+                <a:lnTo>
+                  <a:pt x="4" y="26"/>
+                </a:lnTo>
+                <a:lnTo>
+                  <a:pt x="0" y="34"/>
+                </a:lnTo>
+                <a:lnTo>
+                  <a:pt x="0" y="44"/>
+                </a:lnTo>
+                <a:lnTo>
+                  <a:pt x="0" y="2076"/>
+                </a:lnTo>
+                <a:lnTo>
+                  <a:pt x="0" y="2076"/>
+                </a:lnTo>
+                <a:lnTo>
+                  <a:pt x="0" y="2086"/>
+                </a:lnTo>
+                <a:lnTo>
+                  <a:pt x="4" y="2094"/>
+                </a:lnTo>
+                <a:lnTo>
+                  <a:pt x="8" y="2100"/>
+                </a:lnTo>
+                <a:lnTo>
+                  <a:pt x="12" y="2108"/>
+                </a:lnTo>
+                <a:lnTo>
+                  <a:pt x="20" y="2112"/>
+                </a:lnTo>
+                <a:lnTo>
+                  <a:pt x="26" y="2116"/>
+                </a:lnTo>
+                <a:lnTo>
+                  <a:pt x="34" y="2120"/>
+                </a:lnTo>
+                <a:lnTo>
+                  <a:pt x="44" y="2120"/>
+                </a:lnTo>
+                <a:lnTo>
+                  <a:pt x="474" y="2120"/>
+                </a:lnTo>
+                <a:lnTo>
+                  <a:pt x="650" y="2296"/>
+                </a:lnTo>
+                <a:lnTo>
+                  <a:pt x="650" y="2296"/>
+                </a:lnTo>
+                <a:lnTo>
+                  <a:pt x="656" y="2300"/>
+                </a:lnTo>
+                <a:lnTo>
+                  <a:pt x="664" y="2304"/>
+                </a:lnTo>
+                <a:lnTo>
+                  <a:pt x="672" y="2308"/>
+                </a:lnTo>
+                <a:lnTo>
+                  <a:pt x="680" y="2308"/>
+                </a:lnTo>
+                <a:lnTo>
+                  <a:pt x="688" y="2308"/>
+                </a:lnTo>
+                <a:lnTo>
+                  <a:pt x="696" y="2304"/>
+                </a:lnTo>
+                <a:lnTo>
+                  <a:pt x="704" y="2300"/>
+                </a:lnTo>
+                <a:lnTo>
+                  <a:pt x="710" y="2296"/>
+                </a:lnTo>
+                <a:lnTo>
+                  <a:pt x="886" y="2120"/>
+                </a:lnTo>
+                <a:lnTo>
+                  <a:pt x="3340" y="2120"/>
+                </a:lnTo>
+                <a:lnTo>
+                  <a:pt x="3340" y="2120"/>
+                </a:lnTo>
+                <a:lnTo>
+                  <a:pt x="3350" y="2120"/>
+                </a:lnTo>
+                <a:lnTo>
+                  <a:pt x="3358" y="2116"/>
+                </a:lnTo>
+                <a:lnTo>
+                  <a:pt x="3364" y="2112"/>
+                </a:lnTo>
+                <a:lnTo>
+                  <a:pt x="3372" y="2108"/>
+                </a:lnTo>
+                <a:lnTo>
+                  <a:pt x="3376" y="2100"/>
+                </a:lnTo>
+                <a:lnTo>
+                  <a:pt x="3380" y="2094"/>
+                </a:lnTo>
+                <a:lnTo>
+                  <a:pt x="3384" y="2086"/>
+                </a:lnTo>
+                <a:lnTo>
+                  <a:pt x="3384" y="2076"/>
+                </a:lnTo>
+                <a:lnTo>
+                  <a:pt x="3384" y="44"/>
+                </a:lnTo>
+                <a:lnTo>
+                  <a:pt x="3384" y="44"/>
+                </a:lnTo>
+                <a:lnTo>
+                  <a:pt x="3384" y="34"/>
+                </a:lnTo>
+                <a:lnTo>
+                  <a:pt x="3380" y="26"/>
+                </a:lnTo>
+                <a:lnTo>
+                  <a:pt x="3376" y="20"/>
+                </a:lnTo>
+                <a:lnTo>
+                  <a:pt x="3372" y="12"/>
+                </a:lnTo>
+                <a:lnTo>
+                  <a:pt x="3364" y="8"/>
+                </a:lnTo>
+                <a:lnTo>
+                  <a:pt x="3358" y="4"/>
+                </a:lnTo>
+                <a:lnTo>
+                  <a:pt x="3350" y="0"/>
+                </a:lnTo>
+                <a:lnTo>
+                  <a:pt x="3340" y="0"/>
+                </a:lnTo>
+                <a:lnTo>
+                  <a:pt x="3340" y="0"/>
+                </a:lnTo>
+                <a:close/>
+              </a:path>
+            </a:pathLst>
+          </a:custGeom>
+          <a:ln/>
+          <a:extLst>
+            <a:ext uri="{91240B29-F687-4F45-9708-019B960494DF}">
+              <a14:hiddenLine xmlns:a14="http://schemas.microsoft.com/office/drawing/2010/main" w="9525">
+                <a:solidFill>
+                  <a:srgbClr val="000000"/>
+                </a:solidFill>
+                <a:round/>
+                <a:headEnd/>
+                <a:tailEnd/>
+              </a14:hiddenLine>
+            </a:ext>
+          </a:extLst>
+        </p:spPr>
+        <p:style>
+          <a:lnRef idx="1">
+            <a:schemeClr val="accent1"/>
+          </a:lnRef>
+          <a:fillRef idx="3">
+            <a:schemeClr val="accent1"/>
+          </a:fillRef>
+          <a:effectRef idx="2">
+            <a:schemeClr val="accent1"/>
+          </a:effectRef>
+          <a:fontRef idx="minor">
+            <a:schemeClr val="lt1"/>
+          </a:fontRef>
+        </p:style>
+      </p:sp>
+      <p:sp>
+        <p:nvSpPr>
+          <p:cNvPr id="2" name="Title 1"/>
           <p:cNvSpPr>
             <a:spLocks noGrp="1"/>
           </p:cNvSpPr>
@@ -2734,8 +4601,8 @@
         </p:nvSpPr>
         <p:spPr>
           <a:xfrm>
-            <a:off x="1792288" y="4800600"/>
-            <a:ext cx="5486400" cy="566738"/>
+            <a:off x="804863" y="446088"/>
+            <a:ext cx="2660650" cy="1618396"/>
           </a:xfrm>
         </p:spPr>
         <p:txBody>
@@ -2747,27 +4614,86 @@
           </a:lstStyle>
           <a:p>
             <a:r>
-              <a:rPr lang="bg-BG" smtClean="0"/>
-              <a:t>Щракнете, за да редактирате стила на заглавието в образеца</a:t>
-            </a:r>
-            <a:endParaRPr lang="bg-BG"/>
-          </a:p>
-        </p:txBody>
-      </p:sp>
-      <p:sp>
-        <p:nvSpPr>
-          <p:cNvPr id="3" name="Контейнер за картина 2"/>
-          <p:cNvSpPr>
-            <a:spLocks noGrp="1"/>
-          </p:cNvSpPr>
-          <p:nvPr>
-            <p:ph type="pic" idx="1"/>
+              <a:rPr lang="en-US" smtClean="0"/>
+              <a:t>Click to edit Master title style</a:t>
+            </a:r>
+            <a:endParaRPr lang="en-US" dirty="0"/>
+          </a:p>
+        </p:txBody>
+      </p:sp>
+      <p:sp>
+        <p:nvSpPr>
+          <p:cNvPr id="3" name="Content Placeholder 2"/>
+          <p:cNvSpPr>
+            <a:spLocks noGrp="1"/>
+          </p:cNvSpPr>
+          <p:nvPr>
+            <p:ph idx="1"/>
           </p:nvPr>
         </p:nvSpPr>
         <p:spPr>
           <a:xfrm>
-            <a:off x="1792288" y="612775"/>
-            <a:ext cx="5486400" cy="4114800"/>
+            <a:off x="3641724" y="446087"/>
+            <a:ext cx="4689475" cy="5414963"/>
+          </a:xfrm>
+        </p:spPr>
+        <p:txBody>
+          <a:bodyPr>
+            <a:normAutofit/>
+          </a:bodyPr>
+          <a:lstStyle/>
+          <a:p>
+            <a:pPr lvl="0"/>
+            <a:r>
+              <a:rPr lang="en-US" smtClean="0"/>
+              <a:t>Click to edit Master text styles</a:t>
+            </a:r>
+          </a:p>
+          <a:p>
+            <a:pPr lvl="1"/>
+            <a:r>
+              <a:rPr lang="en-US" smtClean="0"/>
+              <a:t>Second level</a:t>
+            </a:r>
+          </a:p>
+          <a:p>
+            <a:pPr lvl="2"/>
+            <a:r>
+              <a:rPr lang="en-US" smtClean="0"/>
+              <a:t>Third level</a:t>
+            </a:r>
+          </a:p>
+          <a:p>
+            <a:pPr lvl="3"/>
+            <a:r>
+              <a:rPr lang="en-US" smtClean="0"/>
+              <a:t>Fourth level</a:t>
+            </a:r>
+          </a:p>
+          <a:p>
+            <a:pPr lvl="4"/>
+            <a:r>
+              <a:rPr lang="en-US" smtClean="0"/>
+              <a:t>Fifth level</a:t>
+            </a:r>
+            <a:endParaRPr lang="en-US" dirty="0"/>
+          </a:p>
+        </p:txBody>
+      </p:sp>
+      <p:sp>
+        <p:nvSpPr>
+          <p:cNvPr id="4" name="Text Placeholder 3"/>
+          <p:cNvSpPr>
+            <a:spLocks noGrp="1"/>
+          </p:cNvSpPr>
+          <p:nvPr>
+            <p:ph type="body" sz="half" idx="2"/>
+          </p:nvPr>
+        </p:nvSpPr>
+        <p:spPr>
+          <a:xfrm>
+            <a:off x="804863" y="2260737"/>
+            <a:ext cx="2660650" cy="3600311"/>
           </a:xfrm>
         </p:spPr>
         <p:txBody>
@@ -2775,67 +4701,6 @@
           <a:lstStyle>
             <a:lvl1pPr marL="0" indent="0">
               <a:buNone/>
-              <a:defRPr sz="3200"/>
-            </a:lvl1pPr>
-            <a:lvl2pPr marL="457200" indent="0">
-              <a:buNone/>
-              <a:defRPr sz="2800"/>
-            </a:lvl2pPr>
-            <a:lvl3pPr marL="914400" indent="0">
-              <a:buNone/>
-              <a:defRPr sz="2400"/>
-            </a:lvl3pPr>
-            <a:lvl4pPr marL="1371600" indent="0">
-              <a:buNone/>
-              <a:defRPr sz="2000"/>
-            </a:lvl4pPr>
-            <a:lvl5pPr marL="1828800" indent="0">
-              <a:buNone/>
-              <a:defRPr sz="2000"/>
-            </a:lvl5pPr>
-            <a:lvl6pPr marL="2286000" indent="0">
-              <a:buNone/>
-              <a:defRPr sz="2000"/>
-            </a:lvl6pPr>
-            <a:lvl7pPr marL="2743200" indent="0">
-              <a:buNone/>
-              <a:defRPr sz="2000"/>
-            </a:lvl7pPr>
-            <a:lvl8pPr marL="3200400" indent="0">
-              <a:buNone/>
-              <a:defRPr sz="2000"/>
-            </a:lvl8pPr>
-            <a:lvl9pPr marL="3657600" indent="0">
-              <a:buNone/>
-              <a:defRPr sz="2000"/>
-            </a:lvl9pPr>
-          </a:lstStyle>
-          <a:p>
-            <a:endParaRPr lang="bg-BG" dirty="0"/>
-          </a:p>
-        </p:txBody>
-      </p:sp>
-      <p:sp>
-        <p:nvSpPr>
-          <p:cNvPr id="4" name="Текстов контейнер 3"/>
-          <p:cNvSpPr>
-            <a:spLocks noGrp="1"/>
-          </p:cNvSpPr>
-          <p:nvPr>
-            <p:ph type="body" sz="half" idx="2"/>
-          </p:nvPr>
-        </p:nvSpPr>
-        <p:spPr>
-          <a:xfrm>
-            <a:off x="1792288" y="5367338"/>
-            <a:ext cx="5486400" cy="804862"/>
-          </a:xfrm>
-        </p:spPr>
-        <p:txBody>
-          <a:bodyPr/>
-          <a:lstStyle>
-            <a:lvl1pPr marL="0" indent="0">
-              <a:buNone/>
               <a:defRPr sz="1400"/>
             </a:lvl1pPr>
             <a:lvl2pPr marL="457200" indent="0">
@@ -2874,15 +4739,15 @@
           <a:p>
             <a:pPr lvl="0"/>
             <a:r>
-              <a:rPr lang="bg-BG" smtClean="0"/>
-              <a:t>Щракн., за да ред. стил на загл. в обр.</a:t>
-            </a:r>
-          </a:p>
-        </p:txBody>
-      </p:sp>
-      <p:sp>
-        <p:nvSpPr>
-          <p:cNvPr id="5" name="Контейнер за дата 4"/>
+              <a:rPr lang="en-US" smtClean="0"/>
+              <a:t>Click to edit Master text styles</a:t>
+            </a:r>
+          </a:p>
+        </p:txBody>
+      </p:sp>
+      <p:sp>
+        <p:nvSpPr>
+          <p:cNvPr id="5" name="Date Placeholder 4"/>
           <p:cNvSpPr>
             <a:spLocks noGrp="1"/>
           </p:cNvSpPr>
@@ -2905,7 +4770,7 @@
       </p:sp>
       <p:sp>
         <p:nvSpPr>
-          <p:cNvPr id="6" name="Контейнер за долния колонтитул 5"/>
+          <p:cNvPr id="6" name="Footer Placeholder 5"/>
           <p:cNvSpPr>
             <a:spLocks noGrp="1"/>
           </p:cNvSpPr>
@@ -2924,7 +4789,7 @@
       </p:sp>
       <p:sp>
         <p:nvSpPr>
-          <p:cNvPr id="7" name="Контейнер за номер на слайда 6"/>
+          <p:cNvPr id="7" name="Slide Number Placeholder 6"/>
           <p:cNvSpPr>
             <a:spLocks noGrp="1"/>
           </p:cNvSpPr>
@@ -2946,6 +4811,334 @@
         </p:txBody>
       </p:sp>
     </p:spTree>
+    <p:extLst>
+      <p:ext uri="{BB962C8B-B14F-4D97-AF65-F5344CB8AC3E}">
+        <p14:creationId xmlns:p14="http://schemas.microsoft.com/office/powerpoint/2010/main" val="1598944002"/>
+      </p:ext>
+    </p:extLst>
+  </p:cSld>
+  <p:clrMapOvr>
+    <a:masterClrMapping/>
+  </p:clrMapOvr>
+</p:sldLayout>
+</file>
+
+<file path=ppt/slideLayouts/slideLayout9.xml><?xml version="1.0" encoding="utf-8"?>
+<p:sldLayout xmlns:a="http://schemas.openxmlformats.org/drawingml/2006/main" xmlns:r="http://schemas.openxmlformats.org/officeDocument/2006/relationships" xmlns:p="http://schemas.openxmlformats.org/presentationml/2006/main" type="picTx" preserve="1">
+  <p:cSld name="Picture with Caption">
+    <p:spTree>
+      <p:nvGrpSpPr>
+        <p:cNvPr id="1" name=""/>
+        <p:cNvGrpSpPr/>
+        <p:nvPr/>
+      </p:nvGrpSpPr>
+      <p:grpSpPr>
+        <a:xfrm>
+          <a:off x="0" y="0"/>
+          <a:ext cx="0" cy="0"/>
+          <a:chOff x="0" y="0"/>
+          <a:chExt cx="0" cy="0"/>
+        </a:xfrm>
+      </p:grpSpPr>
+      <p:sp>
+        <p:nvSpPr>
+          <p:cNvPr id="2" name="Title 1"/>
+          <p:cNvSpPr>
+            <a:spLocks noGrp="1"/>
+          </p:cNvSpPr>
+          <p:nvPr>
+            <p:ph type="title"/>
+          </p:nvPr>
+        </p:nvSpPr>
+        <p:spPr>
+          <a:xfrm>
+            <a:off x="809996" y="727521"/>
+            <a:ext cx="3501548" cy="1617163"/>
+          </a:xfrm>
+        </p:spPr>
+        <p:txBody>
+          <a:bodyPr anchor="b">
+            <a:normAutofit/>
+          </a:bodyPr>
+          <a:lstStyle>
+            <a:lvl1pPr algn="l">
+              <a:defRPr sz="2400" b="0"/>
+            </a:lvl1pPr>
+          </a:lstStyle>
+          <a:p>
+            <a:r>
+              <a:rPr lang="en-US" smtClean="0"/>
+              <a:t>Click to edit Master title style</a:t>
+            </a:r>
+            <a:endParaRPr lang="en-US" dirty="0"/>
+          </a:p>
+        </p:txBody>
+      </p:sp>
+      <p:sp>
+        <p:nvSpPr>
+          <p:cNvPr id="9" name="Picture Placeholder 11"/>
+          <p:cNvSpPr>
+            <a:spLocks noGrp="1" noChangeAspect="1"/>
+          </p:cNvSpPr>
+          <p:nvPr>
+            <p:ph type="pic" sz="quarter" idx="13"/>
+          </p:nvPr>
+        </p:nvSpPr>
+        <p:spPr bwMode="auto">
+          <a:xfrm>
+            <a:off x="4573588" y="0"/>
+            <a:ext cx="4570412" cy="6858000"/>
+          </a:xfrm>
+          <a:custGeom>
+            <a:avLst/>
+            <a:gdLst/>
+            <a:ahLst/>
+            <a:cxnLst/>
+            <a:rect l="0" t="0" r="r" b="b"/>
+            <a:pathLst>
+              <a:path w="2879" h="4320">
+                <a:moveTo>
+                  <a:pt x="183" y="0"/>
+                </a:moveTo>
+                <a:lnTo>
+                  <a:pt x="183" y="1197"/>
+                </a:lnTo>
+                <a:lnTo>
+                  <a:pt x="8" y="1372"/>
+                </a:lnTo>
+                <a:lnTo>
+                  <a:pt x="8" y="1372"/>
+                </a:lnTo>
+                <a:lnTo>
+                  <a:pt x="6" y="1376"/>
+                </a:lnTo>
+                <a:lnTo>
+                  <a:pt x="3" y="1382"/>
+                </a:lnTo>
+                <a:lnTo>
+                  <a:pt x="0" y="1387"/>
+                </a:lnTo>
+                <a:lnTo>
+                  <a:pt x="0" y="1393"/>
+                </a:lnTo>
+                <a:lnTo>
+                  <a:pt x="0" y="1399"/>
+                </a:lnTo>
+                <a:lnTo>
+                  <a:pt x="3" y="1404"/>
+                </a:lnTo>
+                <a:lnTo>
+                  <a:pt x="6" y="1410"/>
+                </a:lnTo>
+                <a:lnTo>
+                  <a:pt x="8" y="1414"/>
+                </a:lnTo>
+                <a:lnTo>
+                  <a:pt x="183" y="1589"/>
+                </a:lnTo>
+                <a:lnTo>
+                  <a:pt x="183" y="4320"/>
+                </a:lnTo>
+                <a:lnTo>
+                  <a:pt x="2879" y="4320"/>
+                </a:lnTo>
+                <a:lnTo>
+                  <a:pt x="2879" y="0"/>
+                </a:lnTo>
+                <a:lnTo>
+                  <a:pt x="183" y="0"/>
+                </a:lnTo>
+                <a:close/>
+              </a:path>
+            </a:pathLst>
+          </a:custGeom>
+          <a:noFill/>
+          <a:ln w="9525">
+            <a:solidFill>
+              <a:schemeClr val="tx2"/>
+            </a:solidFill>
+            <a:round/>
+            <a:headEnd/>
+            <a:tailEnd/>
+          </a:ln>
+          <a:effectLst/>
+        </p:spPr>
+        <p:txBody>
+          <a:bodyPr wrap="square" numCol="1" anchor="t" anchorCtr="0" compatLnSpc="1">
+            <a:prstTxWarp prst="textNoShape">
+              <a:avLst/>
+            </a:prstTxWarp>
+            <a:normAutofit/>
+          </a:bodyPr>
+          <a:lstStyle>
+            <a:lvl1pPr algn="ctr">
+              <a:buFontTx/>
+              <a:buNone/>
+              <a:defRPr sz="1400"/>
+            </a:lvl1pPr>
+          </a:lstStyle>
+          <a:p>
+            <a:r>
+              <a:rPr lang="en-US" smtClean="0"/>
+              <a:t>Click icon to add picture</a:t>
+            </a:r>
+            <a:endParaRPr lang="en-US" dirty="0"/>
+          </a:p>
+        </p:txBody>
+      </p:sp>
+      <p:sp>
+        <p:nvSpPr>
+          <p:cNvPr id="4" name="Text Placeholder 3"/>
+          <p:cNvSpPr>
+            <a:spLocks noGrp="1"/>
+          </p:cNvSpPr>
+          <p:nvPr>
+            <p:ph type="body" sz="half" idx="2"/>
+          </p:nvPr>
+        </p:nvSpPr>
+        <p:spPr>
+          <a:xfrm>
+            <a:off x="809996" y="2344684"/>
+            <a:ext cx="3501548" cy="3516365"/>
+          </a:xfrm>
+        </p:spPr>
+        <p:txBody>
+          <a:bodyPr anchor="t">
+            <a:normAutofit/>
+          </a:bodyPr>
+          <a:lstStyle>
+            <a:lvl1pPr marL="0" indent="0">
+              <a:buNone/>
+              <a:defRPr sz="1200"/>
+            </a:lvl1pPr>
+            <a:lvl2pPr marL="457200" indent="0">
+              <a:buNone/>
+              <a:defRPr sz="1200"/>
+            </a:lvl2pPr>
+            <a:lvl3pPr marL="914400" indent="0">
+              <a:buNone/>
+              <a:defRPr sz="1000"/>
+            </a:lvl3pPr>
+            <a:lvl4pPr marL="1371600" indent="0">
+              <a:buNone/>
+              <a:defRPr sz="900"/>
+            </a:lvl4pPr>
+            <a:lvl5pPr marL="1828800" indent="0">
+              <a:buNone/>
+              <a:defRPr sz="900"/>
+            </a:lvl5pPr>
+            <a:lvl6pPr marL="2286000" indent="0">
+              <a:buNone/>
+              <a:defRPr sz="900"/>
+            </a:lvl6pPr>
+            <a:lvl7pPr marL="2743200" indent="0">
+              <a:buNone/>
+              <a:defRPr sz="900"/>
+            </a:lvl7pPr>
+            <a:lvl8pPr marL="3200400" indent="0">
+              <a:buNone/>
+              <a:defRPr sz="900"/>
+            </a:lvl8pPr>
+            <a:lvl9pPr marL="3657600" indent="0">
+              <a:buNone/>
+              <a:defRPr sz="900"/>
+            </a:lvl9pPr>
+          </a:lstStyle>
+          <a:p>
+            <a:pPr lvl="0"/>
+            <a:r>
+              <a:rPr lang="en-US" smtClean="0"/>
+              <a:t>Click to edit Master text styles</a:t>
+            </a:r>
+          </a:p>
+        </p:txBody>
+      </p:sp>
+      <p:sp>
+        <p:nvSpPr>
+          <p:cNvPr id="5" name="Date Placeholder 4"/>
+          <p:cNvSpPr>
+            <a:spLocks noGrp="1"/>
+          </p:cNvSpPr>
+          <p:nvPr>
+            <p:ph type="dt" sz="half" idx="10"/>
+          </p:nvPr>
+        </p:nvSpPr>
+        <p:spPr>
+          <a:xfrm>
+            <a:off x="2914357" y="6041361"/>
+            <a:ext cx="732659" cy="365125"/>
+          </a:xfrm>
+        </p:spPr>
+        <p:txBody>
+          <a:bodyPr/>
+          <a:lstStyle/>
+          <a:p>
+            <a:fld id="{9CBBA38E-CA4F-4236-A03B-9A487958C305}" type="datetimeFigureOut">
+              <a:rPr lang="bg-BG" smtClean="0"/>
+              <a:t>16.3.2019 г.</a:t>
+            </a:fld>
+            <a:endParaRPr lang="bg-BG" dirty="0"/>
+          </a:p>
+        </p:txBody>
+      </p:sp>
+      <p:sp>
+        <p:nvSpPr>
+          <p:cNvPr id="6" name="Footer Placeholder 5"/>
+          <p:cNvSpPr>
+            <a:spLocks noGrp="1"/>
+          </p:cNvSpPr>
+          <p:nvPr>
+            <p:ph type="ftr" sz="quarter" idx="11"/>
+          </p:nvPr>
+        </p:nvSpPr>
+        <p:spPr>
+          <a:xfrm>
+            <a:off x="442797" y="6041361"/>
+            <a:ext cx="2471560" cy="365125"/>
+          </a:xfrm>
+        </p:spPr>
+        <p:txBody>
+          <a:bodyPr/>
+          <a:lstStyle/>
+          <a:p>
+            <a:endParaRPr lang="bg-BG" dirty="0"/>
+          </a:p>
+        </p:txBody>
+      </p:sp>
+      <p:sp>
+        <p:nvSpPr>
+          <p:cNvPr id="7" name="Slide Number Placeholder 6"/>
+          <p:cNvSpPr>
+            <a:spLocks noGrp="1"/>
+          </p:cNvSpPr>
+          <p:nvPr>
+            <p:ph type="sldNum" sz="quarter" idx="12"/>
+          </p:nvPr>
+        </p:nvSpPr>
+        <p:spPr>
+          <a:xfrm>
+            <a:off x="3647017" y="5915887"/>
+            <a:ext cx="796616" cy="490599"/>
+          </a:xfrm>
+        </p:spPr>
+        <p:txBody>
+          <a:bodyPr/>
+          <a:lstStyle/>
+          <a:p>
+            <a:fld id="{087B6810-E014-459F-9198-BE7624A7965C}" type="slidenum">
+              <a:rPr lang="bg-BG" smtClean="0"/>
+              <a:t>‹#›</a:t>
+            </a:fld>
+            <a:endParaRPr lang="bg-BG" dirty="0"/>
+          </a:p>
+        </p:txBody>
+      </p:sp>
+    </p:spTree>
+    <p:extLst>
+      <p:ext uri="{BB962C8B-B14F-4D97-AF65-F5344CB8AC3E}">
+        <p14:creationId xmlns:p14="http://schemas.microsoft.com/office/powerpoint/2010/main" val="2683806860"/>
+      </p:ext>
+    </p:extLst>
   </p:cSld>
   <p:clrMapOvr>
     <a:masterClrMapping/>
@@ -2958,7 +5151,7 @@
   <p:cSld>
     <p:bg>
       <p:bgRef idx="1001">
-        <a:schemeClr val="bg1"/>
+        <a:schemeClr val="bg2"/>
       </p:bgRef>
     </p:bg>
     <p:spTree>
@@ -2977,7 +5170,7 @@
       </p:grpSpPr>
       <p:sp>
         <p:nvSpPr>
-          <p:cNvPr id="2" name="Контейнер за заглавие 1"/>
+          <p:cNvPr id="2" name="Title Placeholder 1"/>
           <p:cNvSpPr>
             <a:spLocks noGrp="1"/>
           </p:cNvSpPr>
@@ -2987,195 +5180,203 @@
         </p:nvSpPr>
         <p:spPr>
           <a:xfrm>
-            <a:off x="457200" y="274638"/>
-            <a:ext cx="8229600" cy="1143000"/>
+            <a:off x="809997" y="447188"/>
+            <a:ext cx="7524003" cy="970450"/>
+          </a:xfrm>
+          <a:prstGeom prst="rect">
+            <a:avLst/>
+          </a:prstGeom>
+          <a:effectLst>
+            <a:outerShdw blurRad="50800" dir="14400000">
+              <a:srgbClr val="000000">
+                <a:alpha val="60000"/>
+              </a:srgbClr>
+            </a:outerShdw>
+          </a:effectLst>
+        </p:spPr>
+        <p:txBody>
+          <a:bodyPr vert="horz" lIns="91440" tIns="45720" rIns="91440" bIns="45720" rtlCol="0" anchor="b">
+            <a:noAutofit/>
+          </a:bodyPr>
+          <a:lstStyle/>
+          <a:p>
+            <a:r>
+              <a:rPr lang="en-US" smtClean="0"/>
+              <a:t>Click to edit Master title style</a:t>
+            </a:r>
+            <a:endParaRPr lang="en-US" dirty="0"/>
+          </a:p>
+        </p:txBody>
+      </p:sp>
+      <p:sp>
+        <p:nvSpPr>
+          <p:cNvPr id="3" name="Text Placeholder 2"/>
+          <p:cNvSpPr>
+            <a:spLocks noGrp="1"/>
+          </p:cNvSpPr>
+          <p:nvPr>
+            <p:ph type="body" idx="1"/>
+          </p:nvPr>
+        </p:nvSpPr>
+        <p:spPr>
+          <a:xfrm>
+            <a:off x="809997" y="2184400"/>
+            <a:ext cx="7524003" cy="3674397"/>
+          </a:xfrm>
+          <a:prstGeom prst="rect">
+            <a:avLst/>
+          </a:prstGeom>
+          <a:effectLst>
+            <a:outerShdw blurRad="50800" dir="14400000">
+              <a:srgbClr val="000000">
+                <a:alpha val="40000"/>
+              </a:srgbClr>
+            </a:outerShdw>
+          </a:effectLst>
+        </p:spPr>
+        <p:txBody>
+          <a:bodyPr vert="horz" lIns="91440" tIns="45720" rIns="91440" bIns="45720" rtlCol="0" anchor="ctr">
+            <a:normAutofit/>
+          </a:bodyPr>
+          <a:lstStyle/>
+          <a:p>
+            <a:pPr lvl="0"/>
+            <a:r>
+              <a:rPr lang="en-US" smtClean="0"/>
+              <a:t>Click to edit Master text styles</a:t>
+            </a:r>
+          </a:p>
+          <a:p>
+            <a:pPr lvl="1"/>
+            <a:r>
+              <a:rPr lang="en-US" smtClean="0"/>
+              <a:t>Second level</a:t>
+            </a:r>
+          </a:p>
+          <a:p>
+            <a:pPr lvl="2"/>
+            <a:r>
+              <a:rPr lang="en-US" smtClean="0"/>
+              <a:t>Third level</a:t>
+            </a:r>
+          </a:p>
+          <a:p>
+            <a:pPr lvl="3"/>
+            <a:r>
+              <a:rPr lang="en-US" smtClean="0"/>
+              <a:t>Fourth level</a:t>
+            </a:r>
+          </a:p>
+          <a:p>
+            <a:pPr lvl="4"/>
+            <a:r>
+              <a:rPr lang="en-US" smtClean="0"/>
+              <a:t>Fifth level</a:t>
+            </a:r>
+            <a:endParaRPr lang="en-US" dirty="0"/>
+          </a:p>
+        </p:txBody>
+      </p:sp>
+      <p:sp>
+        <p:nvSpPr>
+          <p:cNvPr id="5" name="Footer Placeholder 4"/>
+          <p:cNvSpPr>
+            <a:spLocks noGrp="1"/>
+          </p:cNvSpPr>
+          <p:nvPr>
+            <p:ph type="ftr" sz="quarter" idx="3"/>
+          </p:nvPr>
+        </p:nvSpPr>
+        <p:spPr>
+          <a:xfrm>
+            <a:off x="442797" y="6041361"/>
+            <a:ext cx="6289532" cy="365125"/>
           </a:xfrm>
           <a:prstGeom prst="rect">
             <a:avLst/>
           </a:prstGeom>
         </p:spPr>
         <p:txBody>
-          <a:bodyPr vert="horz" lIns="91440" tIns="45720" rIns="91440" bIns="45720" rtlCol="0" anchor="ctr">
-            <a:normAutofit/>
-          </a:bodyPr>
-          <a:lstStyle/>
-          <a:p>
-            <a:r>
-              <a:rPr lang="bg-BG" smtClean="0"/>
-              <a:t>Щракнете, за да редактирате стила на заглавието в образеца</a:t>
-            </a:r>
-            <a:endParaRPr lang="bg-BG"/>
-          </a:p>
-        </p:txBody>
-      </p:sp>
-      <p:sp>
-        <p:nvSpPr>
-          <p:cNvPr id="3" name="Текстов контейнер 2"/>
-          <p:cNvSpPr>
-            <a:spLocks noGrp="1"/>
-          </p:cNvSpPr>
-          <p:nvPr>
-            <p:ph type="body" idx="1"/>
+          <a:bodyPr vert="horz" lIns="91440" tIns="45720" rIns="91440" bIns="45720" rtlCol="0" anchor="b"/>
+          <a:lstStyle>
+            <a:lvl1pPr algn="l">
+              <a:defRPr sz="900">
+                <a:solidFill>
+                  <a:schemeClr val="tx1"/>
+                </a:solidFill>
+              </a:defRPr>
+            </a:lvl1pPr>
+          </a:lstStyle>
+          <a:p>
+            <a:endParaRPr lang="bg-BG" dirty="0"/>
+          </a:p>
+        </p:txBody>
+      </p:sp>
+      <p:sp>
+        <p:nvSpPr>
+          <p:cNvPr id="4" name="Date Placeholder 3"/>
+          <p:cNvSpPr>
+            <a:spLocks noGrp="1"/>
+          </p:cNvSpPr>
+          <p:nvPr>
+            <p:ph type="dt" sz="half" idx="2"/>
           </p:nvPr>
         </p:nvSpPr>
         <p:spPr>
           <a:xfrm>
-            <a:off x="457200" y="1600200"/>
-            <a:ext cx="8229600" cy="4525963"/>
+            <a:off x="6911422" y="6041361"/>
+            <a:ext cx="993161" cy="365125"/>
           </a:xfrm>
           <a:prstGeom prst="rect">
             <a:avLst/>
           </a:prstGeom>
         </p:spPr>
         <p:txBody>
-          <a:bodyPr vert="horz" lIns="91440" tIns="45720" rIns="91440" bIns="45720" rtlCol="0">
-            <a:normAutofit/>
-          </a:bodyPr>
-          <a:lstStyle/>
-          <a:p>
-            <a:pPr lvl="0"/>
-            <a:r>
+          <a:bodyPr vert="horz" lIns="91440" tIns="45720" rIns="91440" bIns="45720" rtlCol="0" anchor="b"/>
+          <a:lstStyle>
+            <a:lvl1pPr algn="r">
+              <a:defRPr sz="900">
+                <a:solidFill>
+                  <a:schemeClr val="tx1"/>
+                </a:solidFill>
+              </a:defRPr>
+            </a:lvl1pPr>
+          </a:lstStyle>
+          <a:p>
+            <a:fld id="{9CBBA38E-CA4F-4236-A03B-9A487958C305}" type="datetimeFigureOut">
               <a:rPr lang="bg-BG" smtClean="0"/>
-              <a:t>Щракн., за да ред. стил на загл. в обр.</a:t>
-            </a:r>
-          </a:p>
-          <a:p>
-            <a:pPr lvl="1"/>
-            <a:r>
-              <a:rPr lang="bg-BG" smtClean="0"/>
-              <a:t>Второ ниво</a:t>
-            </a:r>
-          </a:p>
-          <a:p>
-            <a:pPr lvl="2"/>
-            <a:r>
-              <a:rPr lang="bg-BG" smtClean="0"/>
-              <a:t>Трето ниво</a:t>
-            </a:r>
-          </a:p>
-          <a:p>
-            <a:pPr lvl="3"/>
-            <a:r>
-              <a:rPr lang="bg-BG" smtClean="0"/>
-              <a:t>Четвърто ниво</a:t>
-            </a:r>
-          </a:p>
-          <a:p>
-            <a:pPr lvl="4"/>
-            <a:r>
-              <a:rPr lang="bg-BG" smtClean="0"/>
-              <a:t>Пето ниво</a:t>
-            </a:r>
-            <a:endParaRPr lang="bg-BG"/>
-          </a:p>
-        </p:txBody>
-      </p:sp>
-      <p:sp>
-        <p:nvSpPr>
-          <p:cNvPr id="4" name="Контейнер за дата 3"/>
-          <p:cNvSpPr>
-            <a:spLocks noGrp="1"/>
-          </p:cNvSpPr>
-          <p:nvPr>
-            <p:ph type="dt" sz="half" idx="2"/>
+              <a:t>16.3.2019 г.</a:t>
+            </a:fld>
+            <a:endParaRPr lang="bg-BG" dirty="0"/>
+          </a:p>
+        </p:txBody>
+      </p:sp>
+      <p:sp>
+        <p:nvSpPr>
+          <p:cNvPr id="6" name="Slide Number Placeholder 5"/>
+          <p:cNvSpPr>
+            <a:spLocks noGrp="1"/>
+          </p:cNvSpPr>
+          <p:nvPr>
+            <p:ph type="sldNum" sz="quarter" idx="4"/>
           </p:nvPr>
         </p:nvSpPr>
         <p:spPr>
           <a:xfrm>
-            <a:off x="457200" y="6356350"/>
-            <a:ext cx="2133600" cy="365125"/>
+            <a:off x="7904584" y="5915887"/>
+            <a:ext cx="796616" cy="490599"/>
           </a:xfrm>
           <a:prstGeom prst="rect">
             <a:avLst/>
           </a:prstGeom>
         </p:spPr>
         <p:txBody>
-          <a:bodyPr vert="horz" lIns="91440" tIns="45720" rIns="91440" bIns="45720" rtlCol="0" anchor="ctr"/>
-          <a:lstStyle>
-            <a:lvl1pPr algn="l">
-              <a:defRPr sz="1200">
-                <a:solidFill>
-                  <a:schemeClr val="tx1">
-                    <a:tint val="75000"/>
-                  </a:schemeClr>
-                </a:solidFill>
-              </a:defRPr>
-            </a:lvl1pPr>
-          </a:lstStyle>
-          <a:p>
-            <a:fld id="{9CBBA38E-CA4F-4236-A03B-9A487958C305}" type="datetimeFigureOut">
-              <a:rPr lang="bg-BG" smtClean="0"/>
-              <a:t>16.3.2019 г.</a:t>
-            </a:fld>
-            <a:endParaRPr lang="bg-BG" dirty="0"/>
-          </a:p>
-        </p:txBody>
-      </p:sp>
-      <p:sp>
-        <p:nvSpPr>
-          <p:cNvPr id="5" name="Контейнер за долния колонтитул 4"/>
-          <p:cNvSpPr>
-            <a:spLocks noGrp="1"/>
-          </p:cNvSpPr>
-          <p:nvPr>
-            <p:ph type="ftr" sz="quarter" idx="3"/>
-          </p:nvPr>
-        </p:nvSpPr>
-        <p:spPr>
-          <a:xfrm>
-            <a:off x="3124200" y="6356350"/>
-            <a:ext cx="2895600" cy="365125"/>
-          </a:xfrm>
-          <a:prstGeom prst="rect">
-            <a:avLst/>
-          </a:prstGeom>
-        </p:spPr>
-        <p:txBody>
-          <a:bodyPr vert="horz" lIns="91440" tIns="45720" rIns="91440" bIns="45720" rtlCol="0" anchor="ctr"/>
-          <a:lstStyle>
-            <a:lvl1pPr algn="ctr">
-              <a:defRPr sz="1200">
-                <a:solidFill>
-                  <a:schemeClr val="tx1">
-                    <a:tint val="75000"/>
-                  </a:schemeClr>
-                </a:solidFill>
-              </a:defRPr>
-            </a:lvl1pPr>
-          </a:lstStyle>
-          <a:p>
-            <a:endParaRPr lang="bg-BG" dirty="0"/>
-          </a:p>
-        </p:txBody>
-      </p:sp>
-      <p:sp>
-        <p:nvSpPr>
-          <p:cNvPr id="6" name="Контейнер за номер на слайда 5"/>
-          <p:cNvSpPr>
-            <a:spLocks noGrp="1"/>
-          </p:cNvSpPr>
-          <p:nvPr>
-            <p:ph type="sldNum" sz="quarter" idx="4"/>
-          </p:nvPr>
-        </p:nvSpPr>
-        <p:spPr>
-          <a:xfrm>
-            <a:off x="6553200" y="6356350"/>
-            <a:ext cx="2133600" cy="365125"/>
-          </a:xfrm>
-          <a:prstGeom prst="rect">
-            <a:avLst/>
-          </a:prstGeom>
-        </p:spPr>
-        <p:txBody>
-          <a:bodyPr vert="horz" lIns="91440" tIns="45720" rIns="91440" bIns="45720" rtlCol="0" anchor="ctr"/>
+          <a:bodyPr vert="horz" lIns="91440" tIns="45720" rIns="91440" bIns="10800" rtlCol="0" anchor="b"/>
           <a:lstStyle>
             <a:lvl1pPr algn="r">
-              <a:defRPr sz="1200">
+              <a:defRPr sz="2000">
                 <a:solidFill>
-                  <a:schemeClr val="tx1">
-                    <a:tint val="75000"/>
-                  </a:schemeClr>
+                  <a:schemeClr val="accent1"/>
                 </a:solidFill>
               </a:defRPr>
             </a:lvl1pPr>
@@ -3190,46 +5391,116 @@
         </p:txBody>
       </p:sp>
     </p:spTree>
+    <p:extLst>
+      <p:ext uri="{BB962C8B-B14F-4D97-AF65-F5344CB8AC3E}">
+        <p14:creationId xmlns:p14="http://schemas.microsoft.com/office/powerpoint/2010/main" val="4284248997"/>
+      </p:ext>
+    </p:extLst>
   </p:cSld>
-  <p:clrMap bg1="lt1" tx1="dk1" bg2="lt2" tx2="dk2" accent1="accent1" accent2="accent2" accent3="accent3" accent4="accent4" accent5="accent5" accent6="accent6" hlink="hlink" folHlink="folHlink"/>
+  <p:clrMap bg1="dk1" tx1="lt1" bg2="dk2" tx2="lt2" accent1="accent1" accent2="accent2" accent3="accent3" accent4="accent4" accent5="accent5" accent6="accent6" hlink="hlink" folHlink="folHlink"/>
   <p:sldLayoutIdLst>
-    <p:sldLayoutId id="2147483685" r:id="rId1"/>
-    <p:sldLayoutId id="2147483686" r:id="rId2"/>
-    <p:sldLayoutId id="2147483687" r:id="rId3"/>
-    <p:sldLayoutId id="2147483688" r:id="rId4"/>
-    <p:sldLayoutId id="2147483689" r:id="rId5"/>
-    <p:sldLayoutId id="2147483690" r:id="rId6"/>
-    <p:sldLayoutId id="2147483691" r:id="rId7"/>
-    <p:sldLayoutId id="2147483692" r:id="rId8"/>
-    <p:sldLayoutId id="2147483693" r:id="rId9"/>
-    <p:sldLayoutId id="2147483694" r:id="rId10"/>
-    <p:sldLayoutId id="2147483695" r:id="rId11"/>
+    <p:sldLayoutId id="2147483805" r:id="rId1"/>
+    <p:sldLayoutId id="2147483806" r:id="rId2"/>
+    <p:sldLayoutId id="2147483807" r:id="rId3"/>
+    <p:sldLayoutId id="2147483808" r:id="rId4"/>
+    <p:sldLayoutId id="2147483809" r:id="rId5"/>
+    <p:sldLayoutId id="2147483810" r:id="rId6"/>
+    <p:sldLayoutId id="2147483811" r:id="rId7"/>
+    <p:sldLayoutId id="2147483812" r:id="rId8"/>
+    <p:sldLayoutId id="2147483813" r:id="rId9"/>
+    <p:sldLayoutId id="2147483814" r:id="rId10"/>
+    <p:sldLayoutId id="2147483815" r:id="rId11"/>
+    <p:sldLayoutId id="2147483816" r:id="rId12"/>
+    <p:sldLayoutId id="2147483817" r:id="rId13"/>
+    <p:sldLayoutId id="2147483818" r:id="rId14"/>
   </p:sldLayoutIdLst>
   <p:txStyles>
     <p:titleStyle>
-      <a:lvl1pPr algn="ctr" defTabSz="914400" rtl="0" eaLnBrk="1" latinLnBrk="0" hangingPunct="1">
+      <a:lvl1pPr algn="l" defTabSz="457200" rtl="0" eaLnBrk="1" latinLnBrk="0" hangingPunct="1">
         <a:spcBef>
           <a:spcPct val="0"/>
         </a:spcBef>
         <a:buNone/>
-        <a:defRPr sz="4400" kern="1200">
+        <a:defRPr sz="4000" b="1" kern="1200">
           <a:solidFill>
-            <a:schemeClr val="tx1"/>
+            <a:srgbClr val="FEFEFE"/>
           </a:solidFill>
           <a:latin typeface="+mj-lt"/>
           <a:ea typeface="+mj-ea"/>
-          <a:cs typeface="+mj-cs"/>
+          <a:cs typeface="Trebuchet MS"/>
         </a:defRPr>
       </a:lvl1pPr>
+      <a:lvl2pPr eaLnBrk="1" hangingPunct="1">
+        <a:defRPr>
+          <a:solidFill>
+            <a:schemeClr val="tx2"/>
+          </a:solidFill>
+        </a:defRPr>
+      </a:lvl2pPr>
+      <a:lvl3pPr eaLnBrk="1" hangingPunct="1">
+        <a:defRPr>
+          <a:solidFill>
+            <a:schemeClr val="tx2"/>
+          </a:solidFill>
+        </a:defRPr>
+      </a:lvl3pPr>
+      <a:lvl4pPr eaLnBrk="1" hangingPunct="1">
+        <a:defRPr>
+          <a:solidFill>
+            <a:schemeClr val="tx2"/>
+          </a:solidFill>
+        </a:defRPr>
+      </a:lvl4pPr>
+      <a:lvl5pPr eaLnBrk="1" hangingPunct="1">
+        <a:defRPr>
+          <a:solidFill>
+            <a:schemeClr val="tx2"/>
+          </a:solidFill>
+        </a:defRPr>
+      </a:lvl5pPr>
+      <a:lvl6pPr eaLnBrk="1" hangingPunct="1">
+        <a:defRPr>
+          <a:solidFill>
+            <a:schemeClr val="tx2"/>
+          </a:solidFill>
+        </a:defRPr>
+      </a:lvl6pPr>
+      <a:lvl7pPr eaLnBrk="1" hangingPunct="1">
+        <a:defRPr>
+          <a:solidFill>
+            <a:schemeClr val="tx2"/>
+          </a:solidFill>
+        </a:defRPr>
+      </a:lvl7pPr>
+      <a:lvl8pPr eaLnBrk="1" hangingPunct="1">
+        <a:defRPr>
+          <a:solidFill>
+            <a:schemeClr val="tx2"/>
+          </a:solidFill>
+        </a:defRPr>
+      </a:lvl8pPr>
+      <a:lvl9pPr eaLnBrk="1" hangingPunct="1">
+        <a:defRPr>
+          <a:solidFill>
+            <a:schemeClr val="tx2"/>
+          </a:solidFill>
+        </a:defRPr>
+      </a:lvl9pPr>
     </p:titleStyle>
     <p:bodyStyle>
-      <a:lvl1pPr marL="342900" indent="-342900" algn="l" defTabSz="914400" rtl="0" eaLnBrk="1" latinLnBrk="0" hangingPunct="1">
+      <a:lvl1pPr marL="342900" indent="-342900" algn="l" defTabSz="457200" rtl="0" eaLnBrk="1" latinLnBrk="0" hangingPunct="1">
         <a:spcBef>
           <a:spcPct val="20000"/>
         </a:spcBef>
-        <a:buFont typeface="Arial" pitchFamily="34" charset="0"/>
-        <a:buChar char="•"/>
-        <a:defRPr sz="3200" kern="1200">
+        <a:spcAft>
+          <a:spcPts val="600"/>
+        </a:spcAft>
+        <a:buClr>
+          <a:schemeClr val="accent1"/>
+        </a:buClr>
+        <a:buFont typeface="Wingdings 2" charset="2"/>
+        <a:buChar char=""/>
+        <a:defRPr sz="1800" kern="1200">
           <a:solidFill>
             <a:schemeClr val="tx1"/>
           </a:solidFill>
@@ -3238,13 +5509,19 @@
           <a:cs typeface="+mn-cs"/>
         </a:defRPr>
       </a:lvl1pPr>
-      <a:lvl2pPr marL="742950" indent="-285750" algn="l" defTabSz="914400" rtl="0" eaLnBrk="1" latinLnBrk="0" hangingPunct="1">
+      <a:lvl2pPr marL="742950" indent="-285750" algn="l" defTabSz="457200" rtl="0" eaLnBrk="1" latinLnBrk="0" hangingPunct="1">
         <a:spcBef>
           <a:spcPct val="20000"/>
         </a:spcBef>
-        <a:buFont typeface="Arial" pitchFamily="34" charset="0"/>
-        <a:buChar char="–"/>
-        <a:defRPr sz="2800" kern="1200">
+        <a:spcAft>
+          <a:spcPts val="600"/>
+        </a:spcAft>
+        <a:buClr>
+          <a:schemeClr val="accent1"/>
+        </a:buClr>
+        <a:buFont typeface="Wingdings 2" charset="2"/>
+        <a:buChar char=""/>
+        <a:defRPr sz="1600" kern="1200">
           <a:solidFill>
             <a:schemeClr val="tx1"/>
           </a:solidFill>
@@ -3253,13 +5530,19 @@
           <a:cs typeface="+mn-cs"/>
         </a:defRPr>
       </a:lvl2pPr>
-      <a:lvl3pPr marL="1143000" indent="-228600" algn="l" defTabSz="914400" rtl="0" eaLnBrk="1" latinLnBrk="0" hangingPunct="1">
+      <a:lvl3pPr marL="1143000" indent="-228600" algn="l" defTabSz="457200" rtl="0" eaLnBrk="1" latinLnBrk="0" hangingPunct="1">
         <a:spcBef>
           <a:spcPct val="20000"/>
         </a:spcBef>
-        <a:buFont typeface="Arial" pitchFamily="34" charset="0"/>
-        <a:buChar char="•"/>
-        <a:defRPr sz="2400" kern="1200">
+        <a:spcAft>
+          <a:spcPts val="600"/>
+        </a:spcAft>
+        <a:buClr>
+          <a:schemeClr val="accent1"/>
+        </a:buClr>
+        <a:buFont typeface="Wingdings 2" charset="2"/>
+        <a:buChar char=""/>
+        <a:defRPr sz="1400" kern="1200">
           <a:solidFill>
             <a:schemeClr val="tx1"/>
           </a:solidFill>
@@ -3268,13 +5551,19 @@
           <a:cs typeface="+mn-cs"/>
         </a:defRPr>
       </a:lvl3pPr>
-      <a:lvl4pPr marL="1600200" indent="-228600" algn="l" defTabSz="914400" rtl="0" eaLnBrk="1" latinLnBrk="0" hangingPunct="1">
+      <a:lvl4pPr marL="1600200" indent="-228600" algn="l" defTabSz="457200" rtl="0" eaLnBrk="1" latinLnBrk="0" hangingPunct="1">
         <a:spcBef>
           <a:spcPct val="20000"/>
         </a:spcBef>
-        <a:buFont typeface="Arial" pitchFamily="34" charset="0"/>
-        <a:buChar char="–"/>
-        <a:defRPr sz="2000" kern="1200">
+        <a:spcAft>
+          <a:spcPts val="600"/>
+        </a:spcAft>
+        <a:buClr>
+          <a:schemeClr val="accent1"/>
+        </a:buClr>
+        <a:buFont typeface="Wingdings 2" charset="2"/>
+        <a:buChar char=""/>
+        <a:defRPr sz="1200" kern="1200">
           <a:solidFill>
             <a:schemeClr val="tx1"/>
           </a:solidFill>
@@ -3283,13 +5572,19 @@
           <a:cs typeface="+mn-cs"/>
         </a:defRPr>
       </a:lvl4pPr>
-      <a:lvl5pPr marL="2057400" indent="-228600" algn="l" defTabSz="914400" rtl="0" eaLnBrk="1" latinLnBrk="0" hangingPunct="1">
+      <a:lvl5pPr marL="2057400" indent="-228600" algn="l" defTabSz="457200" rtl="0" eaLnBrk="1" latinLnBrk="0" hangingPunct="1">
         <a:spcBef>
           <a:spcPct val="20000"/>
         </a:spcBef>
-        <a:buFont typeface="Arial" pitchFamily="34" charset="0"/>
-        <a:buChar char="»"/>
-        <a:defRPr sz="2000" kern="1200">
+        <a:spcAft>
+          <a:spcPts val="600"/>
+        </a:spcAft>
+        <a:buClr>
+          <a:schemeClr val="accent1"/>
+        </a:buClr>
+        <a:buFont typeface="Wingdings 2" charset="2"/>
+        <a:buChar char=""/>
+        <a:defRPr sz="1200" kern="1200">
           <a:solidFill>
             <a:schemeClr val="tx1"/>
           </a:solidFill>
@@ -3298,13 +5593,19 @@
           <a:cs typeface="+mn-cs"/>
         </a:defRPr>
       </a:lvl5pPr>
-      <a:lvl6pPr marL="2514600" indent="-228600" algn="l" defTabSz="914400" rtl="0" eaLnBrk="1" latinLnBrk="0" hangingPunct="1">
+      <a:lvl6pPr marL="2400000" indent="-228600" algn="l" defTabSz="457200" rtl="0" eaLnBrk="1" latinLnBrk="0" hangingPunct="1">
         <a:spcBef>
           <a:spcPct val="20000"/>
         </a:spcBef>
-        <a:buFont typeface="Arial" pitchFamily="34" charset="0"/>
-        <a:buChar char="•"/>
-        <a:defRPr sz="2000" kern="1200">
+        <a:spcAft>
+          <a:spcPts val="600"/>
+        </a:spcAft>
+        <a:buClr>
+          <a:schemeClr val="accent1"/>
+        </a:buClr>
+        <a:buFont typeface="Wingdings 2" charset="2"/>
+        <a:buChar char=""/>
+        <a:defRPr sz="1200" kern="1200">
           <a:solidFill>
             <a:schemeClr val="tx1"/>
           </a:solidFill>
@@ -3313,13 +5614,19 @@
           <a:cs typeface="+mn-cs"/>
         </a:defRPr>
       </a:lvl6pPr>
-      <a:lvl7pPr marL="2971800" indent="-228600" algn="l" defTabSz="914400" rtl="0" eaLnBrk="1" latinLnBrk="0" hangingPunct="1">
+      <a:lvl7pPr marL="2800000" indent="-228600" algn="l" defTabSz="457200" rtl="0" eaLnBrk="1" latinLnBrk="0" hangingPunct="1">
         <a:spcBef>
           <a:spcPct val="20000"/>
         </a:spcBef>
-        <a:buFont typeface="Arial" pitchFamily="34" charset="0"/>
-        <a:buChar char="•"/>
-        <a:defRPr sz="2000" kern="1200">
+        <a:spcAft>
+          <a:spcPts val="600"/>
+        </a:spcAft>
+        <a:buClr>
+          <a:schemeClr val="accent1"/>
+        </a:buClr>
+        <a:buFont typeface="Wingdings 2" charset="2"/>
+        <a:buChar char=""/>
+        <a:defRPr sz="1200" kern="1200">
           <a:solidFill>
             <a:schemeClr val="tx1"/>
           </a:solidFill>
@@ -3328,13 +5635,19 @@
           <a:cs typeface="+mn-cs"/>
         </a:defRPr>
       </a:lvl7pPr>
-      <a:lvl8pPr marL="3429000" indent="-228600" algn="l" defTabSz="914400" rtl="0" eaLnBrk="1" latinLnBrk="0" hangingPunct="1">
+      <a:lvl8pPr marL="3200000" indent="-228600" algn="l" defTabSz="457200" rtl="0" eaLnBrk="1" latinLnBrk="0" hangingPunct="1">
         <a:spcBef>
           <a:spcPct val="20000"/>
         </a:spcBef>
-        <a:buFont typeface="Arial" pitchFamily="34" charset="0"/>
-        <a:buChar char="•"/>
-        <a:defRPr sz="2000" kern="1200">
+        <a:spcAft>
+          <a:spcPts val="600"/>
+        </a:spcAft>
+        <a:buClr>
+          <a:schemeClr val="accent1"/>
+        </a:buClr>
+        <a:buFont typeface="Wingdings 2" charset="2"/>
+        <a:buChar char=""/>
+        <a:defRPr sz="1200" kern="1200">
           <a:solidFill>
             <a:schemeClr val="tx1"/>
           </a:solidFill>
@@ -3343,13 +5656,19 @@
           <a:cs typeface="+mn-cs"/>
         </a:defRPr>
       </a:lvl8pPr>
-      <a:lvl9pPr marL="3886200" indent="-228600" algn="l" defTabSz="914400" rtl="0" eaLnBrk="1" latinLnBrk="0" hangingPunct="1">
+      <a:lvl9pPr marL="3600000" indent="-228600" algn="l" defTabSz="457200" rtl="0" eaLnBrk="1" latinLnBrk="0" hangingPunct="1">
         <a:spcBef>
           <a:spcPct val="20000"/>
         </a:spcBef>
-        <a:buFont typeface="Arial" pitchFamily="34" charset="0"/>
-        <a:buChar char="•"/>
-        <a:defRPr sz="2000" kern="1200">
+        <a:spcAft>
+          <a:spcPts val="600"/>
+        </a:spcAft>
+        <a:buClr>
+          <a:schemeClr val="accent1"/>
+        </a:buClr>
+        <a:buFont typeface="Wingdings 2" charset="2"/>
+        <a:buChar char=""/>
+        <a:defRPr sz="1200" kern="1200">
           <a:solidFill>
             <a:schemeClr val="tx1"/>
           </a:solidFill>
@@ -3361,9 +5680,9 @@
     </p:bodyStyle>
     <p:otherStyle>
       <a:defPPr>
-        <a:defRPr lang="bg-BG"/>
+        <a:defRPr lang="en-US"/>
       </a:defPPr>
-      <a:lvl1pPr marL="0" algn="l" defTabSz="914400" rtl="0" eaLnBrk="1" latinLnBrk="0" hangingPunct="1">
+      <a:lvl1pPr marL="0" algn="l" defTabSz="457200" rtl="0" eaLnBrk="1" latinLnBrk="0" hangingPunct="1">
         <a:defRPr sz="1800" kern="1200">
           <a:solidFill>
             <a:schemeClr val="tx1"/>
@@ -3373,7 +5692,7 @@
           <a:cs typeface="+mn-cs"/>
         </a:defRPr>
       </a:lvl1pPr>
-      <a:lvl2pPr marL="457200" algn="l" defTabSz="914400" rtl="0" eaLnBrk="1" latinLnBrk="0" hangingPunct="1">
+      <a:lvl2pPr marL="457200" algn="l" defTabSz="457200" rtl="0" eaLnBrk="1" latinLnBrk="0" hangingPunct="1">
         <a:defRPr sz="1800" kern="1200">
           <a:solidFill>
             <a:schemeClr val="tx1"/>
@@ -3383,7 +5702,7 @@
           <a:cs typeface="+mn-cs"/>
         </a:defRPr>
       </a:lvl2pPr>
-      <a:lvl3pPr marL="914400" algn="l" defTabSz="914400" rtl="0" eaLnBrk="1" latinLnBrk="0" hangingPunct="1">
+      <a:lvl3pPr marL="914400" algn="l" defTabSz="457200" rtl="0" eaLnBrk="1" latinLnBrk="0" hangingPunct="1">
         <a:defRPr sz="1800" kern="1200">
           <a:solidFill>
             <a:schemeClr val="tx1"/>
@@ -3393,7 +5712,7 @@
           <a:cs typeface="+mn-cs"/>
         </a:defRPr>
       </a:lvl3pPr>
-      <a:lvl4pPr marL="1371600" algn="l" defTabSz="914400" rtl="0" eaLnBrk="1" latinLnBrk="0" hangingPunct="1">
+      <a:lvl4pPr marL="1371600" algn="l" defTabSz="457200" rtl="0" eaLnBrk="1" latinLnBrk="0" hangingPunct="1">
         <a:defRPr sz="1800" kern="1200">
           <a:solidFill>
             <a:schemeClr val="tx1"/>
@@ -3403,7 +5722,7 @@
           <a:cs typeface="+mn-cs"/>
         </a:defRPr>
       </a:lvl4pPr>
-      <a:lvl5pPr marL="1828800" algn="l" defTabSz="914400" rtl="0" eaLnBrk="1" latinLnBrk="0" hangingPunct="1">
+      <a:lvl5pPr marL="1828800" algn="l" defTabSz="457200" rtl="0" eaLnBrk="1" latinLnBrk="0" hangingPunct="1">
         <a:defRPr sz="1800" kern="1200">
           <a:solidFill>
             <a:schemeClr val="tx1"/>
@@ -3413,7 +5732,7 @@
           <a:cs typeface="+mn-cs"/>
         </a:defRPr>
       </a:lvl5pPr>
-      <a:lvl6pPr marL="2286000" algn="l" defTabSz="914400" rtl="0" eaLnBrk="1" latinLnBrk="0" hangingPunct="1">
+      <a:lvl6pPr marL="2286000" algn="l" defTabSz="457200" rtl="0" eaLnBrk="1" latinLnBrk="0" hangingPunct="1">
         <a:defRPr sz="1800" kern="1200">
           <a:solidFill>
             <a:schemeClr val="tx1"/>
@@ -3423,7 +5742,7 @@
           <a:cs typeface="+mn-cs"/>
         </a:defRPr>
       </a:lvl6pPr>
-      <a:lvl7pPr marL="2743200" algn="l" defTabSz="914400" rtl="0" eaLnBrk="1" latinLnBrk="0" hangingPunct="1">
+      <a:lvl7pPr marL="2743200" algn="l" defTabSz="457200" rtl="0" eaLnBrk="1" latinLnBrk="0" hangingPunct="1">
         <a:defRPr sz="1800" kern="1200">
           <a:solidFill>
             <a:schemeClr val="tx1"/>
@@ -3433,7 +5752,7 @@
           <a:cs typeface="+mn-cs"/>
         </a:defRPr>
       </a:lvl7pPr>
-      <a:lvl8pPr marL="3200400" algn="l" defTabSz="914400" rtl="0" eaLnBrk="1" latinLnBrk="0" hangingPunct="1">
+      <a:lvl8pPr marL="3200400" algn="l" defTabSz="457200" rtl="0" eaLnBrk="1" latinLnBrk="0" hangingPunct="1">
         <a:defRPr sz="1800" kern="1200">
           <a:solidFill>
             <a:schemeClr val="tx1"/>
@@ -3443,7 +5762,7 @@
           <a:cs typeface="+mn-cs"/>
         </a:defRPr>
       </a:lvl8pPr>
-      <a:lvl9pPr marL="3657600" algn="l" defTabSz="914400" rtl="0" eaLnBrk="1" latinLnBrk="0" hangingPunct="1">
+      <a:lvl9pPr marL="3657600" algn="l" defTabSz="457200" rtl="0" eaLnBrk="1" latinLnBrk="0" hangingPunct="1">
         <a:defRPr sz="1800" kern="1200">
           <a:solidFill>
             <a:schemeClr val="tx1"/>
@@ -3477,278 +5796,280 @@
       </p:grpSpPr>
       <p:sp>
         <p:nvSpPr>
-          <p:cNvPr id="2" name="Заглавие 1"/>
-          <p:cNvSpPr>
-            <a:spLocks noGrp="1"/>
-          </p:cNvSpPr>
-          <p:nvPr>
-            <p:ph type="ctrTitle"/>
-          </p:nvPr>
-        </p:nvSpPr>
-        <p:spPr>
-          <a:xfrm>
-            <a:off x="685800" y="428605"/>
-            <a:ext cx="7772400" cy="1357321"/>
-          </a:xfrm>
-        </p:spPr>
-        <p:txBody>
-          <a:bodyPr/>
-          <a:lstStyle/>
-          <a:p>
-            <a:r>
-              <a:rPr lang="en-US" dirty="0" smtClean="0"/>
-              <a:t>Team xD</a:t>
-            </a:r>
-            <a:r>
-              <a:rPr lang="bg-BG" dirty="0" smtClean="0"/>
-              <a:t>:</a:t>
-            </a:r>
-            <a:endParaRPr lang="bg-BG" dirty="0"/>
-          </a:p>
-        </p:txBody>
-      </p:sp>
-      <p:sp>
-        <p:nvSpPr>
-          <p:cNvPr id="3" name="Подзаглавие 2"/>
-          <p:cNvSpPr>
-            <a:spLocks noGrp="1"/>
-          </p:cNvSpPr>
-          <p:nvPr>
-            <p:ph type="subTitle" idx="1"/>
-          </p:nvPr>
-        </p:nvSpPr>
-        <p:spPr>
-          <a:xfrm>
-            <a:off x="1500166" y="1428736"/>
-            <a:ext cx="6400800" cy="2109790"/>
-          </a:xfrm>
-        </p:spPr>
+          <p:cNvPr id="2" name="Title 1"/>
+          <p:cNvSpPr>
+            <a:spLocks noGrp="1"/>
+          </p:cNvSpPr>
+          <p:nvPr>
+            <p:ph type="title"/>
+          </p:nvPr>
+        </p:nvSpPr>
+        <p:spPr/>
         <p:txBody>
           <a:bodyPr>
             <a:noAutofit/>
           </a:bodyPr>
           <a:lstStyle/>
           <a:p>
-            <a:pPr marL="514350" indent="-514350"/>
-            <a:r>
-              <a:rPr lang="bg-BG" sz="2400" dirty="0" smtClean="0">
+            <a:pPr algn="ctr"/>
+            <a:r>
+              <a:rPr lang="bg-BG" sz="6000" dirty="0" smtClean="0">
                 <a:solidFill>
                   <a:schemeClr val="tx1">
                     <a:lumMod val="95000"/>
-                    <a:lumOff val="5000"/>
                   </a:schemeClr>
                 </a:solidFill>
               </a:rPr>
-              <a:t>1. Божидар Попниколов – капитан – 8в</a:t>
-            </a:r>
-          </a:p>
-          <a:p>
-            <a:pPr marL="514350" indent="-514350"/>
-            <a:r>
-              <a:rPr lang="bg-BG" sz="2400" dirty="0" smtClean="0">
+              <a:t>Отбор </a:t>
+            </a:r>
+            <a:r>
+              <a:rPr lang="en-US" sz="6000" dirty="0" smtClean="0">
                 <a:solidFill>
                   <a:schemeClr val="tx1">
                     <a:lumMod val="95000"/>
-                    <a:lumOff val="5000"/>
                   </a:schemeClr>
                 </a:solidFill>
               </a:rPr>
-              <a:t>2. Георги Янакиев – участник – 8в</a:t>
-            </a:r>
-          </a:p>
-          <a:p>
-            <a:pPr marL="514350" indent="-514350"/>
-            <a:r>
-              <a:rPr lang="bg-BG" sz="2400" dirty="0" smtClean="0">
+              <a:t>XD</a:t>
+            </a:r>
+            <a:endParaRPr lang="bg-BG" sz="6000" dirty="0">
+              <a:solidFill>
+                <a:schemeClr val="tx1">
+                  <a:lumMod val="95000"/>
+                </a:schemeClr>
+              </a:solidFill>
+            </a:endParaRPr>
+          </a:p>
+        </p:txBody>
+      </p:sp>
+      <p:sp>
+        <p:nvSpPr>
+          <p:cNvPr id="3" name="Content Placeholder 2"/>
+          <p:cNvSpPr>
+            <a:spLocks noGrp="1"/>
+          </p:cNvSpPr>
+          <p:nvPr>
+            <p:ph sz="half" idx="1"/>
+          </p:nvPr>
+        </p:nvSpPr>
+        <p:spPr/>
+        <p:txBody>
+          <a:bodyPr>
+            <a:normAutofit/>
+          </a:bodyPr>
+          <a:lstStyle/>
+          <a:p>
+            <a:pPr marL="0" indent="0">
+              <a:buNone/>
+            </a:pPr>
+            <a:r>
+              <a:rPr lang="bg-BG" dirty="0" smtClean="0">
                 <a:solidFill>
                   <a:schemeClr val="tx1">
                     <a:lumMod val="95000"/>
-                    <a:lumOff val="5000"/>
                   </a:schemeClr>
                 </a:solidFill>
               </a:rPr>
-              <a:t>3. Александър Георгиев – участник – 8в</a:t>
-            </a:r>
-          </a:p>
-          <a:p>
-            <a:pPr marL="514350" indent="-514350"/>
-            <a:r>
-              <a:rPr lang="bg-BG" sz="2400" dirty="0" smtClean="0">
+              <a:t>Участници:</a:t>
+            </a:r>
+          </a:p>
+          <a:p>
+            <a:pPr marL="400050" lvl="1" indent="0">
+              <a:buNone/>
+            </a:pPr>
+            <a:r>
+              <a:rPr lang="bg-BG" dirty="0" smtClean="0">
                 <a:solidFill>
                   <a:schemeClr val="tx1">
                     <a:lumMod val="95000"/>
-                    <a:lumOff val="5000"/>
                   </a:schemeClr>
                 </a:solidFill>
               </a:rPr>
-              <a:t>4. Калоян Чакъров – участник – 8в</a:t>
-            </a:r>
-          </a:p>
-          <a:p>
-            <a:pPr marL="514350" indent="-514350"/>
-            <a:r>
-              <a:rPr lang="bg-BG" sz="2400" dirty="0" smtClean="0">
+              <a:t>Божидар </a:t>
+            </a:r>
+            <a:r>
+              <a:rPr lang="bg-BG" dirty="0" err="1" smtClean="0">
                 <a:solidFill>
                   <a:schemeClr val="tx1">
                     <a:lumMod val="95000"/>
-                    <a:lumOff val="5000"/>
                   </a:schemeClr>
                 </a:solidFill>
               </a:rPr>
-              <a:t>5. Калоян Георгиев – участник – 8б</a:t>
-            </a:r>
-          </a:p>
-          <a:p>
-            <a:pPr marL="514350" indent="-514350"/>
-            <a:r>
-              <a:rPr lang="en-US" sz="2400" dirty="0" smtClean="0">
+              <a:t>Попниколов</a:t>
+            </a:r>
+            <a:r>
+              <a:rPr lang="bg-BG" dirty="0" smtClean="0">
                 <a:solidFill>
                   <a:schemeClr val="tx1">
                     <a:lumMod val="95000"/>
-                    <a:lumOff val="5000"/>
                   </a:schemeClr>
                 </a:solidFill>
               </a:rPr>
-              <a:t>Textures: </a:t>
-            </a:r>
-            <a:r>
-              <a:rPr lang="bg-BG" sz="2400" dirty="0" smtClean="0">
+              <a:t> 8в</a:t>
+            </a:r>
+          </a:p>
+          <a:p>
+            <a:pPr marL="400050" lvl="1" indent="0">
+              <a:buNone/>
+            </a:pPr>
+            <a:r>
+              <a:rPr lang="bg-BG" dirty="0">
                 <a:solidFill>
                   <a:schemeClr val="tx1">
                     <a:lumMod val="95000"/>
-                    <a:lumOff val="5000"/>
                   </a:schemeClr>
                 </a:solidFill>
               </a:rPr>
-              <a:t>Божидар Попниколов ,Калоян Георгиев;</a:t>
-            </a:r>
-            <a:endParaRPr lang="en-US" sz="2400" dirty="0" smtClean="0">
+              <a:t>Александър Георгиев 8в</a:t>
+            </a:r>
+          </a:p>
+          <a:p>
+            <a:pPr marL="400050" lvl="1" indent="0">
+              <a:buNone/>
+            </a:pPr>
+            <a:r>
+              <a:rPr lang="bg-BG" dirty="0" smtClean="0">
+                <a:solidFill>
+                  <a:schemeClr val="tx1">
+                    <a:lumMod val="95000"/>
+                  </a:schemeClr>
+                </a:solidFill>
+              </a:rPr>
+              <a:t>Георги Янакиев 8в</a:t>
+            </a:r>
+          </a:p>
+          <a:p>
+            <a:pPr marL="400050" lvl="1" indent="0">
+              <a:buNone/>
+            </a:pPr>
+            <a:r>
+              <a:rPr lang="bg-BG" dirty="0" smtClean="0">
+                <a:solidFill>
+                  <a:schemeClr val="tx1">
+                    <a:lumMod val="95000"/>
+                  </a:schemeClr>
+                </a:solidFill>
+              </a:rPr>
+              <a:t>Калоян Георгиев 8б</a:t>
+            </a:r>
+          </a:p>
+          <a:p>
+            <a:pPr marL="400050" lvl="1" indent="0">
+              <a:buNone/>
+            </a:pPr>
+            <a:r>
+              <a:rPr lang="bg-BG" dirty="0" smtClean="0">
+                <a:solidFill>
+                  <a:schemeClr val="tx1">
+                    <a:lumMod val="95000"/>
+                  </a:schemeClr>
+                </a:solidFill>
+              </a:rPr>
+              <a:t>Калоян Чакъров 8в</a:t>
+            </a:r>
+            <a:endParaRPr lang="bg-BG" dirty="0">
               <a:solidFill>
                 <a:schemeClr val="tx1">
                   <a:lumMod val="95000"/>
-                  <a:lumOff val="5000"/>
                 </a:schemeClr>
               </a:solidFill>
             </a:endParaRPr>
           </a:p>
-          <a:p>
-            <a:pPr marL="514350" indent="-514350"/>
-            <a:r>
-              <a:rPr lang="en-US" sz="2400" dirty="0" smtClean="0">
+        </p:txBody>
+      </p:sp>
+      <p:sp>
+        <p:nvSpPr>
+          <p:cNvPr id="4" name="Content Placeholder 3"/>
+          <p:cNvSpPr>
+            <a:spLocks noGrp="1"/>
+          </p:cNvSpPr>
+          <p:nvPr>
+            <p:ph sz="half" idx="2"/>
+          </p:nvPr>
+        </p:nvSpPr>
+        <p:spPr>
+          <a:xfrm>
+            <a:off x="4629151" y="2249486"/>
+            <a:ext cx="3656408" cy="3987826"/>
+          </a:xfrm>
+        </p:spPr>
+        <p:txBody>
+          <a:bodyPr>
+            <a:normAutofit/>
+          </a:bodyPr>
+          <a:lstStyle/>
+          <a:p>
+            <a:pPr marL="0" indent="0">
+              <a:buNone/>
+            </a:pPr>
+            <a:r>
+              <a:rPr lang="bg-BG" dirty="0" smtClean="0">
                 <a:solidFill>
                   <a:schemeClr val="tx1">
                     <a:lumMod val="95000"/>
-                    <a:lumOff val="5000"/>
                   </a:schemeClr>
                 </a:solidFill>
               </a:rPr>
-              <a:t>Scripts: </a:t>
-            </a:r>
-            <a:r>
-              <a:rPr lang="bg-BG" sz="2400" dirty="0" smtClean="0">
+              <a:t>Проект:</a:t>
+            </a:r>
+          </a:p>
+          <a:p>
+            <a:pPr marL="457200" lvl="1" indent="0">
+              <a:buNone/>
+            </a:pPr>
+            <a:r>
+              <a:rPr lang="bg-BG" dirty="0" smtClean="0">
                 <a:solidFill>
                   <a:schemeClr val="tx1">
                     <a:lumMod val="95000"/>
-                    <a:lumOff val="5000"/>
                   </a:schemeClr>
                 </a:solidFill>
               </a:rPr>
-              <a:t> Александър Георгиев</a:t>
-            </a:r>
-          </a:p>
-          <a:p>
-            <a:pPr marL="514350" indent="-514350"/>
-            <a:r>
-              <a:rPr lang="en-US" sz="2400" dirty="0" err="1" smtClean="0">
+              <a:t>Игра от тип Е</a:t>
+            </a:r>
+            <a:r>
+              <a:rPr lang="en-US" dirty="0" smtClean="0">
                 <a:solidFill>
                   <a:schemeClr val="tx1">
                     <a:lumMod val="95000"/>
-                    <a:lumOff val="5000"/>
                   </a:schemeClr>
                 </a:solidFill>
               </a:rPr>
-              <a:t>Gameplay</a:t>
-            </a:r>
-            <a:r>
-              <a:rPr lang="en-US" sz="2400" dirty="0" smtClean="0">
+              <a:t>scape room </a:t>
+            </a:r>
+            <a:r>
+              <a:rPr lang="bg-BG" dirty="0" smtClean="0">
                 <a:solidFill>
                   <a:schemeClr val="tx1">
                     <a:lumMod val="95000"/>
-                    <a:lumOff val="5000"/>
                   </a:schemeClr>
                 </a:solidFill>
               </a:rPr>
-              <a:t> – Special Level:</a:t>
-            </a:r>
-            <a:r>
-              <a:rPr lang="bg-BG" sz="2400" dirty="0" smtClean="0">
-                <a:solidFill>
-                  <a:schemeClr val="tx1">
-                    <a:lumMod val="95000"/>
-                    <a:lumOff val="5000"/>
-                  </a:schemeClr>
-                </a:solidFill>
-              </a:rPr>
-              <a:t> Георги Янакиев</a:t>
-            </a:r>
-          </a:p>
-          <a:p>
-            <a:pPr marL="514350" indent="-514350"/>
-            <a:r>
-              <a:rPr lang="en-US" sz="2400" dirty="0" smtClean="0">
-                <a:solidFill>
-                  <a:schemeClr val="tx1">
-                    <a:lumMod val="95000"/>
-                    <a:lumOff val="5000"/>
-                  </a:schemeClr>
-                </a:solidFill>
-              </a:rPr>
-              <a:t>Presentation:  </a:t>
-            </a:r>
-            <a:r>
-              <a:rPr lang="bg-BG" sz="2400" dirty="0" smtClean="0">
-                <a:solidFill>
-                  <a:schemeClr val="tx1">
-                    <a:lumMod val="95000"/>
-                    <a:lumOff val="5000"/>
-                  </a:schemeClr>
-                </a:solidFill>
-              </a:rPr>
-              <a:t>Калоян Чакъров</a:t>
-            </a:r>
-          </a:p>
-          <a:p>
-            <a:pPr marL="514350" indent="-514350"/>
-            <a:endParaRPr lang="bg-BG" sz="2400" dirty="0" smtClean="0">
+              <a:t>с две демо нива. Първото ниво е в хол, в който трябва да откриеш ключа за специалното ниво следвайки загадките. Специалното ниво е замислено със загадки свързани с ТУЕС</a:t>
+            </a:r>
+          </a:p>
+          <a:p>
+            <a:pPr marL="457200" lvl="1" indent="0">
+              <a:buNone/>
+            </a:pPr>
+            <a:endParaRPr lang="bg-BG" dirty="0" smtClean="0">
               <a:solidFill>
-                <a:schemeClr val="tx1">
-                  <a:lumMod val="95000"/>
-                  <a:lumOff val="5000"/>
-                </a:schemeClr>
+                <a:srgbClr val="FFFF00"/>
               </a:solidFill>
             </a:endParaRPr>
           </a:p>
-          <a:p>
-            <a:pPr marL="514350" indent="-514350"/>
-            <a:endParaRPr lang="bg-BG" sz="2400" dirty="0">
-              <a:solidFill>
-                <a:schemeClr val="tx1">
-                  <a:lumMod val="95000"/>
-                  <a:lumOff val="5000"/>
-                </a:schemeClr>
-              </a:solidFill>
-            </a:endParaRPr>
-          </a:p>
         </p:txBody>
       </p:sp>
     </p:spTree>
+    <p:extLst>
+      <p:ext uri="{BB962C8B-B14F-4D97-AF65-F5344CB8AC3E}">
+        <p14:creationId xmlns:p14="http://schemas.microsoft.com/office/powerpoint/2010/main" val="103683014"/>
+      </p:ext>
+    </p:extLst>
   </p:cSld>
   <p:clrMapOvr>
     <a:masterClrMapping/>
   </p:clrMapOvr>
-  <p:transition>
-    <p:dissolve/>
-  </p:transition>
   <p:timing>
     <p:tnLst>
       <p:par>
@@ -3778,42 +6099,103 @@
       </p:grpSpPr>
       <p:sp>
         <p:nvSpPr>
-          <p:cNvPr id="2" name="Заглавие 1"/>
-          <p:cNvSpPr>
-            <a:spLocks noGrp="1"/>
-          </p:cNvSpPr>
-          <p:nvPr>
-            <p:ph type="ctrTitle"/>
-          </p:nvPr>
-        </p:nvSpPr>
-        <p:spPr/>
+          <p:cNvPr id="2" name="Title 1"/>
+          <p:cNvSpPr>
+            <a:spLocks noGrp="1"/>
+          </p:cNvSpPr>
+          <p:nvPr>
+            <p:ph type="title"/>
+          </p:nvPr>
+        </p:nvSpPr>
+        <p:spPr>
+          <a:xfrm>
+            <a:off x="780101" y="332656"/>
+            <a:ext cx="7581415" cy="1478570"/>
+          </a:xfrm>
+        </p:spPr>
         <p:txBody>
           <a:bodyPr/>
           <a:lstStyle/>
           <a:p>
             <a:r>
+              <a:rPr lang="bg-BG" dirty="0" smtClean="0"/>
+              <a:t>Технологии, които използвахме:</a:t>
+            </a:r>
+            <a:endParaRPr lang="bg-BG" dirty="0"/>
+          </a:p>
+        </p:txBody>
+      </p:sp>
+      <p:sp>
+        <p:nvSpPr>
+          <p:cNvPr id="3" name="Content Placeholder 2"/>
+          <p:cNvSpPr>
+            <a:spLocks noGrp="1"/>
+          </p:cNvSpPr>
+          <p:nvPr>
+            <p:ph idx="1"/>
+          </p:nvPr>
+        </p:nvSpPr>
+        <p:spPr/>
+        <p:txBody>
+          <a:bodyPr/>
+          <a:lstStyle/>
+          <a:p>
+            <a:pPr marL="0" indent="0">
+              <a:buNone/>
+            </a:pPr>
+            <a:r>
               <a:rPr lang="en-US" dirty="0" smtClean="0"/>
-              <a:t>Escape room</a:t>
-            </a:r>
-            <a:br>
+              <a:t>Unity3d – engine</a:t>
+            </a:r>
+          </a:p>
+          <a:p>
+            <a:pPr marL="0" indent="0">
+              <a:buNone/>
+            </a:pPr>
+            <a:r>
               <a:rPr lang="en-US" dirty="0" smtClean="0"/>
-            </a:br>
+              <a:t>C# - scripts</a:t>
+            </a:r>
+          </a:p>
+          <a:p>
+            <a:pPr marL="0" indent="0">
+              <a:buNone/>
+            </a:pPr>
+            <a:r>
+              <a:rPr lang="en-US" dirty="0" err="1" smtClean="0"/>
+              <a:t>Krita</a:t>
+            </a:r>
             <a:r>
               <a:rPr lang="en-US" dirty="0" smtClean="0"/>
-              <a:t>Theme – Brain games</a:t>
-            </a:r>
-            <a:endParaRPr lang="bg-BG" dirty="0"/>
+              <a:t> – textures</a:t>
+            </a:r>
+          </a:p>
+          <a:p>
+            <a:pPr marL="0" indent="0">
+              <a:buNone/>
+            </a:pPr>
+            <a:r>
+              <a:rPr lang="en-US" dirty="0" smtClean="0"/>
+              <a:t>Asana – teamwork </a:t>
+            </a:r>
+            <a:r>
+              <a:rPr lang="en-US" dirty="0" err="1" smtClean="0"/>
+              <a:t>managment</a:t>
+            </a:r>
+            <a:endParaRPr lang="en-US" dirty="0" smtClean="0"/>
           </a:p>
         </p:txBody>
       </p:sp>
     </p:spTree>
+    <p:extLst>
+      <p:ext uri="{BB962C8B-B14F-4D97-AF65-F5344CB8AC3E}">
+        <p14:creationId xmlns:p14="http://schemas.microsoft.com/office/powerpoint/2010/main" val="44504048"/>
+      </p:ext>
+    </p:extLst>
   </p:cSld>
   <p:clrMapOvr>
     <a:masterClrMapping/>
   </p:clrMapOvr>
-  <p:transition>
-    <p:wipe/>
-  </p:transition>
   <p:timing>
     <p:tnLst>
       <p:par>
@@ -3843,12 +6225,12 @@
       </p:grpSpPr>
       <p:sp>
         <p:nvSpPr>
-          <p:cNvPr id="2" name="Заглавие 1"/>
-          <p:cNvSpPr>
-            <a:spLocks noGrp="1"/>
-          </p:cNvSpPr>
-          <p:nvPr>
-            <p:ph type="ctrTitle"/>
+          <p:cNvPr id="2" name="Title 1"/>
+          <p:cNvSpPr>
+            <a:spLocks noGrp="1"/>
+          </p:cNvSpPr>
+          <p:nvPr>
+            <p:ph type="title"/>
           </p:nvPr>
         </p:nvSpPr>
         <p:spPr/>
@@ -3866,62 +6248,56 @@
       </p:sp>
       <p:sp>
         <p:nvSpPr>
-          <p:cNvPr id="3" name="Подзаглавие 2"/>
-          <p:cNvSpPr>
-            <a:spLocks noGrp="1"/>
-          </p:cNvSpPr>
-          <p:nvPr>
-            <p:ph type="subTitle" idx="1"/>
+          <p:cNvPr id="3" name="Content Placeholder 2"/>
+          <p:cNvSpPr>
+            <a:spLocks noGrp="1"/>
+          </p:cNvSpPr>
+          <p:nvPr>
+            <p:ph idx="1"/>
           </p:nvPr>
         </p:nvSpPr>
         <p:spPr/>
         <p:txBody>
-          <a:bodyPr>
-            <a:normAutofit/>
-          </a:bodyPr>
+          <a:bodyPr/>
           <a:lstStyle/>
           <a:p>
-            <a:r>
-              <a:rPr lang="bg-BG" dirty="0" smtClean="0">
-                <a:solidFill>
-                  <a:schemeClr val="tx1">
-                    <a:lumMod val="95000"/>
-                    <a:lumOff val="5000"/>
-                  </a:schemeClr>
-                </a:solidFill>
-              </a:rPr>
-              <a:t>Ново </a:t>
-            </a:r>
-            <a:r>
-              <a:rPr lang="en-US" dirty="0" smtClean="0">
-                <a:solidFill>
-                  <a:schemeClr val="tx1">
-                    <a:lumMod val="95000"/>
-                    <a:lumOff val="5000"/>
-                  </a:schemeClr>
-                </a:solidFill>
-              </a:rPr>
-              <a:t>repository</a:t>
-            </a:r>
-            <a:endParaRPr lang="bg-BG" dirty="0">
-              <a:solidFill>
-                <a:schemeClr val="tx1">
-                  <a:lumMod val="95000"/>
-                  <a:lumOff val="5000"/>
-                </a:schemeClr>
-              </a:solidFill>
-            </a:endParaRPr>
+            <a:pPr marL="0" indent="0">
+              <a:buNone/>
+            </a:pPr>
+            <a:r>
+              <a:rPr lang="bg-BG" dirty="0" smtClean="0"/>
+              <a:t>Отначало проекта започна зле. Трябваха ни няколко дни, за да измислим проекта, което ни ограничи времето за изпълнение. В края на първия ден се наложи да направим изцяло ново </a:t>
+            </a:r>
+            <a:r>
+              <a:rPr lang="bg-BG" dirty="0" err="1" smtClean="0"/>
+              <a:t>репозитори</a:t>
+            </a:r>
+            <a:r>
+              <a:rPr lang="bg-BG" dirty="0" smtClean="0"/>
+              <a:t>, а в края на втория ден пропиляхме три часа мъчейки се да съединим два </a:t>
+            </a:r>
+            <a:r>
+              <a:rPr lang="bg-BG" dirty="0" err="1" smtClean="0"/>
+              <a:t>бранча</a:t>
+            </a:r>
+            <a:r>
+              <a:rPr lang="bg-BG" dirty="0" smtClean="0"/>
+              <a:t>, заради които за малко щяхме да си провалим проекта.</a:t>
+            </a:r>
+            <a:endParaRPr lang="bg-BG" dirty="0"/>
           </a:p>
         </p:txBody>
       </p:sp>
     </p:spTree>
+    <p:extLst>
+      <p:ext uri="{BB962C8B-B14F-4D97-AF65-F5344CB8AC3E}">
+        <p14:creationId xmlns:p14="http://schemas.microsoft.com/office/powerpoint/2010/main" val="3895100650"/>
+      </p:ext>
+    </p:extLst>
   </p:cSld>
   <p:clrMapOvr>
     <a:masterClrMapping/>
   </p:clrMapOvr>
-  <p:transition>
-    <p:wipe dir="r"/>
-  </p:transition>
   <p:timing>
     <p:tnLst>
       <p:par>
@@ -3951,22 +6327,32 @@
       </p:grpSpPr>
       <p:sp>
         <p:nvSpPr>
-          <p:cNvPr id="2" name="Заглавие 1"/>
-          <p:cNvSpPr>
-            <a:spLocks noGrp="1"/>
-          </p:cNvSpPr>
-          <p:nvPr>
-            <p:ph type="ctrTitle"/>
-          </p:nvPr>
-        </p:nvSpPr>
-        <p:spPr/>
+          <p:cNvPr id="2" name="Title 1"/>
+          <p:cNvSpPr>
+            <a:spLocks noGrp="1"/>
+          </p:cNvSpPr>
+          <p:nvPr>
+            <p:ph type="title"/>
+          </p:nvPr>
+        </p:nvSpPr>
+        <p:spPr>
+          <a:xfrm>
+            <a:off x="755576" y="188640"/>
+            <a:ext cx="7097935" cy="1478570"/>
+          </a:xfrm>
+        </p:spPr>
         <p:txBody>
           <a:bodyPr/>
           <a:lstStyle/>
           <a:p>
+            <a:pPr algn="ctr"/>
+            <a:r>
+              <a:rPr lang="bg-BG" smtClean="0"/>
+              <a:t>Бъдеща реализация на проекта </a:t>
+            </a:r>
             <a:r>
               <a:rPr lang="bg-BG" dirty="0" smtClean="0"/>
-              <a:t>Технологии, които използвахме:</a:t>
+              <a:t>ни</a:t>
             </a:r>
             <a:endParaRPr lang="bg-BG" dirty="0"/>
           </a:p>
@@ -3974,300 +6360,45 @@
       </p:sp>
       <p:sp>
         <p:nvSpPr>
-          <p:cNvPr id="3" name="Подзаглавие 2"/>
-          <p:cNvSpPr>
-            <a:spLocks noGrp="1"/>
-          </p:cNvSpPr>
-          <p:nvPr>
-            <p:ph type="subTitle" idx="1"/>
-          </p:nvPr>
-        </p:nvSpPr>
-        <p:spPr/>
-        <p:txBody>
-          <a:bodyPr>
-            <a:normAutofit/>
-          </a:bodyPr>
+          <p:cNvPr id="3" name="Content Placeholder 2"/>
+          <p:cNvSpPr>
+            <a:spLocks noGrp="1"/>
+          </p:cNvSpPr>
+          <p:nvPr>
+            <p:ph idx="1"/>
+          </p:nvPr>
+        </p:nvSpPr>
+        <p:spPr>
+          <a:xfrm>
+            <a:off x="856060" y="2708919"/>
+            <a:ext cx="7429499" cy="3082281"/>
+          </a:xfrm>
+        </p:spPr>
+        <p:txBody>
+          <a:bodyPr/>
           <a:lstStyle/>
           <a:p>
-            <a:pPr marL="514350" indent="-514350"/>
-            <a:r>
-              <a:rPr lang="en-US" dirty="0" smtClean="0">
-                <a:solidFill>
-                  <a:schemeClr val="tx1">
-                    <a:lumMod val="95000"/>
-                    <a:lumOff val="5000"/>
-                  </a:schemeClr>
-                </a:solidFill>
-              </a:rPr>
-              <a:t>Unity</a:t>
-            </a:r>
-            <a:r>
-              <a:rPr lang="bg-BG" dirty="0" smtClean="0">
-                <a:solidFill>
-                  <a:schemeClr val="tx1">
-                    <a:lumMod val="95000"/>
-                    <a:lumOff val="5000"/>
-                  </a:schemeClr>
-                </a:solidFill>
-              </a:rPr>
-              <a:t>, </a:t>
-            </a:r>
-            <a:r>
-              <a:rPr lang="en-US" dirty="0" smtClean="0">
-                <a:solidFill>
-                  <a:schemeClr val="tx1">
-                    <a:lumMod val="95000"/>
-                    <a:lumOff val="5000"/>
-                  </a:schemeClr>
-                </a:solidFill>
-              </a:rPr>
-              <a:t>C#</a:t>
-            </a:r>
-            <a:r>
-              <a:rPr lang="bg-BG" dirty="0" smtClean="0">
-                <a:solidFill>
-                  <a:schemeClr val="tx1">
-                    <a:lumMod val="95000"/>
-                    <a:lumOff val="5000"/>
-                  </a:schemeClr>
-                </a:solidFill>
-              </a:rPr>
-              <a:t>, </a:t>
-            </a:r>
-            <a:r>
-              <a:rPr lang="en-US" dirty="0" err="1" smtClean="0">
-                <a:solidFill>
-                  <a:schemeClr val="tx1">
-                    <a:lumMod val="95000"/>
-                    <a:lumOff val="5000"/>
-                  </a:schemeClr>
-                </a:solidFill>
-              </a:rPr>
-              <a:t>Krita</a:t>
-            </a:r>
-            <a:r>
-              <a:rPr lang="en-US" dirty="0" smtClean="0">
-                <a:solidFill>
-                  <a:schemeClr val="tx1">
-                    <a:lumMod val="95000"/>
-                    <a:lumOff val="5000"/>
-                  </a:schemeClr>
-                </a:solidFill>
-              </a:rPr>
-              <a:t>, Asana</a:t>
-            </a:r>
+            <a:pPr marL="0" indent="0">
+              <a:buNone/>
+            </a:pPr>
+            <a:r>
+              <a:rPr lang="bg-BG" dirty="0" smtClean="0"/>
+              <a:t>Смятаме да развием демо версията в напълно функционираща игра. В нея може да се добавят нови нива с различни стаи, както обикновени така и на тема ТУЕС.</a:t>
+            </a:r>
+            <a:endParaRPr lang="bg-BG" dirty="0"/>
           </a:p>
         </p:txBody>
       </p:sp>
     </p:spTree>
+    <p:extLst>
+      <p:ext uri="{BB962C8B-B14F-4D97-AF65-F5344CB8AC3E}">
+        <p14:creationId xmlns:p14="http://schemas.microsoft.com/office/powerpoint/2010/main" val="1302736336"/>
+      </p:ext>
+    </p:extLst>
   </p:cSld>
   <p:clrMapOvr>
     <a:masterClrMapping/>
   </p:clrMapOvr>
-  <p:transition>
-    <p:wipe dir="u"/>
-  </p:transition>
-  <p:timing>
-    <p:tnLst>
-      <p:par>
-        <p:cTn id="1" dur="indefinite" restart="never" nodeType="tmRoot"/>
-      </p:par>
-    </p:tnLst>
-  </p:timing>
-</p:sld>
-</file>
-
-<file path=ppt/slides/slide5.xml><?xml version="1.0" encoding="utf-8"?>
-<p:sld xmlns:a="http://schemas.openxmlformats.org/drawingml/2006/main" xmlns:r="http://schemas.openxmlformats.org/officeDocument/2006/relationships" xmlns:p="http://schemas.openxmlformats.org/presentationml/2006/main">
-  <p:cSld>
-    <p:spTree>
-      <p:nvGrpSpPr>
-        <p:cNvPr id="1" name=""/>
-        <p:cNvGrpSpPr/>
-        <p:nvPr/>
-      </p:nvGrpSpPr>
-      <p:grpSpPr>
-        <a:xfrm>
-          <a:off x="0" y="0"/>
-          <a:ext cx="0" cy="0"/>
-          <a:chOff x="0" y="0"/>
-          <a:chExt cx="0" cy="0"/>
-        </a:xfrm>
-      </p:grpSpPr>
-      <p:sp>
-        <p:nvSpPr>
-          <p:cNvPr id="2" name="Заглавие 1"/>
-          <p:cNvSpPr>
-            <a:spLocks noGrp="1"/>
-          </p:cNvSpPr>
-          <p:nvPr>
-            <p:ph type="ctrTitle"/>
-          </p:nvPr>
-        </p:nvSpPr>
-        <p:spPr/>
-        <p:txBody>
-          <a:bodyPr/>
-          <a:lstStyle/>
-          <a:p>
-            <a:r>
-              <a:rPr lang="bg-BG" dirty="0" smtClean="0"/>
-              <a:t>Бъдеща реализация на проекта</a:t>
-            </a:r>
-            <a:endParaRPr lang="bg-BG" dirty="0"/>
-          </a:p>
-        </p:txBody>
-      </p:sp>
-      <p:sp>
-        <p:nvSpPr>
-          <p:cNvPr id="3" name="Подзаглавие 2"/>
-          <p:cNvSpPr>
-            <a:spLocks noGrp="1"/>
-          </p:cNvSpPr>
-          <p:nvPr>
-            <p:ph type="subTitle" idx="1"/>
-          </p:nvPr>
-        </p:nvSpPr>
-        <p:spPr/>
-        <p:txBody>
-          <a:bodyPr>
-            <a:normAutofit/>
-          </a:bodyPr>
-          <a:lstStyle/>
-          <a:p>
-            <a:pPr marL="514350" indent="-514350">
-              <a:buAutoNum type="arabicPeriod"/>
-            </a:pPr>
-            <a:r>
-              <a:rPr lang="bg-BG" dirty="0" smtClean="0">
-                <a:solidFill>
-                  <a:schemeClr val="tx1">
-                    <a:lumMod val="95000"/>
-                    <a:lumOff val="5000"/>
-                  </a:schemeClr>
-                </a:solidFill>
-              </a:rPr>
-              <a:t>Нови стаи</a:t>
-            </a:r>
-          </a:p>
-          <a:p>
-            <a:pPr marL="514350" indent="-514350"/>
-            <a:r>
-              <a:rPr lang="bg-BG" dirty="0" smtClean="0">
-                <a:solidFill>
-                  <a:schemeClr val="tx1">
-                    <a:lumMod val="95000"/>
-                    <a:lumOff val="5000"/>
-                  </a:schemeClr>
-                </a:solidFill>
-              </a:rPr>
-              <a:t>2. </a:t>
-            </a:r>
-            <a:r>
-              <a:rPr lang="bg-BG" dirty="0" err="1" smtClean="0">
-                <a:solidFill>
-                  <a:schemeClr val="tx1">
-                    <a:lumMod val="95000"/>
-                    <a:lumOff val="5000"/>
-                  </a:schemeClr>
-                </a:solidFill>
-              </a:rPr>
-              <a:t>Мултиплейър</a:t>
-            </a:r>
-            <a:r>
-              <a:rPr lang="bg-BG" dirty="0" smtClean="0">
-                <a:solidFill>
-                  <a:schemeClr val="tx1">
-                    <a:lumMod val="95000"/>
-                    <a:lumOff val="5000"/>
-                  </a:schemeClr>
-                </a:solidFill>
-              </a:rPr>
-              <a:t> </a:t>
-            </a:r>
-            <a:endParaRPr lang="bg-BG" dirty="0">
-              <a:solidFill>
-                <a:schemeClr val="tx1">
-                  <a:lumMod val="95000"/>
-                  <a:lumOff val="5000"/>
-                </a:schemeClr>
-              </a:solidFill>
-            </a:endParaRPr>
-          </a:p>
-        </p:txBody>
-      </p:sp>
-    </p:spTree>
-  </p:cSld>
-  <p:clrMapOvr>
-    <a:masterClrMapping/>
-  </p:clrMapOvr>
-  <p:transition>
-    <p:wipe dir="d"/>
-  </p:transition>
-  <p:timing>
-    <p:tnLst>
-      <p:par>
-        <p:cTn id="1" dur="indefinite" restart="never" nodeType="tmRoot"/>
-      </p:par>
-    </p:tnLst>
-  </p:timing>
-</p:sld>
-</file>
-
-<file path=ppt/slides/slide6.xml><?xml version="1.0" encoding="utf-8"?>
-<p:sld xmlns:a="http://schemas.openxmlformats.org/drawingml/2006/main" xmlns:r="http://schemas.openxmlformats.org/officeDocument/2006/relationships" xmlns:p="http://schemas.openxmlformats.org/presentationml/2006/main">
-  <p:cSld>
-    <p:spTree>
-      <p:nvGrpSpPr>
-        <p:cNvPr id="1" name=""/>
-        <p:cNvGrpSpPr/>
-        <p:nvPr/>
-      </p:nvGrpSpPr>
-      <p:grpSpPr>
-        <a:xfrm>
-          <a:off x="0" y="0"/>
-          <a:ext cx="0" cy="0"/>
-          <a:chOff x="0" y="0"/>
-          <a:chExt cx="0" cy="0"/>
-        </a:xfrm>
-      </p:grpSpPr>
-      <p:sp>
-        <p:nvSpPr>
-          <p:cNvPr id="2" name="Заглавие 1"/>
-          <p:cNvSpPr>
-            <a:spLocks noGrp="1"/>
-          </p:cNvSpPr>
-          <p:nvPr>
-            <p:ph type="title"/>
-          </p:nvPr>
-        </p:nvSpPr>
-        <p:spPr>
-          <a:xfrm>
-            <a:off x="457200" y="274638"/>
-            <a:ext cx="8229600" cy="5654692"/>
-          </a:xfrm>
-        </p:spPr>
-        <p:txBody>
-          <a:bodyPr>
-            <a:normAutofit/>
-          </a:bodyPr>
-          <a:lstStyle/>
-          <a:p>
-            <a:r>
-              <a:rPr lang="bg-BG" dirty="0" smtClean="0"/>
-              <a:t>Благодарим за вниманието!</a:t>
-            </a:r>
-            <a:endParaRPr lang="bg-BG" dirty="0"/>
-          </a:p>
-        </p:txBody>
-      </p:sp>
-    </p:spTree>
-  </p:cSld>
-  <p:clrMapOvr>
-    <a:masterClrMapping/>
-  </p:clrMapOvr>
-  <p:transition>
-    <p:fade/>
-  </p:transition>
   <p:timing>
     <p:tnLst>
       <p:par>
@@ -4279,9 +6410,9 @@
 </file>
 
 <file path=ppt/theme/theme1.xml><?xml version="1.0" encoding="utf-8"?>
-<a:theme xmlns:a="http://schemas.openxmlformats.org/drawingml/2006/main" name="Office тема">
+<a:theme xmlns:a="http://schemas.openxmlformats.org/drawingml/2006/main" name="Quotable">
   <a:themeElements>
-    <a:clrScheme name="Оffice">
+    <a:clrScheme name="Quotable">
       <a:dk1>
         <a:sysClr val="windowText" lastClr="000000"/>
       </a:dk1>
@@ -4289,82 +6420,48 @@
         <a:sysClr val="window" lastClr="FFFFFF"/>
       </a:lt1>
       <a:dk2>
-        <a:srgbClr val="1F497D"/>
+        <a:srgbClr val="212121"/>
       </a:dk2>
       <a:lt2>
-        <a:srgbClr val="EEECE1"/>
+        <a:srgbClr val="636363"/>
       </a:lt2>
       <a:accent1>
-        <a:srgbClr val="4F81BD"/>
+        <a:srgbClr val="00C6BB"/>
       </a:accent1>
       <a:accent2>
-        <a:srgbClr val="C0504D"/>
+        <a:srgbClr val="6FEBA0"/>
       </a:accent2>
       <a:accent3>
-        <a:srgbClr val="9BBB59"/>
+        <a:srgbClr val="B6DF5E"/>
       </a:accent3>
       <a:accent4>
-        <a:srgbClr val="8064A2"/>
+        <a:srgbClr val="EFB251"/>
       </a:accent4>
       <a:accent5>
-        <a:srgbClr val="4BACC6"/>
+        <a:srgbClr val="EF755F"/>
       </a:accent5>
       <a:accent6>
-        <a:srgbClr val="F79646"/>
+        <a:srgbClr val="ED515C"/>
       </a:accent6>
       <a:hlink>
-        <a:srgbClr val="0000FF"/>
+        <a:srgbClr val="8F8F8F"/>
       </a:hlink>
       <a:folHlink>
-        <a:srgbClr val="800080"/>
+        <a:srgbClr val="A5A5A5"/>
       </a:folHlink>
     </a:clrScheme>
-    <a:fontScheme name="Оffice">
+    <a:fontScheme name="Quotable">
       <a:majorFont>
-        <a:latin typeface="Calibri"/>
+        <a:latin typeface="Century Gothic" panose="020B0502020202020204"/>
         <a:ea typeface=""/>
         <a:cs typeface=""/>
-        <a:font script="Jpan" typeface="ＭＳ Ｐゴシック"/>
+        <a:font script="Jpan" typeface="ＭＳ ゴシック"/>
         <a:font script="Hang" typeface="맑은 고딕"/>
         <a:font script="Hans" typeface="宋体"/>
         <a:font script="Hant" typeface="新細明體"/>
-        <a:font script="Arab" typeface="Times New Roman"/>
-        <a:font script="Hebr" typeface="Times New Roman"/>
-        <a:font script="Thai" typeface="Angsana New"/>
-        <a:font script="Ethi" typeface="Nyala"/>
-        <a:font script="Beng" typeface="Vrinda"/>
-        <a:font script="Gujr" typeface="Shruti"/>
-        <a:font script="Khmr" typeface="MoolBoran"/>
-        <a:font script="Knda" typeface="Tunga"/>
-        <a:font script="Guru" typeface="Raavi"/>
-        <a:font script="Cans" typeface="Euphemia"/>
-        <a:font script="Cher" typeface="Plantagenet Cherokee"/>
-        <a:font script="Yiii" typeface="Microsoft Yi Baiti"/>
-        <a:font script="Tibt" typeface="Microsoft Himalaya"/>
-        <a:font script="Thaa" typeface="MV Boli"/>
-        <a:font script="Deva" typeface="Mangal"/>
-        <a:font script="Telu" typeface="Gautami"/>
-        <a:font script="Taml" typeface="Latha"/>
-        <a:font script="Syrc" typeface="Estrangelo Edessa"/>
-        <a:font script="Orya" typeface="Kalinga"/>
-        <a:font script="Mlym" typeface="Kartika"/>
-        <a:font script="Laoo" typeface="DokChampa"/>
-        <a:font script="Sinh" typeface="Iskoola Pota"/>
-        <a:font script="Mong" typeface="Mongolian Baiti"/>
-        <a:font script="Viet" typeface="Times New Roman"/>
-        <a:font script="Uigh" typeface="Microsoft Uighur"/>
-      </a:majorFont>
-      <a:minorFont>
-        <a:latin typeface="Calibri"/>
-        <a:ea typeface=""/>
-        <a:cs typeface=""/>
-        <a:font script="Jpan" typeface="ＭＳ Ｐゴシック"/>
-        <a:font script="Hang" typeface="맑은 고딕"/>
-        <a:font script="Hans" typeface="宋体"/>
-        <a:font script="Hant" typeface="新細明體"/>
-        <a:font script="Arab" typeface="Arial"/>
-        <a:font script="Hebr" typeface="Arial"/>
-        <a:font script="Thai" typeface="Cordia New"/>
+        <a:font script="Arab" typeface="Tahoma"/>
+        <a:font script="Hebr" typeface="Gisha"/>
+        <a:font script="Thai" typeface="DilleniaUPC"/>
         <a:font script="Ethi" typeface="Nyala"/>
         <a:font script="Beng" typeface="Vrinda"/>
         <a:font script="Gujr" typeface="Shruti"/>
@@ -4385,11 +6482,47 @@
         <a:font script="Laoo" typeface="DokChampa"/>
         <a:font script="Sinh" typeface="Iskoola Pota"/>
         <a:font script="Mong" typeface="Mongolian Baiti"/>
-        <a:font script="Viet" typeface="Arial"/>
+        <a:font script="Viet" typeface="Tahoma"/>
         <a:font script="Uigh" typeface="Microsoft Uighur"/>
+        <a:font script="Geor" typeface="Sylfaen"/>
+      </a:majorFont>
+      <a:minorFont>
+        <a:latin typeface="Century Gothic" panose="020B0502020202020204"/>
+        <a:ea typeface=""/>
+        <a:cs typeface=""/>
+        <a:font script="Jpan" typeface="ＭＳ ゴシック"/>
+        <a:font script="Hang" typeface="맑은 고딕"/>
+        <a:font script="Hans" typeface="宋体"/>
+        <a:font script="Hant" typeface="新細明體"/>
+        <a:font script="Arab" typeface="Tahoma"/>
+        <a:font script="Hebr" typeface="Gisha"/>
+        <a:font script="Thai" typeface="DilleniaUPC"/>
+        <a:font script="Ethi" typeface="Nyala"/>
+        <a:font script="Beng" typeface="Vrinda"/>
+        <a:font script="Gujr" typeface="Shruti"/>
+        <a:font script="Khmr" typeface="DaunPenh"/>
+        <a:font script="Knda" typeface="Tunga"/>
+        <a:font script="Guru" typeface="Raavi"/>
+        <a:font script="Cans" typeface="Euphemia"/>
+        <a:font script="Cher" typeface="Plantagenet Cherokee"/>
+        <a:font script="Yiii" typeface="Microsoft Yi Baiti"/>
+        <a:font script="Tibt" typeface="Microsoft Himalaya"/>
+        <a:font script="Thaa" typeface="MV Boli"/>
+        <a:font script="Deva" typeface="Mangal"/>
+        <a:font script="Telu" typeface="Gautami"/>
+        <a:font script="Taml" typeface="Latha"/>
+        <a:font script="Syrc" typeface="Estrangelo Edessa"/>
+        <a:font script="Orya" typeface="Kalinga"/>
+        <a:font script="Mlym" typeface="Kartika"/>
+        <a:font script="Laoo" typeface="DokChampa"/>
+        <a:font script="Sinh" typeface="Iskoola Pota"/>
+        <a:font script="Mong" typeface="Mongolian Baiti"/>
+        <a:font script="Viet" typeface="Verdana"/>
+        <a:font script="Uigh" typeface="Microsoft Uighur"/>
+        <a:font script="Geor" typeface="Sylfaen"/>
       </a:minorFont>
     </a:fontScheme>
-    <a:fmtScheme name="Оffice">
+    <a:fmtScheme name="Quotable">
       <a:fillStyleLst>
         <a:solidFill>
           <a:schemeClr val="phClr"/>
@@ -4398,66 +6531,48 @@
           <a:gsLst>
             <a:gs pos="0">
               <a:schemeClr val="phClr">
-                <a:tint val="50000"/>
-                <a:satMod val="300000"/>
-              </a:schemeClr>
-            </a:gs>
-            <a:gs pos="35000">
-              <a:schemeClr val="phClr">
-                <a:tint val="37000"/>
-                <a:satMod val="300000"/>
+                <a:tint val="80000"/>
+                <a:lumMod val="105000"/>
               </a:schemeClr>
             </a:gs>
             <a:gs pos="100000">
               <a:schemeClr val="phClr">
-                <a:tint val="15000"/>
-                <a:satMod val="350000"/>
+                <a:tint val="90000"/>
               </a:schemeClr>
             </a:gs>
           </a:gsLst>
-          <a:lin ang="16200000" scaled="1"/>
+          <a:lin ang="5400000" scaled="0"/>
         </a:gradFill>
-        <a:gradFill rotWithShape="1">
-          <a:gsLst>
-            <a:gs pos="0">
+        <a:blipFill rotWithShape="1">
+          <a:blip xmlns:r="http://schemas.openxmlformats.org/officeDocument/2006/relationships" r:embed="rId1">
+            <a:duotone>
               <a:schemeClr val="phClr">
-                <a:shade val="51000"/>
-                <a:satMod val="130000"/>
+                <a:tint val="98000"/>
+                <a:lumMod val="102000"/>
               </a:schemeClr>
-            </a:gs>
-            <a:gs pos="80000">
               <a:schemeClr val="phClr">
-                <a:shade val="93000"/>
-                <a:satMod val="130000"/>
+                <a:shade val="98000"/>
+                <a:lumMod val="98000"/>
               </a:schemeClr>
-            </a:gs>
-            <a:gs pos="100000">
-              <a:schemeClr val="phClr">
-                <a:shade val="94000"/>
-                <a:satMod val="135000"/>
-              </a:schemeClr>
-            </a:gs>
-          </a:gsLst>
-          <a:lin ang="16200000" scaled="0"/>
-        </a:gradFill>
+            </a:duotone>
+          </a:blip>
+          <a:tile tx="0" ty="0" sx="100000" sy="100000" flip="none" algn="tl"/>
+        </a:blipFill>
       </a:fillStyleLst>
       <a:lnStyleLst>
-        <a:ln w="9525" cap="flat" cmpd="sng" algn="ctr">
-          <a:solidFill>
-            <a:schemeClr val="phClr">
-              <a:shade val="95000"/>
-              <a:satMod val="105000"/>
-            </a:schemeClr>
-          </a:solidFill>
-          <a:prstDash val="solid"/>
-        </a:ln>
-        <a:ln w="25400" cap="flat" cmpd="sng" algn="ctr">
+        <a:ln w="9525" cap="rnd" cmpd="sng" algn="ctr">
           <a:solidFill>
             <a:schemeClr val="phClr"/>
           </a:solidFill>
           <a:prstDash val="solid"/>
         </a:ln>
-        <a:ln w="38100" cap="flat" cmpd="sng" algn="ctr">
+        <a:ln w="15875" cap="rnd" cmpd="sng" algn="ctr">
+          <a:solidFill>
+            <a:schemeClr val="phClr"/>
+          </a:solidFill>
+          <a:prstDash val="solid"/>
+        </a:ln>
+        <a:ln w="25400" cap="rnd" cmpd="sng" algn="ctr">
           <a:solidFill>
             <a:schemeClr val="phClr"/>
           </a:solidFill>
@@ -4466,42 +6581,19 @@
       </a:lnStyleLst>
       <a:effectStyleLst>
         <a:effectStyle>
-          <a:effectLst>
-            <a:outerShdw blurRad="40000" dist="20000" dir="5400000" rotWithShape="0">
-              <a:srgbClr val="000000">
-                <a:alpha val="38000"/>
-              </a:srgbClr>
-            </a:outerShdw>
-          </a:effectLst>
+          <a:effectLst/>
+        </a:effectStyle>
+        <a:effectStyle>
+          <a:effectLst/>
         </a:effectStyle>
         <a:effectStyle>
           <a:effectLst>
-            <a:outerShdw blurRad="40000" dist="23000" dir="5400000" rotWithShape="0">
+            <a:innerShdw blurRad="63500" dist="25400" dir="13500000">
               <a:srgbClr val="000000">
-                <a:alpha val="35000"/>
+                <a:alpha val="75000"/>
               </a:srgbClr>
-            </a:outerShdw>
+            </a:innerShdw>
           </a:effectLst>
-        </a:effectStyle>
-        <a:effectStyle>
-          <a:effectLst>
-            <a:outerShdw blurRad="40000" dist="23000" dir="5400000" rotWithShape="0">
-              <a:srgbClr val="000000">
-                <a:alpha val="35000"/>
-              </a:srgbClr>
-            </a:outerShdw>
-          </a:effectLst>
-          <a:scene3d>
-            <a:camera prst="orthographicFront">
-              <a:rot lat="0" lon="0" rev="0"/>
-            </a:camera>
-            <a:lightRig rig="threePt" dir="t">
-              <a:rot lat="0" lon="0" rev="1200000"/>
-            </a:lightRig>
-          </a:scene3d>
-          <a:sp3d>
-            <a:bevelT w="63500" h="25400"/>
-          </a:sp3d>
         </a:effectStyle>
       </a:effectStyleLst>
       <a:bgFillStyleLst>
@@ -4512,52 +6604,45 @@
           <a:gsLst>
             <a:gs pos="0">
               <a:schemeClr val="phClr">
-                <a:tint val="40000"/>
-                <a:satMod val="350000"/>
-              </a:schemeClr>
-            </a:gs>
-            <a:gs pos="40000">
-              <a:schemeClr val="phClr">
-                <a:tint val="45000"/>
-                <a:shade val="99000"/>
-                <a:satMod val="350000"/>
+                <a:tint val="100000"/>
               </a:schemeClr>
             </a:gs>
             <a:gs pos="100000">
               <a:schemeClr val="phClr">
-                <a:shade val="20000"/>
-                <a:satMod val="255000"/>
+                <a:tint val="84000"/>
+                <a:shade val="84000"/>
+                <a:lumMod val="90000"/>
               </a:schemeClr>
             </a:gs>
           </a:gsLst>
-          <a:path path="circle">
-            <a:fillToRect l="50000" t="-80000" r="50000" b="180000"/>
-          </a:path>
+          <a:lin ang="5400000" scaled="0"/>
         </a:gradFill>
         <a:gradFill rotWithShape="1">
           <a:gsLst>
             <a:gs pos="0">
               <a:schemeClr val="phClr">
-                <a:tint val="80000"/>
-                <a:satMod val="300000"/>
+                <a:tint val="84000"/>
+                <a:shade val="90000"/>
+                <a:satMod val="120000"/>
+                <a:lumMod val="90000"/>
               </a:schemeClr>
             </a:gs>
             <a:gs pos="100000">
-              <a:schemeClr val="phClr">
-                <a:shade val="30000"/>
-                <a:satMod val="200000"/>
-              </a:schemeClr>
+              <a:schemeClr val="phClr"/>
             </a:gs>
           </a:gsLst>
-          <a:path path="circle">
-            <a:fillToRect l="50000" t="50000" r="50000" b="50000"/>
-          </a:path>
+          <a:lin ang="5400000" scaled="0"/>
         </a:gradFill>
       </a:bgFillStyleLst>
     </a:fmtScheme>
   </a:themeElements>
   <a:objectDefaults/>
   <a:extraClrSchemeLst/>
+  <a:extLst>
+    <a:ext uri="{05A4C25C-085E-4340-85A3-A5531E510DB2}">
+      <thm15:themeFamily xmlns:thm15="http://schemas.microsoft.com/office/thememl/2012/main" name="Quotable" id="{39EC5628-30ED-4578-ACD8-9820EDB8E15A}" vid="{6F3559E9-1A4C-49D8-94D4-F41003531C49}"/>
+    </a:ext>
+  </a:extLst>
 </a:theme>
 </file>
 
